--- a/oreilly_advanced_sql_for_data_analysis.pptx
+++ b/oreilly_advanced_sql_for_data_analysis.pptx
@@ -5,7 +5,7 @@
     <p:sldMasterId id="2147483648" r:id="rId1"/>
   </p:sldMasterIdLst>
   <p:notesMasterIdLst>
-    <p:notesMasterId r:id="rId9"/>
+    <p:notesMasterId r:id="rId13"/>
   </p:notesMasterIdLst>
   <p:sldIdLst>
     <p:sldId id="256" r:id="rId2"/>
@@ -13,8 +13,12 @@
     <p:sldId id="258" r:id="rId4"/>
     <p:sldId id="259" r:id="rId5"/>
     <p:sldId id="260" r:id="rId6"/>
-    <p:sldId id="261" r:id="rId7"/>
-    <p:sldId id="262" r:id="rId8"/>
+    <p:sldId id="263" r:id="rId7"/>
+    <p:sldId id="264" r:id="rId8"/>
+    <p:sldId id="265" r:id="rId9"/>
+    <p:sldId id="266" r:id="rId10"/>
+    <p:sldId id="261" r:id="rId11"/>
+    <p:sldId id="262" r:id="rId12"/>
   </p:sldIdLst>
   <p:sldSz cx="12192000" cy="6858000"/>
   <p:notesSz cx="6858000" cy="9144000"/>
@@ -203,7 +207,7 @@
           <a:p>
             <a:fld id="{D68E09DD-A271-4E46-9B09-7316EE422583}" type="datetimeFigureOut">
               <a:rPr lang="en-US"/>
-              <a:t>7/26/2017</a:t>
+              <a:t>7/30/2017</a:t>
             </a:fld>
             <a:endParaRPr lang="en-US"/>
           </a:p>
@@ -535,7 +539,7 @@
           <a:p>
             <a:fld id="{875C1EAC-EC95-40C2-8C11-3A25F20A67F3}" type="slidenum">
               <a:rPr lang="en-US"/>
-              <a:t>‹#›</a:t>
+              <a:t>2</a:t>
             </a:fld>
             <a:endParaRPr lang="en-US"/>
           </a:p>
@@ -545,6 +549,90 @@
     <p:extLst>
       <p:ext uri="{BB962C8B-B14F-4D97-AF65-F5344CB8AC3E}">
         <p14:creationId xmlns:p14="http://schemas.microsoft.com/office/powerpoint/2010/main" val="3189311681"/>
+      </p:ext>
+    </p:extLst>
+  </p:cSld>
+  <p:clrMapOvr>
+    <a:masterClrMapping/>
+  </p:clrMapOvr>
+</p:notes>
+</file>
+
+<file path=ppt/notesSlides/notesSlide10.xml><?xml version="1.0" encoding="utf-8"?>
+<p:notes xmlns:a="http://schemas.openxmlformats.org/drawingml/2006/main" xmlns:r="http://schemas.openxmlformats.org/officeDocument/2006/relationships" xmlns:p="http://schemas.openxmlformats.org/presentationml/2006/main">
+  <p:cSld>
+    <p:spTree>
+      <p:nvGrpSpPr>
+        <p:cNvPr id="1" name=""/>
+        <p:cNvGrpSpPr/>
+        <p:nvPr/>
+      </p:nvGrpSpPr>
+      <p:grpSpPr>
+        <a:xfrm>
+          <a:off x="0" y="0"/>
+          <a:ext cx="0" cy="0"/>
+          <a:chOff x="0" y="0"/>
+          <a:chExt cx="0" cy="0"/>
+        </a:xfrm>
+      </p:grpSpPr>
+      <p:sp>
+        <p:nvSpPr>
+          <p:cNvPr id="2" name="Slide Image Placeholder 1"/>
+          <p:cNvSpPr>
+            <a:spLocks noGrp="1" noRot="1" noChangeAspect="1"/>
+          </p:cNvSpPr>
+          <p:nvPr>
+            <p:ph type="sldImg"/>
+          </p:nvPr>
+        </p:nvSpPr>
+        <p:spPr/>
+      </p:sp>
+      <p:sp>
+        <p:nvSpPr>
+          <p:cNvPr id="3" name="Notes Placeholder 2"/>
+          <p:cNvSpPr>
+            <a:spLocks noGrp="1"/>
+          </p:cNvSpPr>
+          <p:nvPr>
+            <p:ph type="body" idx="1"/>
+          </p:nvPr>
+        </p:nvSpPr>
+        <p:spPr/>
+        <p:txBody>
+          <a:bodyPr/>
+          <a:lstStyle/>
+          <a:p>
+            <a:endParaRPr lang="en-US"/>
+          </a:p>
+        </p:txBody>
+      </p:sp>
+      <p:sp>
+        <p:nvSpPr>
+          <p:cNvPr id="4" name="Slide Number Placeholder 3"/>
+          <p:cNvSpPr>
+            <a:spLocks noGrp="1"/>
+          </p:cNvSpPr>
+          <p:nvPr>
+            <p:ph type="sldNum" sz="quarter" idx="10"/>
+          </p:nvPr>
+        </p:nvSpPr>
+        <p:spPr/>
+        <p:txBody>
+          <a:bodyPr/>
+          <a:lstStyle/>
+          <a:p>
+            <a:fld id="{875C1EAC-EC95-40C2-8C11-3A25F20A67F3}" type="slidenum">
+              <a:rPr lang="en-US"/>
+              <a:t>7</a:t>
+            </a:fld>
+            <a:endParaRPr lang="en-US"/>
+          </a:p>
+        </p:txBody>
+      </p:sp>
+    </p:spTree>
+    <p:extLst>
+      <p:ext uri="{BB962C8B-B14F-4D97-AF65-F5344CB8AC3E}">
+        <p14:creationId xmlns:p14="http://schemas.microsoft.com/office/powerpoint/2010/main" val="1938021721"/>
       </p:ext>
     </p:extLst>
   </p:cSld>
@@ -619,7 +707,7 @@
           <a:p>
             <a:fld id="{875C1EAC-EC95-40C2-8C11-3A25F20A67F3}" type="slidenum">
               <a:rPr lang="en-US"/>
-              <a:t>‹#›</a:t>
+              <a:t>3</a:t>
             </a:fld>
             <a:endParaRPr lang="en-US"/>
           </a:p>
@@ -703,7 +791,7 @@
           <a:p>
             <a:fld id="{875C1EAC-EC95-40C2-8C11-3A25F20A67F3}" type="slidenum">
               <a:rPr lang="en-US"/>
-              <a:t>‹#›</a:t>
+              <a:t>4</a:t>
             </a:fld>
             <a:endParaRPr lang="en-US"/>
           </a:p>
@@ -787,7 +875,7 @@
           <a:p>
             <a:fld id="{875C1EAC-EC95-40C2-8C11-3A25F20A67F3}" type="slidenum">
               <a:rPr lang="en-US"/>
-              <a:t>‹#›</a:t>
+              <a:t>5</a:t>
             </a:fld>
             <a:endParaRPr lang="en-US"/>
           </a:p>
@@ -880,7 +968,7 @@
     </p:spTree>
     <p:extLst>
       <p:ext uri="{BB962C8B-B14F-4D97-AF65-F5344CB8AC3E}">
-        <p14:creationId xmlns:p14="http://schemas.microsoft.com/office/powerpoint/2010/main" val="593340005"/>
+        <p14:creationId xmlns:p14="http://schemas.microsoft.com/office/powerpoint/2010/main" val="1771915572"/>
       </p:ext>
     </p:extLst>
   </p:cSld>
@@ -964,7 +1052,259 @@
     </p:spTree>
     <p:extLst>
       <p:ext uri="{BB962C8B-B14F-4D97-AF65-F5344CB8AC3E}">
-        <p14:creationId xmlns:p14="http://schemas.microsoft.com/office/powerpoint/2010/main" val="1938021721"/>
+        <p14:creationId xmlns:p14="http://schemas.microsoft.com/office/powerpoint/2010/main" val="2007385577"/>
+      </p:ext>
+    </p:extLst>
+  </p:cSld>
+  <p:clrMapOvr>
+    <a:masterClrMapping/>
+  </p:clrMapOvr>
+</p:notes>
+</file>
+
+<file path=ppt/notesSlides/notesSlide7.xml><?xml version="1.0" encoding="utf-8"?>
+<p:notes xmlns:a="http://schemas.openxmlformats.org/drawingml/2006/main" xmlns:r="http://schemas.openxmlformats.org/officeDocument/2006/relationships" xmlns:p="http://schemas.openxmlformats.org/presentationml/2006/main">
+  <p:cSld>
+    <p:spTree>
+      <p:nvGrpSpPr>
+        <p:cNvPr id="1" name=""/>
+        <p:cNvGrpSpPr/>
+        <p:nvPr/>
+      </p:nvGrpSpPr>
+      <p:grpSpPr>
+        <a:xfrm>
+          <a:off x="0" y="0"/>
+          <a:ext cx="0" cy="0"/>
+          <a:chOff x="0" y="0"/>
+          <a:chExt cx="0" cy="0"/>
+        </a:xfrm>
+      </p:grpSpPr>
+      <p:sp>
+        <p:nvSpPr>
+          <p:cNvPr id="2" name="Slide Image Placeholder 1"/>
+          <p:cNvSpPr>
+            <a:spLocks noGrp="1" noRot="1" noChangeAspect="1"/>
+          </p:cNvSpPr>
+          <p:nvPr>
+            <p:ph type="sldImg"/>
+          </p:nvPr>
+        </p:nvSpPr>
+        <p:spPr/>
+      </p:sp>
+      <p:sp>
+        <p:nvSpPr>
+          <p:cNvPr id="3" name="Notes Placeholder 2"/>
+          <p:cNvSpPr>
+            <a:spLocks noGrp="1"/>
+          </p:cNvSpPr>
+          <p:nvPr>
+            <p:ph type="body" idx="1"/>
+          </p:nvPr>
+        </p:nvSpPr>
+        <p:spPr/>
+        <p:txBody>
+          <a:bodyPr/>
+          <a:lstStyle/>
+          <a:p>
+            <a:endParaRPr lang="en-US"/>
+          </a:p>
+        </p:txBody>
+      </p:sp>
+      <p:sp>
+        <p:nvSpPr>
+          <p:cNvPr id="4" name="Slide Number Placeholder 3"/>
+          <p:cNvSpPr>
+            <a:spLocks noGrp="1"/>
+          </p:cNvSpPr>
+          <p:nvPr>
+            <p:ph type="sldNum" sz="quarter" idx="10"/>
+          </p:nvPr>
+        </p:nvSpPr>
+        <p:spPr/>
+        <p:txBody>
+          <a:bodyPr/>
+          <a:lstStyle/>
+          <a:p>
+            <a:fld id="{875C1EAC-EC95-40C2-8C11-3A25F20A67F3}" type="slidenum">
+              <a:rPr lang="en-US"/>
+              <a:t>‹#›</a:t>
+            </a:fld>
+            <a:endParaRPr lang="en-US"/>
+          </a:p>
+        </p:txBody>
+      </p:sp>
+    </p:spTree>
+    <p:extLst>
+      <p:ext uri="{BB962C8B-B14F-4D97-AF65-F5344CB8AC3E}">
+        <p14:creationId xmlns:p14="http://schemas.microsoft.com/office/powerpoint/2010/main" val="3130476711"/>
+      </p:ext>
+    </p:extLst>
+  </p:cSld>
+  <p:clrMapOvr>
+    <a:masterClrMapping/>
+  </p:clrMapOvr>
+</p:notes>
+</file>
+
+<file path=ppt/notesSlides/notesSlide8.xml><?xml version="1.0" encoding="utf-8"?>
+<p:notes xmlns:a="http://schemas.openxmlformats.org/drawingml/2006/main" xmlns:r="http://schemas.openxmlformats.org/officeDocument/2006/relationships" xmlns:p="http://schemas.openxmlformats.org/presentationml/2006/main">
+  <p:cSld>
+    <p:spTree>
+      <p:nvGrpSpPr>
+        <p:cNvPr id="1" name=""/>
+        <p:cNvGrpSpPr/>
+        <p:nvPr/>
+      </p:nvGrpSpPr>
+      <p:grpSpPr>
+        <a:xfrm>
+          <a:off x="0" y="0"/>
+          <a:ext cx="0" cy="0"/>
+          <a:chOff x="0" y="0"/>
+          <a:chExt cx="0" cy="0"/>
+        </a:xfrm>
+      </p:grpSpPr>
+      <p:sp>
+        <p:nvSpPr>
+          <p:cNvPr id="2" name="Slide Image Placeholder 1"/>
+          <p:cNvSpPr>
+            <a:spLocks noGrp="1" noRot="1" noChangeAspect="1"/>
+          </p:cNvSpPr>
+          <p:nvPr>
+            <p:ph type="sldImg"/>
+          </p:nvPr>
+        </p:nvSpPr>
+        <p:spPr/>
+      </p:sp>
+      <p:sp>
+        <p:nvSpPr>
+          <p:cNvPr id="3" name="Notes Placeholder 2"/>
+          <p:cNvSpPr>
+            <a:spLocks noGrp="1"/>
+          </p:cNvSpPr>
+          <p:nvPr>
+            <p:ph type="body" idx="1"/>
+          </p:nvPr>
+        </p:nvSpPr>
+        <p:spPr/>
+        <p:txBody>
+          <a:bodyPr/>
+          <a:lstStyle/>
+          <a:p>
+            <a:endParaRPr lang="en-US"/>
+          </a:p>
+        </p:txBody>
+      </p:sp>
+      <p:sp>
+        <p:nvSpPr>
+          <p:cNvPr id="4" name="Slide Number Placeholder 3"/>
+          <p:cNvSpPr>
+            <a:spLocks noGrp="1"/>
+          </p:cNvSpPr>
+          <p:nvPr>
+            <p:ph type="sldNum" sz="quarter" idx="10"/>
+          </p:nvPr>
+        </p:nvSpPr>
+        <p:spPr/>
+        <p:txBody>
+          <a:bodyPr/>
+          <a:lstStyle/>
+          <a:p>
+            <a:fld id="{875C1EAC-EC95-40C2-8C11-3A25F20A67F3}" type="slidenum">
+              <a:rPr lang="en-US"/>
+              <a:t>‹#›</a:t>
+            </a:fld>
+            <a:endParaRPr lang="en-US"/>
+          </a:p>
+        </p:txBody>
+      </p:sp>
+    </p:spTree>
+    <p:extLst>
+      <p:ext uri="{BB962C8B-B14F-4D97-AF65-F5344CB8AC3E}">
+        <p14:creationId xmlns:p14="http://schemas.microsoft.com/office/powerpoint/2010/main" val="3826047422"/>
+      </p:ext>
+    </p:extLst>
+  </p:cSld>
+  <p:clrMapOvr>
+    <a:masterClrMapping/>
+  </p:clrMapOvr>
+</p:notes>
+</file>
+
+<file path=ppt/notesSlides/notesSlide9.xml><?xml version="1.0" encoding="utf-8"?>
+<p:notes xmlns:a="http://schemas.openxmlformats.org/drawingml/2006/main" xmlns:r="http://schemas.openxmlformats.org/officeDocument/2006/relationships" xmlns:p="http://schemas.openxmlformats.org/presentationml/2006/main">
+  <p:cSld>
+    <p:spTree>
+      <p:nvGrpSpPr>
+        <p:cNvPr id="1" name=""/>
+        <p:cNvGrpSpPr/>
+        <p:nvPr/>
+      </p:nvGrpSpPr>
+      <p:grpSpPr>
+        <a:xfrm>
+          <a:off x="0" y="0"/>
+          <a:ext cx="0" cy="0"/>
+          <a:chOff x="0" y="0"/>
+          <a:chExt cx="0" cy="0"/>
+        </a:xfrm>
+      </p:grpSpPr>
+      <p:sp>
+        <p:nvSpPr>
+          <p:cNvPr id="2" name="Slide Image Placeholder 1"/>
+          <p:cNvSpPr>
+            <a:spLocks noGrp="1" noRot="1" noChangeAspect="1"/>
+          </p:cNvSpPr>
+          <p:nvPr>
+            <p:ph type="sldImg"/>
+          </p:nvPr>
+        </p:nvSpPr>
+        <p:spPr/>
+      </p:sp>
+      <p:sp>
+        <p:nvSpPr>
+          <p:cNvPr id="3" name="Notes Placeholder 2"/>
+          <p:cNvSpPr>
+            <a:spLocks noGrp="1"/>
+          </p:cNvSpPr>
+          <p:nvPr>
+            <p:ph type="body" idx="1"/>
+          </p:nvPr>
+        </p:nvSpPr>
+        <p:spPr/>
+        <p:txBody>
+          <a:bodyPr/>
+          <a:lstStyle/>
+          <a:p>
+            <a:endParaRPr lang="en-US"/>
+          </a:p>
+        </p:txBody>
+      </p:sp>
+      <p:sp>
+        <p:nvSpPr>
+          <p:cNvPr id="4" name="Slide Number Placeholder 3"/>
+          <p:cNvSpPr>
+            <a:spLocks noGrp="1"/>
+          </p:cNvSpPr>
+          <p:nvPr>
+            <p:ph type="sldNum" sz="quarter" idx="10"/>
+          </p:nvPr>
+        </p:nvSpPr>
+        <p:spPr/>
+        <p:txBody>
+          <a:bodyPr/>
+          <a:lstStyle/>
+          <a:p>
+            <a:fld id="{875C1EAC-EC95-40C2-8C11-3A25F20A67F3}" type="slidenum">
+              <a:rPr lang="en-US"/>
+              <a:t>6</a:t>
+            </a:fld>
+            <a:endParaRPr lang="en-US"/>
+          </a:p>
+        </p:txBody>
+      </p:sp>
+    </p:spTree>
+    <p:extLst>
+      <p:ext uri="{BB962C8B-B14F-4D97-AF65-F5344CB8AC3E}">
+        <p14:creationId xmlns:p14="http://schemas.microsoft.com/office/powerpoint/2010/main" val="593340005"/>
       </p:ext>
     </p:extLst>
   </p:cSld>
@@ -1200,7 +1540,7 @@
           <a:p>
             <a:fld id="{4BDF68E2-58F2-4D09-BE8B-E3BD06533059}" type="datetimeFigureOut">
               <a:rPr lang="en-US" dirty="0"/>
-              <a:t>7/26/2017</a:t>
+              <a:t>7/30/2017</a:t>
             </a:fld>
             <a:endParaRPr lang="en-US" dirty="0"/>
           </a:p>
@@ -1403,7 +1743,7 @@
           <a:p>
             <a:fld id="{2E2D6473-DF6D-4702-B328-E0DD40540A4E}" type="datetimeFigureOut">
               <a:rPr lang="en-US" dirty="0"/>
-              <a:t>7/26/2017</a:t>
+              <a:t>7/30/2017</a:t>
             </a:fld>
             <a:endParaRPr lang="en-US" dirty="0"/>
           </a:p>
@@ -1654,7 +1994,7 @@
           <a:p>
             <a:fld id="{E26F7E3A-B166-407D-9866-32884E7D5B37}" type="datetimeFigureOut">
               <a:rPr lang="en-US" dirty="0"/>
-              <a:t>7/26/2017</a:t>
+              <a:t>7/30/2017</a:t>
             </a:fld>
             <a:endParaRPr lang="en-US" dirty="0"/>
           </a:p>
@@ -1823,7 +2163,7 @@
           <a:p>
             <a:fld id="{528FC5F6-F338-4AE4-BB23-26385BCFC423}" type="datetimeFigureOut">
               <a:rPr lang="en-US" dirty="0"/>
-              <a:t>7/26/2017</a:t>
+              <a:t>7/30/2017</a:t>
             </a:fld>
             <a:endParaRPr lang="en-US" dirty="0"/>
           </a:p>
@@ -2161,7 +2501,7 @@
           <a:p>
             <a:fld id="{20EBB0C4-6273-4C6E-B9BD-2EDC30F1CD52}" type="datetimeFigureOut">
               <a:rPr lang="en-US" dirty="0"/>
-              <a:t>7/26/2017</a:t>
+              <a:t>7/30/2017</a:t>
             </a:fld>
             <a:endParaRPr lang="en-US" dirty="0"/>
           </a:p>
@@ -2431,7 +2771,7 @@
           <a:p>
             <a:fld id="{19AB4D41-86C1-4908-B66A-0B50CEB3BF29}" type="datetimeFigureOut">
               <a:rPr lang="en-US" dirty="0"/>
-              <a:t>7/26/2017</a:t>
+              <a:t>7/30/2017</a:t>
             </a:fld>
             <a:endParaRPr lang="en-US" dirty="0"/>
           </a:p>
@@ -2805,7 +3145,7 @@
           <a:p>
             <a:fld id="{E6426E2C-56C1-4E0D-A793-0088A7FDD37E}" type="datetimeFigureOut">
               <a:rPr lang="en-US" dirty="0"/>
-              <a:t>7/26/2017</a:t>
+              <a:t>7/30/2017</a:t>
             </a:fld>
             <a:endParaRPr lang="en-US" dirty="0"/>
           </a:p>
@@ -2918,7 +3258,7 @@
           <a:p>
             <a:fld id="{C8C39B41-D8B5-4052-B551-9B5525EAA8B6}" type="datetimeFigureOut">
               <a:rPr lang="en-US" dirty="0"/>
-              <a:t>7/26/2017</a:t>
+              <a:t>7/30/2017</a:t>
             </a:fld>
             <a:endParaRPr lang="en-US" dirty="0"/>
           </a:p>
@@ -3084,7 +3424,7 @@
           <a:p>
             <a:fld id="{4D94136C-8742-45B2-AF27-D93DF72833A9}" type="datetimeFigureOut">
               <a:rPr lang="en-US" dirty="0"/>
-              <a:t>7/26/2017</a:t>
+              <a:t>7/30/2017</a:t>
             </a:fld>
             <a:endParaRPr lang="en-US" dirty="0"/>
           </a:p>
@@ -3434,7 +3774,7 @@
           <a:p>
             <a:fld id="{32ABBEA6-7C60-4B02-AE87-00D78D8422AF}" type="datetimeFigureOut">
               <a:rPr lang="en-US" dirty="0"/>
-              <a:t>7/26/2017</a:t>
+              <a:t>7/30/2017</a:t>
             </a:fld>
             <a:endParaRPr lang="en-US" dirty="0"/>
           </a:p>
@@ -3809,7 +4149,7 @@
           <a:p>
             <a:fld id="{C9CAD897-D46E-4AD2-BD9B-49DD3E640873}" type="datetimeFigureOut">
               <a:rPr lang="en-US" dirty="0"/>
-              <a:t>7/26/2017</a:t>
+              <a:t>7/30/2017</a:t>
             </a:fld>
             <a:endParaRPr lang="en-US" dirty="0"/>
           </a:p>
@@ -4091,7 +4431,7 @@
           <a:p>
             <a:fld id="{98624D31-43A5-475A-80CF-332C9F6DCF35}" type="datetimeFigureOut">
               <a:rPr lang="en-US" dirty="0"/>
-              <a:t>7/26/2017</a:t>
+              <a:t>7/30/2017</a:t>
             </a:fld>
             <a:endParaRPr lang="en-US" dirty="0"/>
           </a:p>
@@ -4707,585 +5047,7 @@
 </p:sld>
 </file>
 
-<file path=ppt/slides/slide2.xml><?xml version="1.0" encoding="utf-8"?>
-<p:sld xmlns:a="http://schemas.openxmlformats.org/drawingml/2006/main" xmlns:r="http://schemas.openxmlformats.org/officeDocument/2006/relationships" xmlns:p="http://schemas.openxmlformats.org/presentationml/2006/main">
-  <p:cSld>
-    <p:spTree>
-      <p:nvGrpSpPr>
-        <p:cNvPr id="1" name=""/>
-        <p:cNvGrpSpPr/>
-        <p:nvPr/>
-      </p:nvGrpSpPr>
-      <p:grpSpPr>
-        <a:xfrm>
-          <a:off x="0" y="0"/>
-          <a:ext cx="0" cy="0"/>
-          <a:chOff x="0" y="0"/>
-          <a:chExt cx="0" cy="0"/>
-        </a:xfrm>
-      </p:grpSpPr>
-      <p:sp>
-        <p:nvSpPr>
-          <p:cNvPr id="2" name="Title 1"/>
-          <p:cNvSpPr>
-            <a:spLocks noGrp="1"/>
-          </p:cNvSpPr>
-          <p:nvPr>
-            <p:ph type="title"/>
-            <p:extLst>
-              <p:ext uri="{D42A27DB-BD31-4B8C-83A1-F6EECF244321}">
-                <p14:modId xmlns:p14="http://schemas.microsoft.com/office/powerpoint/2010/main" val="3351496175"/>
-              </p:ext>
-            </p:extLst>
-          </p:nvPr>
-        </p:nvSpPr>
-        <p:spPr/>
-        <p:txBody>
-          <a:bodyPr/>
-          <a:lstStyle/>
-          <a:p>
-            <a:r>
-              <a:rPr lang="en-US" dirty="0"/>
-              <a:t>Agenda</a:t>
-            </a:r>
-          </a:p>
-        </p:txBody>
-      </p:sp>
-      <p:sp>
-        <p:nvSpPr>
-          <p:cNvPr id="3" name="Content Placeholder 2"/>
-          <p:cNvSpPr>
-            <a:spLocks noGrp="1"/>
-          </p:cNvSpPr>
-          <p:nvPr>
-            <p:ph idx="1"/>
-            <p:extLst>
-              <p:ext uri="{D42A27DB-BD31-4B8C-83A1-F6EECF244321}">
-                <p14:modId xmlns:p14="http://schemas.microsoft.com/office/powerpoint/2010/main" val="2557329642"/>
-              </p:ext>
-            </p:extLst>
-          </p:nvPr>
-        </p:nvSpPr>
-        <p:spPr/>
-        <p:txBody>
-          <a:bodyPr vert="horz" lIns="0" tIns="45720" rIns="0" bIns="45720" rtlCol="0" anchor="t">
-            <a:normAutofit/>
-          </a:bodyPr>
-          <a:lstStyle/>
-          <a:p>
-            <a:r>
-              <a:rPr lang="en-US" dirty="0"/>
-              <a:t> Installing </a:t>
-            </a:r>
-            <a:r>
-              <a:rPr lang="en-US" dirty="0" err="1"/>
-              <a:t>SQLiteStudio</a:t>
-            </a:r>
-          </a:p>
-          <a:p>
-            <a:r>
-              <a:rPr lang="en-US" dirty="0"/>
-              <a:t> Subqueries, Derived Tables, and Unions</a:t>
-            </a:r>
-          </a:p>
-          <a:p>
-            <a:r>
-              <a:rPr lang="en-US" dirty="0"/>
-              <a:t> Regular Expressions </a:t>
-            </a:r>
-          </a:p>
-          <a:p>
-            <a:r>
-              <a:rPr lang="en-US" dirty="0"/>
-              <a:t> Advanced Joins</a:t>
-            </a:r>
-          </a:p>
-          <a:p>
-            <a:r>
-              <a:rPr lang="en-US" dirty="0"/>
-              <a:t> Window Functions</a:t>
-            </a:r>
-          </a:p>
-          <a:p>
-            <a:r>
-              <a:rPr lang="en-US" dirty="0"/>
-              <a:t> Programming with SQL (Python, R and Java)</a:t>
-            </a:r>
-          </a:p>
-        </p:txBody>
-      </p:sp>
-    </p:spTree>
-    <p:extLst>
-      <p:ext uri="{BB962C8B-B14F-4D97-AF65-F5344CB8AC3E}">
-        <p14:creationId xmlns:p14="http://schemas.microsoft.com/office/powerpoint/2010/main" val="2290471831"/>
-      </p:ext>
-    </p:extLst>
-  </p:cSld>
-  <p:clrMapOvr>
-    <a:masterClrMapping/>
-  </p:clrMapOvr>
-</p:sld>
-</file>
-
-<file path=ppt/slides/slide3.xml><?xml version="1.0" encoding="utf-8"?>
-<p:sld xmlns:a="http://schemas.openxmlformats.org/drawingml/2006/main" xmlns:r="http://schemas.openxmlformats.org/officeDocument/2006/relationships" xmlns:p="http://schemas.openxmlformats.org/presentationml/2006/main">
-  <p:cSld>
-    <p:spTree>
-      <p:nvGrpSpPr>
-        <p:cNvPr id="1" name=""/>
-        <p:cNvGrpSpPr/>
-        <p:nvPr/>
-      </p:nvGrpSpPr>
-      <p:grpSpPr>
-        <a:xfrm>
-          <a:off x="0" y="0"/>
-          <a:ext cx="0" cy="0"/>
-          <a:chOff x="0" y="0"/>
-          <a:chExt cx="0" cy="0"/>
-        </a:xfrm>
-      </p:grpSpPr>
-      <p:sp>
-        <p:nvSpPr>
-          <p:cNvPr id="2" name="Title 1"/>
-          <p:cNvSpPr>
-            <a:spLocks noGrp="1"/>
-          </p:cNvSpPr>
-          <p:nvPr>
-            <p:ph type="title"/>
-            <p:extLst>
-              <p:ext uri="{D42A27DB-BD31-4B8C-83A1-F6EECF244321}">
-                <p14:modId xmlns:p14="http://schemas.microsoft.com/office/powerpoint/2010/main" val="657451467"/>
-              </p:ext>
-            </p:extLst>
-          </p:nvPr>
-        </p:nvSpPr>
-        <p:spPr/>
-        <p:txBody>
-          <a:bodyPr/>
-          <a:lstStyle/>
-          <a:p>
-            <a:r>
-              <a:rPr lang="en-US" dirty="0"/>
-              <a:t>About the Speaker</a:t>
-            </a:r>
-          </a:p>
-        </p:txBody>
-      </p:sp>
-      <p:sp>
-        <p:nvSpPr>
-          <p:cNvPr id="3" name="Content Placeholder 2"/>
-          <p:cNvSpPr>
-            <a:spLocks noGrp="1"/>
-          </p:cNvSpPr>
-          <p:nvPr>
-            <p:ph idx="1"/>
-            <p:extLst>
-              <p:ext uri="{D42A27DB-BD31-4B8C-83A1-F6EECF244321}">
-                <p14:modId xmlns:p14="http://schemas.microsoft.com/office/powerpoint/2010/main" val="97301370"/>
-              </p:ext>
-            </p:extLst>
-          </p:nvPr>
-        </p:nvSpPr>
-        <p:spPr/>
-        <p:txBody>
-          <a:bodyPr vert="horz" lIns="0" tIns="45720" rIns="0" bIns="45720" rtlCol="0" anchor="t">
-            <a:normAutofit fontScale="92500" lnSpcReduction="10000"/>
-          </a:bodyPr>
-          <a:lstStyle/>
-          <a:p>
-            <a:pPr>
-              <a:lnSpc>
-                <a:spcPct val="170000"/>
-              </a:lnSpc>
-            </a:pPr>
-            <a:r>
-              <a:rPr lang="en-US" dirty="0"/>
-              <a:t> Thomas Nield </a:t>
-            </a:r>
-            <a:endParaRPr lang="en-US"/>
-          </a:p>
-          <a:p>
-            <a:pPr>
-              <a:lnSpc>
-                <a:spcPct val="170000"/>
-              </a:lnSpc>
-            </a:pPr>
-            <a:r>
-              <a:rPr lang="en-US" dirty="0"/>
-              <a:t> Business consultant for Southwest Airlines in Schedule Initiatives</a:t>
-            </a:r>
-          </a:p>
-          <a:p>
-            <a:pPr>
-              <a:lnSpc>
-                <a:spcPct val="170000"/>
-              </a:lnSpc>
-            </a:pPr>
-            <a:r>
-              <a:rPr lang="en-US" dirty="0"/>
-              <a:t> Author of </a:t>
-            </a:r>
-            <a:r>
-              <a:rPr lang="en-US" i="1" dirty="0"/>
-              <a:t>Getting Started with SQL </a:t>
-            </a:r>
-            <a:r>
-              <a:rPr lang="en-US" dirty="0"/>
-              <a:t>by O'Reilly and </a:t>
-            </a:r>
-            <a:r>
-              <a:rPr lang="en-US" i="1" dirty="0"/>
-              <a:t>Learning RxJava</a:t>
-            </a:r>
-            <a:r>
-              <a:rPr lang="en-US" dirty="0"/>
-              <a:t> by Packt</a:t>
-            </a:r>
-          </a:p>
-          <a:p>
-            <a:pPr>
-              <a:lnSpc>
-                <a:spcPct val="170000"/>
-              </a:lnSpc>
-            </a:pPr>
-            <a:r>
-              <a:rPr lang="en-US" dirty="0"/>
-              <a:t> Teach a few online trainings at O'Reilly</a:t>
-            </a:r>
-          </a:p>
-          <a:p>
-            <a:pPr marL="383540" lvl="1">
-              <a:lnSpc>
-                <a:spcPct val="170000"/>
-              </a:lnSpc>
-            </a:pPr>
-            <a:r>
-              <a:rPr lang="en-US" i="1" dirty="0"/>
-              <a:t>SQL Fundamentals for Data</a:t>
-            </a:r>
-            <a:endParaRPr lang="en-US" dirty="0"/>
-          </a:p>
-          <a:p>
-            <a:pPr marL="383540" lvl="1">
-              <a:lnSpc>
-                <a:spcPct val="170000"/>
-              </a:lnSpc>
-            </a:pPr>
-            <a:r>
-              <a:rPr lang="en-US" i="1" dirty="0"/>
-              <a:t>Advanced SQL for Data Analysis</a:t>
-            </a:r>
-          </a:p>
-          <a:p>
-            <a:pPr marL="383540" lvl="1">
-              <a:lnSpc>
-                <a:spcPct val="170000"/>
-              </a:lnSpc>
-            </a:pPr>
-            <a:r>
-              <a:rPr lang="en-US" i="1" dirty="0"/>
-              <a:t>Reactive Python for Data Science</a:t>
-            </a:r>
-          </a:p>
-          <a:p>
-            <a:pPr>
-              <a:lnSpc>
-                <a:spcPct val="170000"/>
-              </a:lnSpc>
-            </a:pPr>
-            <a:endParaRPr lang="en-US" dirty="0"/>
-          </a:p>
-        </p:txBody>
-      </p:sp>
-    </p:spTree>
-    <p:extLst>
-      <p:ext uri="{BB962C8B-B14F-4D97-AF65-F5344CB8AC3E}">
-        <p14:creationId xmlns:p14="http://schemas.microsoft.com/office/powerpoint/2010/main" val="2932625647"/>
-      </p:ext>
-    </p:extLst>
-  </p:cSld>
-  <p:clrMapOvr>
-    <a:masterClrMapping/>
-  </p:clrMapOvr>
-</p:sld>
-</file>
-
-<file path=ppt/slides/slide4.xml><?xml version="1.0" encoding="utf-8"?>
-<p:sld xmlns:a="http://schemas.openxmlformats.org/drawingml/2006/main" xmlns:r="http://schemas.openxmlformats.org/officeDocument/2006/relationships" xmlns:p="http://schemas.openxmlformats.org/presentationml/2006/main">
-  <p:cSld>
-    <p:spTree>
-      <p:nvGrpSpPr>
-        <p:cNvPr id="1" name=""/>
-        <p:cNvGrpSpPr/>
-        <p:nvPr/>
-      </p:nvGrpSpPr>
-      <p:grpSpPr>
-        <a:xfrm>
-          <a:off x="0" y="0"/>
-          <a:ext cx="0" cy="0"/>
-          <a:chOff x="0" y="0"/>
-          <a:chExt cx="0" cy="0"/>
-        </a:xfrm>
-      </p:grpSpPr>
-      <p:sp>
-        <p:nvSpPr>
-          <p:cNvPr id="2" name="Title 1"/>
-          <p:cNvSpPr>
-            <a:spLocks noGrp="1"/>
-          </p:cNvSpPr>
-          <p:nvPr>
-            <p:ph type="title"/>
-            <p:extLst>
-              <p:ext uri="{D42A27DB-BD31-4B8C-83A1-F6EECF244321}">
-                <p14:modId xmlns:p14="http://schemas.microsoft.com/office/powerpoint/2010/main" val="1388460168"/>
-              </p:ext>
-            </p:extLst>
-          </p:nvPr>
-        </p:nvSpPr>
-        <p:spPr/>
-        <p:txBody>
-          <a:bodyPr/>
-          <a:lstStyle/>
-          <a:p>
-            <a:r>
-              <a:rPr lang="en-US" dirty="0"/>
-              <a:t>Setting Up SQLite</a:t>
-            </a:r>
-          </a:p>
-        </p:txBody>
-      </p:sp>
-      <p:sp>
-        <p:nvSpPr>
-          <p:cNvPr id="3" name="Content Placeholder 2"/>
-          <p:cNvSpPr>
-            <a:spLocks noGrp="1"/>
-          </p:cNvSpPr>
-          <p:nvPr>
-            <p:ph idx="1"/>
-            <p:extLst>
-              <p:ext uri="{D42A27DB-BD31-4B8C-83A1-F6EECF244321}">
-                <p14:modId xmlns:p14="http://schemas.microsoft.com/office/powerpoint/2010/main" val="2614013226"/>
-              </p:ext>
-            </p:extLst>
-          </p:nvPr>
-        </p:nvSpPr>
-        <p:spPr/>
-        <p:txBody>
-          <a:bodyPr vert="horz" lIns="0" tIns="45720" rIns="0" bIns="45720" rtlCol="0" anchor="t">
-            <a:normAutofit/>
-          </a:bodyPr>
-          <a:lstStyle/>
-          <a:p>
-            <a:r>
-              <a:rPr lang="en-US" dirty="0"/>
-              <a:t>SQLiteStudio can be downloaded at the official site:</a:t>
-            </a:r>
-          </a:p>
-          <a:p>
-            <a:r>
-              <a:rPr lang="en-US" dirty="0">
-                <a:hlinkClick r:id="rId3"/>
-              </a:rPr>
-              <a:t>https://sqlitestudio.pl/index.rvt?act=download</a:t>
-            </a:r>
-            <a:endParaRPr lang="en-US" dirty="0"/>
-          </a:p>
-          <a:p>
-            <a:endParaRPr lang="en-US" dirty="0"/>
-          </a:p>
-          <a:p>
-            <a:r>
-              <a:rPr lang="en-US" dirty="0"/>
-              <a:t>For Windows and Linux, simply unzip the folder to a location of  your choice and open </a:t>
-            </a:r>
-            <a:r>
-              <a:rPr lang="en-US" b="1" dirty="0"/>
-              <a:t>SQLiteStudio </a:t>
-            </a:r>
-            <a:r>
-              <a:rPr lang="en-US" dirty="0"/>
-              <a:t>or </a:t>
-            </a:r>
-            <a:r>
-              <a:rPr lang="en-US" b="1" dirty="0"/>
-              <a:t>SQLiteStudio.exe</a:t>
-            </a:r>
-          </a:p>
-          <a:p>
-            <a:endParaRPr lang="en-US" dirty="0"/>
-          </a:p>
-          <a:p>
-            <a:r>
-              <a:rPr lang="en-US" dirty="0"/>
-              <a:t>For MacOS, double-click the downloaded DMG to install it or drag it to your Applications folder</a:t>
-            </a:r>
-          </a:p>
-          <a:p>
-            <a:endParaRPr lang="en-US" dirty="0"/>
-          </a:p>
-          <a:p>
-            <a:endParaRPr lang="en-US" dirty="0"/>
-          </a:p>
-        </p:txBody>
-      </p:sp>
-    </p:spTree>
-    <p:extLst>
-      <p:ext uri="{BB962C8B-B14F-4D97-AF65-F5344CB8AC3E}">
-        <p14:creationId xmlns:p14="http://schemas.microsoft.com/office/powerpoint/2010/main" val="238060124"/>
-      </p:ext>
-    </p:extLst>
-  </p:cSld>
-  <p:clrMapOvr>
-    <a:masterClrMapping/>
-  </p:clrMapOvr>
-</p:sld>
-</file>
-
-<file path=ppt/slides/slide5.xml><?xml version="1.0" encoding="utf-8"?>
-<p:sld xmlns:a="http://schemas.openxmlformats.org/drawingml/2006/main" xmlns:r="http://schemas.openxmlformats.org/officeDocument/2006/relationships" xmlns:p="http://schemas.openxmlformats.org/presentationml/2006/main">
-  <p:cSld>
-    <p:spTree>
-      <p:nvGrpSpPr>
-        <p:cNvPr id="1" name=""/>
-        <p:cNvGrpSpPr/>
-        <p:nvPr/>
-      </p:nvGrpSpPr>
-      <p:grpSpPr>
-        <a:xfrm>
-          <a:off x="0" y="0"/>
-          <a:ext cx="0" cy="0"/>
-          <a:chOff x="0" y="0"/>
-          <a:chExt cx="0" cy="0"/>
-        </a:xfrm>
-      </p:grpSpPr>
-      <p:sp>
-        <p:nvSpPr>
-          <p:cNvPr id="2" name="Title 1"/>
-          <p:cNvSpPr>
-            <a:spLocks noGrp="1"/>
-          </p:cNvSpPr>
-          <p:nvPr>
-            <p:ph type="title"/>
-            <p:extLst>
-              <p:ext uri="{D42A27DB-BD31-4B8C-83A1-F6EECF244321}">
-                <p14:modId xmlns:p14="http://schemas.microsoft.com/office/powerpoint/2010/main" val="2551614881"/>
-              </p:ext>
-            </p:extLst>
-          </p:nvPr>
-        </p:nvSpPr>
-        <p:spPr/>
-        <p:txBody>
-          <a:bodyPr/>
-          <a:lstStyle/>
-          <a:p>
-            <a:r>
-              <a:rPr lang="en-US" dirty="0"/>
-              <a:t>Getting Resource Files</a:t>
-            </a:r>
-          </a:p>
-        </p:txBody>
-      </p:sp>
-      <p:sp>
-        <p:nvSpPr>
-          <p:cNvPr id="3" name="Content Placeholder 2"/>
-          <p:cNvSpPr>
-            <a:spLocks noGrp="1"/>
-          </p:cNvSpPr>
-          <p:nvPr>
-            <p:ph idx="1"/>
-            <p:extLst>
-              <p:ext uri="{D42A27DB-BD31-4B8C-83A1-F6EECF244321}">
-                <p14:modId xmlns:p14="http://schemas.microsoft.com/office/powerpoint/2010/main" val="1145184261"/>
-              </p:ext>
-            </p:extLst>
-          </p:nvPr>
-        </p:nvSpPr>
-        <p:spPr/>
-        <p:txBody>
-          <a:bodyPr vert="horz" lIns="0" tIns="45720" rIns="0" bIns="45720" rtlCol="0" anchor="t">
-            <a:normAutofit/>
-          </a:bodyPr>
-          <a:lstStyle/>
-          <a:p>
-            <a:r>
-              <a:rPr lang="en-US" dirty="0"/>
-              <a:t> The few resources needed for this class are available on GitHub:</a:t>
-            </a:r>
-          </a:p>
-          <a:p>
-            <a:r>
-              <a:rPr lang="en-US" dirty="0">
-                <a:hlinkClick r:id="rId3"/>
-              </a:rPr>
-              <a:t>https://github.com/thomasnield/oreilly_advanced_sql_for_data</a:t>
-            </a:r>
-          </a:p>
-          <a:p>
-            <a:r>
-              <a:rPr lang="en-US" dirty="0"/>
-              <a:t>Unzip the contents to a location of your choice, and note where you put them</a:t>
-            </a:r>
-          </a:p>
-          <a:p>
-            <a:r>
-              <a:rPr lang="en-US" dirty="0"/>
-              <a:t>Contents include:</a:t>
-            </a:r>
-          </a:p>
-          <a:p>
-            <a:pPr marL="383540" lvl="1"/>
-            <a:r>
-              <a:rPr lang="en-US" dirty="0"/>
-              <a:t>A SQLite database file called </a:t>
-            </a:r>
-            <a:r>
-              <a:rPr lang="en-US" b="1" dirty="0"/>
-              <a:t>thunderbird_manufacturing.db</a:t>
-            </a:r>
-          </a:p>
-          <a:p>
-            <a:pPr marL="383540" lvl="1"/>
-            <a:r>
-              <a:rPr lang="en-US" dirty="0"/>
-              <a:t>Class notes with all examples (in three formats)</a:t>
-            </a:r>
-            <a:endParaRPr lang="en-US" b="1" dirty="0"/>
-          </a:p>
-          <a:p>
-            <a:pPr marL="383540" lvl="1"/>
-            <a:r>
-              <a:rPr lang="en-US" dirty="0"/>
-              <a:t>A </a:t>
-            </a:r>
-            <a:r>
-              <a:rPr lang="en-US" b="1" dirty="0"/>
-              <a:t>customer_order.</a:t>
-            </a:r>
-            <a:r>
-              <a:rPr lang="en-US" b="1" dirty="0" err="1"/>
-              <a:t>sql</a:t>
-            </a:r>
-            <a:r>
-              <a:rPr lang="en-US" dirty="0"/>
-              <a:t> SQL script file to create a CUSTOMER_ORDER table</a:t>
-            </a:r>
-          </a:p>
-        </p:txBody>
-      </p:sp>
-    </p:spTree>
-    <p:extLst>
-      <p:ext uri="{BB962C8B-B14F-4D97-AF65-F5344CB8AC3E}">
-        <p14:creationId xmlns:p14="http://schemas.microsoft.com/office/powerpoint/2010/main" val="1048936443"/>
-      </p:ext>
-    </p:extLst>
-  </p:cSld>
-  <p:clrMapOvr>
-    <a:masterClrMapping/>
-  </p:clrMapOvr>
-</p:sld>
-</file>
-
-<file path=ppt/slides/slide6.xml><?xml version="1.0" encoding="utf-8"?>
+<file path=ppt/slides/slide10.xml><?xml version="1.0" encoding="utf-8"?>
 <p:sld xmlns:a="http://schemas.openxmlformats.org/drawingml/2006/main" xmlns:r="http://schemas.openxmlformats.org/officeDocument/2006/relationships" xmlns:p="http://schemas.openxmlformats.org/presentationml/2006/main">
   <p:cSld>
     <p:spTree>
@@ -5873,7 +5635,7 @@
 </p:sld>
 </file>
 
-<file path=ppt/slides/slide7.xml><?xml version="1.0" encoding="utf-8"?>
+<file path=ppt/slides/slide11.xml><?xml version="1.0" encoding="utf-8"?>
 <p:sld xmlns:a="http://schemas.openxmlformats.org/drawingml/2006/main" xmlns:r="http://schemas.openxmlformats.org/officeDocument/2006/relationships" xmlns:p="http://schemas.openxmlformats.org/presentationml/2006/main">
   <p:cSld>
     <p:spTree>
@@ -6327,6 +6089,1052 @@
       <p:bldP spid="3" grpId="0" build="p"/>
     </p:bldLst>
   </p:timing>
+</p:sld>
+</file>
+
+<file path=ppt/slides/slide2.xml><?xml version="1.0" encoding="utf-8"?>
+<p:sld xmlns:a="http://schemas.openxmlformats.org/drawingml/2006/main" xmlns:r="http://schemas.openxmlformats.org/officeDocument/2006/relationships" xmlns:p="http://schemas.openxmlformats.org/presentationml/2006/main">
+  <p:cSld>
+    <p:spTree>
+      <p:nvGrpSpPr>
+        <p:cNvPr id="1" name=""/>
+        <p:cNvGrpSpPr/>
+        <p:nvPr/>
+      </p:nvGrpSpPr>
+      <p:grpSpPr>
+        <a:xfrm>
+          <a:off x="0" y="0"/>
+          <a:ext cx="0" cy="0"/>
+          <a:chOff x="0" y="0"/>
+          <a:chExt cx="0" cy="0"/>
+        </a:xfrm>
+      </p:grpSpPr>
+      <p:sp>
+        <p:nvSpPr>
+          <p:cNvPr id="2" name="Title 1"/>
+          <p:cNvSpPr>
+            <a:spLocks noGrp="1"/>
+          </p:cNvSpPr>
+          <p:nvPr>
+            <p:ph type="title"/>
+            <p:extLst>
+              <p:ext uri="{D42A27DB-BD31-4B8C-83A1-F6EECF244321}">
+                <p14:modId xmlns:p14="http://schemas.microsoft.com/office/powerpoint/2010/main" val="3351496175"/>
+              </p:ext>
+            </p:extLst>
+          </p:nvPr>
+        </p:nvSpPr>
+        <p:spPr/>
+        <p:txBody>
+          <a:bodyPr/>
+          <a:lstStyle/>
+          <a:p>
+            <a:r>
+              <a:rPr lang="en-US" dirty="0"/>
+              <a:t>Agenda</a:t>
+            </a:r>
+          </a:p>
+        </p:txBody>
+      </p:sp>
+      <p:sp>
+        <p:nvSpPr>
+          <p:cNvPr id="3" name="Content Placeholder 2"/>
+          <p:cNvSpPr>
+            <a:spLocks noGrp="1"/>
+          </p:cNvSpPr>
+          <p:nvPr>
+            <p:ph idx="1"/>
+            <p:extLst>
+              <p:ext uri="{D42A27DB-BD31-4B8C-83A1-F6EECF244321}">
+                <p14:modId xmlns:p14="http://schemas.microsoft.com/office/powerpoint/2010/main" val="2557329642"/>
+              </p:ext>
+            </p:extLst>
+          </p:nvPr>
+        </p:nvSpPr>
+        <p:spPr/>
+        <p:txBody>
+          <a:bodyPr vert="horz" lIns="0" tIns="45720" rIns="0" bIns="45720" rtlCol="0" anchor="t">
+            <a:normAutofit/>
+          </a:bodyPr>
+          <a:lstStyle/>
+          <a:p>
+            <a:r>
+              <a:rPr lang="en-US" dirty="0"/>
+              <a:t> Installing </a:t>
+            </a:r>
+            <a:r>
+              <a:rPr lang="en-US" dirty="0" err="1"/>
+              <a:t>SQLiteStudio</a:t>
+            </a:r>
+          </a:p>
+          <a:p>
+            <a:r>
+              <a:rPr lang="en-US" dirty="0"/>
+              <a:t> Subqueries, Derived Tables, and Unions</a:t>
+            </a:r>
+          </a:p>
+          <a:p>
+            <a:r>
+              <a:rPr lang="en-US" dirty="0"/>
+              <a:t> Regular Expressions </a:t>
+            </a:r>
+          </a:p>
+          <a:p>
+            <a:r>
+              <a:rPr lang="en-US" dirty="0"/>
+              <a:t> Advanced Joins</a:t>
+            </a:r>
+          </a:p>
+          <a:p>
+            <a:r>
+              <a:rPr lang="en-US" dirty="0"/>
+              <a:t> Window Functions</a:t>
+            </a:r>
+          </a:p>
+          <a:p>
+            <a:r>
+              <a:rPr lang="en-US" dirty="0"/>
+              <a:t> Programming with SQL (Python, R and Java)</a:t>
+            </a:r>
+          </a:p>
+        </p:txBody>
+      </p:sp>
+    </p:spTree>
+    <p:extLst>
+      <p:ext uri="{BB962C8B-B14F-4D97-AF65-F5344CB8AC3E}">
+        <p14:creationId xmlns:p14="http://schemas.microsoft.com/office/powerpoint/2010/main" val="2290471831"/>
+      </p:ext>
+    </p:extLst>
+  </p:cSld>
+  <p:clrMapOvr>
+    <a:masterClrMapping/>
+  </p:clrMapOvr>
+</p:sld>
+</file>
+
+<file path=ppt/slides/slide3.xml><?xml version="1.0" encoding="utf-8"?>
+<p:sld xmlns:a="http://schemas.openxmlformats.org/drawingml/2006/main" xmlns:r="http://schemas.openxmlformats.org/officeDocument/2006/relationships" xmlns:p="http://schemas.openxmlformats.org/presentationml/2006/main">
+  <p:cSld>
+    <p:spTree>
+      <p:nvGrpSpPr>
+        <p:cNvPr id="1" name=""/>
+        <p:cNvGrpSpPr/>
+        <p:nvPr/>
+      </p:nvGrpSpPr>
+      <p:grpSpPr>
+        <a:xfrm>
+          <a:off x="0" y="0"/>
+          <a:ext cx="0" cy="0"/>
+          <a:chOff x="0" y="0"/>
+          <a:chExt cx="0" cy="0"/>
+        </a:xfrm>
+      </p:grpSpPr>
+      <p:sp>
+        <p:nvSpPr>
+          <p:cNvPr id="2" name="Title 1"/>
+          <p:cNvSpPr>
+            <a:spLocks noGrp="1"/>
+          </p:cNvSpPr>
+          <p:nvPr>
+            <p:ph type="title"/>
+            <p:extLst>
+              <p:ext uri="{D42A27DB-BD31-4B8C-83A1-F6EECF244321}">
+                <p14:modId xmlns:p14="http://schemas.microsoft.com/office/powerpoint/2010/main" val="657451467"/>
+              </p:ext>
+            </p:extLst>
+          </p:nvPr>
+        </p:nvSpPr>
+        <p:spPr/>
+        <p:txBody>
+          <a:bodyPr/>
+          <a:lstStyle/>
+          <a:p>
+            <a:r>
+              <a:rPr lang="en-US" dirty="0"/>
+              <a:t>About the Speaker</a:t>
+            </a:r>
+          </a:p>
+        </p:txBody>
+      </p:sp>
+      <p:sp>
+        <p:nvSpPr>
+          <p:cNvPr id="3" name="Content Placeholder 2"/>
+          <p:cNvSpPr>
+            <a:spLocks noGrp="1"/>
+          </p:cNvSpPr>
+          <p:nvPr>
+            <p:ph idx="1"/>
+            <p:extLst>
+              <p:ext uri="{D42A27DB-BD31-4B8C-83A1-F6EECF244321}">
+                <p14:modId xmlns:p14="http://schemas.microsoft.com/office/powerpoint/2010/main" val="97301370"/>
+              </p:ext>
+            </p:extLst>
+          </p:nvPr>
+        </p:nvSpPr>
+        <p:spPr/>
+        <p:txBody>
+          <a:bodyPr vert="horz" lIns="0" tIns="45720" rIns="0" bIns="45720" rtlCol="0" anchor="t">
+            <a:normAutofit fontScale="92500" lnSpcReduction="10000"/>
+          </a:bodyPr>
+          <a:lstStyle/>
+          <a:p>
+            <a:pPr>
+              <a:lnSpc>
+                <a:spcPct val="170000"/>
+              </a:lnSpc>
+            </a:pPr>
+            <a:r>
+              <a:rPr lang="en-US" dirty="0"/>
+              <a:t> Thomas Nield </a:t>
+            </a:r>
+            <a:endParaRPr lang="en-US"/>
+          </a:p>
+          <a:p>
+            <a:pPr>
+              <a:lnSpc>
+                <a:spcPct val="170000"/>
+              </a:lnSpc>
+            </a:pPr>
+            <a:r>
+              <a:rPr lang="en-US" dirty="0"/>
+              <a:t> Business consultant for Southwest Airlines in Schedule Initiatives</a:t>
+            </a:r>
+          </a:p>
+          <a:p>
+            <a:pPr>
+              <a:lnSpc>
+                <a:spcPct val="170000"/>
+              </a:lnSpc>
+            </a:pPr>
+            <a:r>
+              <a:rPr lang="en-US" dirty="0"/>
+              <a:t> Author of </a:t>
+            </a:r>
+            <a:r>
+              <a:rPr lang="en-US" i="1" dirty="0"/>
+              <a:t>Getting Started with SQL </a:t>
+            </a:r>
+            <a:r>
+              <a:rPr lang="en-US" dirty="0"/>
+              <a:t>by O'Reilly and </a:t>
+            </a:r>
+            <a:r>
+              <a:rPr lang="en-US" i="1" dirty="0"/>
+              <a:t>Learning RxJava</a:t>
+            </a:r>
+            <a:r>
+              <a:rPr lang="en-US" dirty="0"/>
+              <a:t> by Packt</a:t>
+            </a:r>
+          </a:p>
+          <a:p>
+            <a:pPr>
+              <a:lnSpc>
+                <a:spcPct val="170000"/>
+              </a:lnSpc>
+            </a:pPr>
+            <a:r>
+              <a:rPr lang="en-US" dirty="0"/>
+              <a:t> Teach a few online trainings at O'Reilly</a:t>
+            </a:r>
+          </a:p>
+          <a:p>
+            <a:pPr marL="383540" lvl="1">
+              <a:lnSpc>
+                <a:spcPct val="170000"/>
+              </a:lnSpc>
+            </a:pPr>
+            <a:r>
+              <a:rPr lang="en-US" i="1" dirty="0"/>
+              <a:t>SQL Fundamentals for Data</a:t>
+            </a:r>
+            <a:endParaRPr lang="en-US" dirty="0"/>
+          </a:p>
+          <a:p>
+            <a:pPr marL="383540" lvl="1">
+              <a:lnSpc>
+                <a:spcPct val="170000"/>
+              </a:lnSpc>
+            </a:pPr>
+            <a:r>
+              <a:rPr lang="en-US" i="1" dirty="0"/>
+              <a:t>Advanced SQL for Data Analysis</a:t>
+            </a:r>
+          </a:p>
+          <a:p>
+            <a:pPr marL="383540" lvl="1">
+              <a:lnSpc>
+                <a:spcPct val="170000"/>
+              </a:lnSpc>
+            </a:pPr>
+            <a:r>
+              <a:rPr lang="en-US" i="1" dirty="0"/>
+              <a:t>Reactive Python for Data Science</a:t>
+            </a:r>
+          </a:p>
+          <a:p>
+            <a:pPr>
+              <a:lnSpc>
+                <a:spcPct val="170000"/>
+              </a:lnSpc>
+            </a:pPr>
+            <a:endParaRPr lang="en-US" dirty="0"/>
+          </a:p>
+        </p:txBody>
+      </p:sp>
+    </p:spTree>
+    <p:extLst>
+      <p:ext uri="{BB962C8B-B14F-4D97-AF65-F5344CB8AC3E}">
+        <p14:creationId xmlns:p14="http://schemas.microsoft.com/office/powerpoint/2010/main" val="2932625647"/>
+      </p:ext>
+    </p:extLst>
+  </p:cSld>
+  <p:clrMapOvr>
+    <a:masterClrMapping/>
+  </p:clrMapOvr>
+</p:sld>
+</file>
+
+<file path=ppt/slides/slide4.xml><?xml version="1.0" encoding="utf-8"?>
+<p:sld xmlns:a="http://schemas.openxmlformats.org/drawingml/2006/main" xmlns:r="http://schemas.openxmlformats.org/officeDocument/2006/relationships" xmlns:p="http://schemas.openxmlformats.org/presentationml/2006/main">
+  <p:cSld>
+    <p:spTree>
+      <p:nvGrpSpPr>
+        <p:cNvPr id="1" name=""/>
+        <p:cNvGrpSpPr/>
+        <p:nvPr/>
+      </p:nvGrpSpPr>
+      <p:grpSpPr>
+        <a:xfrm>
+          <a:off x="0" y="0"/>
+          <a:ext cx="0" cy="0"/>
+          <a:chOff x="0" y="0"/>
+          <a:chExt cx="0" cy="0"/>
+        </a:xfrm>
+      </p:grpSpPr>
+      <p:sp>
+        <p:nvSpPr>
+          <p:cNvPr id="2" name="Title 1"/>
+          <p:cNvSpPr>
+            <a:spLocks noGrp="1"/>
+          </p:cNvSpPr>
+          <p:nvPr>
+            <p:ph type="title"/>
+            <p:extLst>
+              <p:ext uri="{D42A27DB-BD31-4B8C-83A1-F6EECF244321}">
+                <p14:modId xmlns:p14="http://schemas.microsoft.com/office/powerpoint/2010/main" val="1388460168"/>
+              </p:ext>
+            </p:extLst>
+          </p:nvPr>
+        </p:nvSpPr>
+        <p:spPr/>
+        <p:txBody>
+          <a:bodyPr/>
+          <a:lstStyle/>
+          <a:p>
+            <a:r>
+              <a:rPr lang="en-US" dirty="0"/>
+              <a:t>Setting Up SQLite</a:t>
+            </a:r>
+          </a:p>
+        </p:txBody>
+      </p:sp>
+      <p:sp>
+        <p:nvSpPr>
+          <p:cNvPr id="3" name="Content Placeholder 2"/>
+          <p:cNvSpPr>
+            <a:spLocks noGrp="1"/>
+          </p:cNvSpPr>
+          <p:nvPr>
+            <p:ph idx="1"/>
+            <p:extLst>
+              <p:ext uri="{D42A27DB-BD31-4B8C-83A1-F6EECF244321}">
+                <p14:modId xmlns:p14="http://schemas.microsoft.com/office/powerpoint/2010/main" val="2614013226"/>
+              </p:ext>
+            </p:extLst>
+          </p:nvPr>
+        </p:nvSpPr>
+        <p:spPr/>
+        <p:txBody>
+          <a:bodyPr vert="horz" lIns="0" tIns="45720" rIns="0" bIns="45720" rtlCol="0" anchor="t">
+            <a:normAutofit/>
+          </a:bodyPr>
+          <a:lstStyle/>
+          <a:p>
+            <a:r>
+              <a:rPr lang="en-US" dirty="0"/>
+              <a:t>SQLiteStudio can be downloaded at the official site:</a:t>
+            </a:r>
+          </a:p>
+          <a:p>
+            <a:r>
+              <a:rPr lang="en-US" dirty="0">
+                <a:hlinkClick r:id="rId3"/>
+              </a:rPr>
+              <a:t>https://sqlitestudio.pl/index.rvt?act=download</a:t>
+            </a:r>
+            <a:endParaRPr lang="en-US" dirty="0"/>
+          </a:p>
+          <a:p>
+            <a:endParaRPr lang="en-US" dirty="0"/>
+          </a:p>
+          <a:p>
+            <a:r>
+              <a:rPr lang="en-US" dirty="0"/>
+              <a:t>For Windows and Linux, simply unzip the folder to a location of  your choice and open </a:t>
+            </a:r>
+            <a:r>
+              <a:rPr lang="en-US" b="1" dirty="0"/>
+              <a:t>SQLiteStudio </a:t>
+            </a:r>
+            <a:r>
+              <a:rPr lang="en-US" dirty="0"/>
+              <a:t>or </a:t>
+            </a:r>
+            <a:r>
+              <a:rPr lang="en-US" b="1" dirty="0"/>
+              <a:t>SQLiteStudio.exe</a:t>
+            </a:r>
+          </a:p>
+          <a:p>
+            <a:endParaRPr lang="en-US" dirty="0"/>
+          </a:p>
+          <a:p>
+            <a:r>
+              <a:rPr lang="en-US" dirty="0"/>
+              <a:t>For MacOS, double-click the downloaded DMG to install it or drag it to your Applications folder</a:t>
+            </a:r>
+          </a:p>
+          <a:p>
+            <a:endParaRPr lang="en-US" dirty="0"/>
+          </a:p>
+          <a:p>
+            <a:endParaRPr lang="en-US" dirty="0"/>
+          </a:p>
+        </p:txBody>
+      </p:sp>
+    </p:spTree>
+    <p:extLst>
+      <p:ext uri="{BB962C8B-B14F-4D97-AF65-F5344CB8AC3E}">
+        <p14:creationId xmlns:p14="http://schemas.microsoft.com/office/powerpoint/2010/main" val="238060124"/>
+      </p:ext>
+    </p:extLst>
+  </p:cSld>
+  <p:clrMapOvr>
+    <a:masterClrMapping/>
+  </p:clrMapOvr>
+</p:sld>
+</file>
+
+<file path=ppt/slides/slide5.xml><?xml version="1.0" encoding="utf-8"?>
+<p:sld xmlns:a="http://schemas.openxmlformats.org/drawingml/2006/main" xmlns:r="http://schemas.openxmlformats.org/officeDocument/2006/relationships" xmlns:p="http://schemas.openxmlformats.org/presentationml/2006/main">
+  <p:cSld>
+    <p:spTree>
+      <p:nvGrpSpPr>
+        <p:cNvPr id="1" name=""/>
+        <p:cNvGrpSpPr/>
+        <p:nvPr/>
+      </p:nvGrpSpPr>
+      <p:grpSpPr>
+        <a:xfrm>
+          <a:off x="0" y="0"/>
+          <a:ext cx="0" cy="0"/>
+          <a:chOff x="0" y="0"/>
+          <a:chExt cx="0" cy="0"/>
+        </a:xfrm>
+      </p:grpSpPr>
+      <p:sp>
+        <p:nvSpPr>
+          <p:cNvPr id="2" name="Title 1"/>
+          <p:cNvSpPr>
+            <a:spLocks noGrp="1"/>
+          </p:cNvSpPr>
+          <p:nvPr>
+            <p:ph type="title"/>
+            <p:extLst>
+              <p:ext uri="{D42A27DB-BD31-4B8C-83A1-F6EECF244321}">
+                <p14:modId xmlns:p14="http://schemas.microsoft.com/office/powerpoint/2010/main" val="2551614881"/>
+              </p:ext>
+            </p:extLst>
+          </p:nvPr>
+        </p:nvSpPr>
+        <p:spPr/>
+        <p:txBody>
+          <a:bodyPr/>
+          <a:lstStyle/>
+          <a:p>
+            <a:r>
+              <a:rPr lang="en-US" dirty="0"/>
+              <a:t>Getting Resource Files</a:t>
+            </a:r>
+          </a:p>
+        </p:txBody>
+      </p:sp>
+      <p:sp>
+        <p:nvSpPr>
+          <p:cNvPr id="3" name="Content Placeholder 2"/>
+          <p:cNvSpPr>
+            <a:spLocks noGrp="1"/>
+          </p:cNvSpPr>
+          <p:nvPr>
+            <p:ph idx="1"/>
+            <p:extLst>
+              <p:ext uri="{D42A27DB-BD31-4B8C-83A1-F6EECF244321}">
+                <p14:modId xmlns:p14="http://schemas.microsoft.com/office/powerpoint/2010/main" val="1145184261"/>
+              </p:ext>
+            </p:extLst>
+          </p:nvPr>
+        </p:nvSpPr>
+        <p:spPr/>
+        <p:txBody>
+          <a:bodyPr vert="horz" lIns="0" tIns="45720" rIns="0" bIns="45720" rtlCol="0" anchor="t">
+            <a:normAutofit/>
+          </a:bodyPr>
+          <a:lstStyle/>
+          <a:p>
+            <a:r>
+              <a:rPr lang="en-US" dirty="0"/>
+              <a:t> The few resources needed for this class are available on GitHub:</a:t>
+            </a:r>
+          </a:p>
+          <a:p>
+            <a:r>
+              <a:rPr lang="en-US" dirty="0">
+                <a:hlinkClick r:id="rId3"/>
+              </a:rPr>
+              <a:t>https://github.com/thomasnield/oreilly_advanced_sql_for_data</a:t>
+            </a:r>
+          </a:p>
+          <a:p>
+            <a:r>
+              <a:rPr lang="en-US" dirty="0"/>
+              <a:t>Unzip the contents to a location of your choice, and note where you put them</a:t>
+            </a:r>
+          </a:p>
+          <a:p>
+            <a:r>
+              <a:rPr lang="en-US" dirty="0"/>
+              <a:t>Contents include:</a:t>
+            </a:r>
+          </a:p>
+          <a:p>
+            <a:pPr marL="383540" lvl="1"/>
+            <a:r>
+              <a:rPr lang="en-US" dirty="0"/>
+              <a:t>A SQLite database file called </a:t>
+            </a:r>
+            <a:r>
+              <a:rPr lang="en-US" b="1" dirty="0"/>
+              <a:t>thunderbird_manufacturing.db</a:t>
+            </a:r>
+          </a:p>
+          <a:p>
+            <a:pPr marL="383540" lvl="1"/>
+            <a:r>
+              <a:rPr lang="en-US" dirty="0"/>
+              <a:t>Class notes with all examples (in three formats)</a:t>
+            </a:r>
+            <a:endParaRPr lang="en-US" b="1" dirty="0"/>
+          </a:p>
+          <a:p>
+            <a:pPr marL="383540" lvl="1"/>
+            <a:r>
+              <a:rPr lang="en-US" dirty="0"/>
+              <a:t>A </a:t>
+            </a:r>
+            <a:r>
+              <a:rPr lang="en-US" b="1" dirty="0"/>
+              <a:t>customer_order.</a:t>
+            </a:r>
+            <a:r>
+              <a:rPr lang="en-US" b="1" dirty="0" err="1"/>
+              <a:t>sql</a:t>
+            </a:r>
+            <a:r>
+              <a:rPr lang="en-US" dirty="0"/>
+              <a:t> SQL script file to create a CUSTOMER_ORDER table</a:t>
+            </a:r>
+          </a:p>
+        </p:txBody>
+      </p:sp>
+    </p:spTree>
+    <p:extLst>
+      <p:ext uri="{BB962C8B-B14F-4D97-AF65-F5344CB8AC3E}">
+        <p14:creationId xmlns:p14="http://schemas.microsoft.com/office/powerpoint/2010/main" val="1048936443"/>
+      </p:ext>
+    </p:extLst>
+  </p:cSld>
+  <p:clrMapOvr>
+    <a:masterClrMapping/>
+  </p:clrMapOvr>
+</p:sld>
+</file>
+
+<file path=ppt/slides/slide6.xml><?xml version="1.0" encoding="utf-8"?>
+<p:sld xmlns:a="http://schemas.openxmlformats.org/drawingml/2006/main" xmlns:r="http://schemas.openxmlformats.org/officeDocument/2006/relationships" xmlns:p="http://schemas.openxmlformats.org/presentationml/2006/main">
+  <p:cSld>
+    <p:spTree>
+      <p:nvGrpSpPr>
+        <p:cNvPr id="1" name=""/>
+        <p:cNvGrpSpPr/>
+        <p:nvPr/>
+      </p:nvGrpSpPr>
+      <p:grpSpPr>
+        <a:xfrm>
+          <a:off x="0" y="0"/>
+          <a:ext cx="0" cy="0"/>
+          <a:chOff x="0" y="0"/>
+          <a:chExt cx="0" cy="0"/>
+        </a:xfrm>
+      </p:grpSpPr>
+      <p:sp>
+        <p:nvSpPr>
+          <p:cNvPr id="2" name="Title 1"/>
+          <p:cNvSpPr>
+            <a:spLocks noGrp="1"/>
+          </p:cNvSpPr>
+          <p:nvPr>
+            <p:ph type="title"/>
+            <p:extLst>
+              <p:ext uri="{D42A27DB-BD31-4B8C-83A1-F6EECF244321}">
+                <p14:modId xmlns:p14="http://schemas.microsoft.com/office/powerpoint/2010/main" val="2955631352"/>
+              </p:ext>
+            </p:extLst>
+          </p:nvPr>
+        </p:nvSpPr>
+        <p:spPr/>
+        <p:txBody>
+          <a:bodyPr/>
+          <a:lstStyle/>
+          <a:p>
+            <a:r>
+              <a:rPr lang="en-US" dirty="0"/>
+              <a:t>Section II Exercise</a:t>
+            </a:r>
+          </a:p>
+        </p:txBody>
+      </p:sp>
+      <p:sp>
+        <p:nvSpPr>
+          <p:cNvPr id="3" name="Content Placeholder 2"/>
+          <p:cNvSpPr>
+            <a:spLocks noGrp="1"/>
+          </p:cNvSpPr>
+          <p:nvPr>
+            <p:ph idx="1"/>
+            <p:extLst>
+              <p:ext uri="{D42A27DB-BD31-4B8C-83A1-F6EECF244321}">
+                <p14:modId xmlns:p14="http://schemas.microsoft.com/office/powerpoint/2010/main" val="2042150928"/>
+              </p:ext>
+            </p:extLst>
+          </p:nvPr>
+        </p:nvSpPr>
+        <p:spPr/>
+        <p:txBody>
+          <a:bodyPr vert="horz" lIns="0" tIns="45720" rIns="0" bIns="45720" rtlCol="0" anchor="t">
+            <a:normAutofit/>
+          </a:bodyPr>
+          <a:lstStyle/>
+          <a:p>
+            <a:pPr marL="0" indent="0">
+              <a:buNone/>
+            </a:pPr>
+            <a:r>
+              <a:rPr lang="en-US" dirty="0"/>
+              <a:t>Bring in all fields from CUSTOMER_ORDER, but for each record show the total quantity ordered for that given CUSTOMER_ID and PRODUCT_ID.</a:t>
+            </a:r>
+          </a:p>
+          <a:p>
+            <a:pPr marL="0" indent="0">
+              <a:buNone/>
+            </a:pPr>
+            <a:endParaRPr lang="en-US" dirty="0"/>
+          </a:p>
+          <a:p>
+            <a:pPr marL="0" indent="0">
+              <a:buNone/>
+            </a:pPr>
+            <a:endParaRPr lang="en-US" dirty="0">
+              <a:solidFill>
+                <a:srgbClr val="404040"/>
+              </a:solidFill>
+            </a:endParaRPr>
+          </a:p>
+          <a:p>
+            <a:pPr marL="0" indent="0">
+              <a:buNone/>
+            </a:pPr>
+            <a:endParaRPr lang="en-US" dirty="0"/>
+          </a:p>
+          <a:p>
+            <a:endParaRPr lang="en-US" dirty="0"/>
+          </a:p>
+        </p:txBody>
+      </p:sp>
+    </p:spTree>
+    <p:extLst>
+      <p:ext uri="{BB962C8B-B14F-4D97-AF65-F5344CB8AC3E}">
+        <p14:creationId xmlns:p14="http://schemas.microsoft.com/office/powerpoint/2010/main" val="3118619193"/>
+      </p:ext>
+    </p:extLst>
+  </p:cSld>
+  <p:clrMapOvr>
+    <a:masterClrMapping/>
+  </p:clrMapOvr>
+</p:sld>
+</file>
+
+<file path=ppt/slides/slide7.xml><?xml version="1.0" encoding="utf-8"?>
+<p:sld xmlns:a="http://schemas.openxmlformats.org/drawingml/2006/main" xmlns:r="http://schemas.openxmlformats.org/officeDocument/2006/relationships" xmlns:p="http://schemas.openxmlformats.org/presentationml/2006/main">
+  <p:cSld>
+    <p:spTree>
+      <p:nvGrpSpPr>
+        <p:cNvPr id="1" name=""/>
+        <p:cNvGrpSpPr/>
+        <p:nvPr/>
+      </p:nvGrpSpPr>
+      <p:grpSpPr>
+        <a:xfrm>
+          <a:off x="0" y="0"/>
+          <a:ext cx="0" cy="0"/>
+          <a:chOff x="0" y="0"/>
+          <a:chExt cx="0" cy="0"/>
+        </a:xfrm>
+      </p:grpSpPr>
+      <p:sp>
+        <p:nvSpPr>
+          <p:cNvPr id="2" name="Title 1"/>
+          <p:cNvSpPr>
+            <a:spLocks noGrp="1"/>
+          </p:cNvSpPr>
+          <p:nvPr>
+            <p:ph type="title"/>
+            <p:extLst>
+              <p:ext uri="{D42A27DB-BD31-4B8C-83A1-F6EECF244321}">
+                <p14:modId xmlns:p14="http://schemas.microsoft.com/office/powerpoint/2010/main" val="3117939636"/>
+              </p:ext>
+            </p:extLst>
+          </p:nvPr>
+        </p:nvSpPr>
+        <p:spPr/>
+        <p:txBody>
+          <a:bodyPr/>
+          <a:lstStyle/>
+          <a:p>
+            <a:r>
+              <a:rPr lang="en-US" dirty="0"/>
+              <a:t>Section III Exercise</a:t>
+            </a:r>
+          </a:p>
+        </p:txBody>
+      </p:sp>
+      <p:sp>
+        <p:nvSpPr>
+          <p:cNvPr id="3" name="Content Placeholder 2"/>
+          <p:cNvSpPr>
+            <a:spLocks noGrp="1"/>
+          </p:cNvSpPr>
+          <p:nvPr>
+            <p:ph idx="1"/>
+            <p:extLst>
+              <p:ext uri="{D42A27DB-BD31-4B8C-83A1-F6EECF244321}">
+                <p14:modId xmlns:p14="http://schemas.microsoft.com/office/powerpoint/2010/main" val="4081822929"/>
+              </p:ext>
+            </p:extLst>
+          </p:nvPr>
+        </p:nvSpPr>
+        <p:spPr/>
+        <p:txBody>
+          <a:bodyPr vert="horz" lIns="0" tIns="45720" rIns="0" bIns="45720" rtlCol="0" anchor="t">
+            <a:normAutofit/>
+          </a:bodyPr>
+          <a:lstStyle/>
+          <a:p>
+            <a:pPr marL="0" indent="0">
+              <a:buNone/>
+            </a:pPr>
+            <a:r>
+              <a:rPr lang="en-US" dirty="0"/>
+              <a:t>Find all customers with an address ending in "Blvd" or "St"</a:t>
+            </a:r>
+          </a:p>
+          <a:p>
+            <a:pPr marL="0" indent="0">
+              <a:buNone/>
+            </a:pPr>
+            <a:endParaRPr lang="en-US" dirty="0"/>
+          </a:p>
+        </p:txBody>
+      </p:sp>
+    </p:spTree>
+    <p:extLst>
+      <p:ext uri="{BB962C8B-B14F-4D97-AF65-F5344CB8AC3E}">
+        <p14:creationId xmlns:p14="http://schemas.microsoft.com/office/powerpoint/2010/main" val="925320543"/>
+      </p:ext>
+    </p:extLst>
+  </p:cSld>
+  <p:clrMapOvr>
+    <a:masterClrMapping/>
+  </p:clrMapOvr>
+  <p:timing>
+    <p:tnLst>
+      <p:par>
+        <p:cTn id="1" dur="indefinite" restart="never" nodeType="tmRoot">
+          <p:childTnLst>
+            <p:seq concurrent="1" nextAc="seek">
+              <p:cTn id="2" dur="indefinite" nodeType="mainSeq">
+                <p:childTnLst>
+                  <p:par>
+                    <p:cTn id="3" fill="hold">
+                      <p:stCondLst>
+                        <p:cond delay="indefinite"/>
+                      </p:stCondLst>
+                      <p:childTnLst>
+                        <p:par>
+                          <p:cTn id="4" fill="hold">
+                            <p:stCondLst>
+                              <p:cond delay="0"/>
+                            </p:stCondLst>
+                            <p:childTnLst>
+                              <p:par>
+                                <p:cTn id="5" presetID="1" presetClass="entr" presetSubtype="0" fill="hold" grpId="0" nodeType="clickEffect">
+                                  <p:stCondLst>
+                                    <p:cond delay="0"/>
+                                  </p:stCondLst>
+                                  <p:childTnLst>
+                                    <p:set>
+                                      <p:cBhvr>
+                                        <p:cTn id="6" dur="1" fill="hold">
+                                          <p:stCondLst>
+                                            <p:cond delay="0"/>
+                                          </p:stCondLst>
+                                        </p:cTn>
+                                        <p:tgtEl>
+                                          <p:spTgt spid="3"/>
+                                        </p:tgtEl>
+                                        <p:attrNameLst>
+                                          <p:attrName>style.visibility</p:attrName>
+                                        </p:attrNameLst>
+                                      </p:cBhvr>
+                                      <p:to>
+                                        <p:strVal val="visible"/>
+                                      </p:to>
+                                    </p:set>
+                                  </p:childTnLst>
+                                </p:cTn>
+                              </p:par>
+                            </p:childTnLst>
+                          </p:cTn>
+                        </p:par>
+                      </p:childTnLst>
+                    </p:cTn>
+                  </p:par>
+                </p:childTnLst>
+              </p:cTn>
+              <p:prevCondLst>
+                <p:cond evt="onPrev" delay="0">
+                  <p:tgtEl>
+                    <p:sldTgt/>
+                  </p:tgtEl>
+                </p:cond>
+              </p:prevCondLst>
+              <p:nextCondLst>
+                <p:cond evt="onNext" delay="0">
+                  <p:tgtEl>
+                    <p:sldTgt/>
+                  </p:tgtEl>
+                </p:cond>
+              </p:nextCondLst>
+            </p:seq>
+          </p:childTnLst>
+        </p:cTn>
+      </p:par>
+    </p:tnLst>
+    <p:bldLst>
+      <p:bldP spid="3" grpId="0"/>
+    </p:bldLst>
+  </p:timing>
+</p:sld>
+</file>
+
+<file path=ppt/slides/slide8.xml><?xml version="1.0" encoding="utf-8"?>
+<p:sld xmlns:a="http://schemas.openxmlformats.org/drawingml/2006/main" xmlns:r="http://schemas.openxmlformats.org/officeDocument/2006/relationships" xmlns:p="http://schemas.openxmlformats.org/presentationml/2006/main">
+  <p:cSld>
+    <p:spTree>
+      <p:nvGrpSpPr>
+        <p:cNvPr id="1" name=""/>
+        <p:cNvGrpSpPr/>
+        <p:nvPr/>
+      </p:nvGrpSpPr>
+      <p:grpSpPr>
+        <a:xfrm>
+          <a:off x="0" y="0"/>
+          <a:ext cx="0" cy="0"/>
+          <a:chOff x="0" y="0"/>
+          <a:chExt cx="0" cy="0"/>
+        </a:xfrm>
+      </p:grpSpPr>
+      <p:sp>
+        <p:nvSpPr>
+          <p:cNvPr id="2" name="Title 1"/>
+          <p:cNvSpPr>
+            <a:spLocks noGrp="1"/>
+          </p:cNvSpPr>
+          <p:nvPr>
+            <p:ph type="title"/>
+            <p:extLst>
+              <p:ext uri="{D42A27DB-BD31-4B8C-83A1-F6EECF244321}">
+                <p14:modId xmlns:p14="http://schemas.microsoft.com/office/powerpoint/2010/main" val="993943024"/>
+              </p:ext>
+            </p:extLst>
+          </p:nvPr>
+        </p:nvSpPr>
+        <p:spPr/>
+        <p:txBody>
+          <a:bodyPr/>
+          <a:lstStyle/>
+          <a:p>
+            <a:r>
+              <a:rPr lang="en-US" dirty="0"/>
+              <a:t>Section VI Exercise</a:t>
+            </a:r>
+          </a:p>
+        </p:txBody>
+      </p:sp>
+      <p:sp>
+        <p:nvSpPr>
+          <p:cNvPr id="3" name="Content Placeholder 2"/>
+          <p:cNvSpPr>
+            <a:spLocks noGrp="1"/>
+          </p:cNvSpPr>
+          <p:nvPr>
+            <p:ph idx="1"/>
+            <p:extLst>
+              <p:ext uri="{D42A27DB-BD31-4B8C-83A1-F6EECF244321}">
+                <p14:modId xmlns:p14="http://schemas.microsoft.com/office/powerpoint/2010/main" val="783590770"/>
+              </p:ext>
+            </p:extLst>
+          </p:nvPr>
+        </p:nvSpPr>
+        <p:spPr/>
+        <p:txBody>
+          <a:bodyPr vert="horz" lIns="0" tIns="45720" rIns="0" bIns="45720" rtlCol="0" anchor="t">
+            <a:normAutofit/>
+          </a:bodyPr>
+          <a:lstStyle/>
+          <a:p>
+            <a:r>
+              <a:rPr lang="en-US" dirty="0"/>
+              <a:t>For every CALENDAR_DATE and CUSTOMER_ID, show the total QUANTITY ordered for the date range of 2017-01-01 to 2017-03-31:</a:t>
+            </a:r>
+          </a:p>
+          <a:p>
+            <a:endParaRPr lang="en-US" dirty="0"/>
+          </a:p>
+        </p:txBody>
+      </p:sp>
+    </p:spTree>
+    <p:extLst>
+      <p:ext uri="{BB962C8B-B14F-4D97-AF65-F5344CB8AC3E}">
+        <p14:creationId xmlns:p14="http://schemas.microsoft.com/office/powerpoint/2010/main" val="3340675965"/>
+      </p:ext>
+    </p:extLst>
+  </p:cSld>
+  <p:clrMapOvr>
+    <a:masterClrMapping/>
+  </p:clrMapOvr>
+</p:sld>
+</file>
+
+<file path=ppt/slides/slide9.xml><?xml version="1.0" encoding="utf-8"?>
+<p:sld xmlns:a="http://schemas.openxmlformats.org/drawingml/2006/main" xmlns:r="http://schemas.openxmlformats.org/officeDocument/2006/relationships" xmlns:p="http://schemas.openxmlformats.org/presentationml/2006/main">
+  <p:cSld>
+    <p:spTree>
+      <p:nvGrpSpPr>
+        <p:cNvPr id="1" name=""/>
+        <p:cNvGrpSpPr/>
+        <p:nvPr/>
+      </p:nvGrpSpPr>
+      <p:grpSpPr>
+        <a:xfrm>
+          <a:off x="0" y="0"/>
+          <a:ext cx="0" cy="0"/>
+          <a:chOff x="0" y="0"/>
+          <a:chExt cx="0" cy="0"/>
+        </a:xfrm>
+      </p:grpSpPr>
+      <p:sp>
+        <p:nvSpPr>
+          <p:cNvPr id="2" name="Title 1"/>
+          <p:cNvSpPr>
+            <a:spLocks noGrp="1"/>
+          </p:cNvSpPr>
+          <p:nvPr>
+            <p:ph type="title"/>
+            <p:extLst>
+              <p:ext uri="{D42A27DB-BD31-4B8C-83A1-F6EECF244321}">
+                <p14:modId xmlns:p14="http://schemas.microsoft.com/office/powerpoint/2010/main" val="1722213002"/>
+              </p:ext>
+            </p:extLst>
+          </p:nvPr>
+        </p:nvSpPr>
+        <p:spPr/>
+        <p:txBody>
+          <a:bodyPr/>
+          <a:lstStyle/>
+          <a:p>
+            <a:r>
+              <a:rPr lang="en-US" dirty="0"/>
+              <a:t>Section V Exercise</a:t>
+            </a:r>
+          </a:p>
+        </p:txBody>
+      </p:sp>
+      <p:sp>
+        <p:nvSpPr>
+          <p:cNvPr id="3" name="Content Placeholder 2"/>
+          <p:cNvSpPr>
+            <a:spLocks noGrp="1"/>
+          </p:cNvSpPr>
+          <p:nvPr>
+            <p:ph idx="1"/>
+            <p:extLst>
+              <p:ext uri="{D42A27DB-BD31-4B8C-83A1-F6EECF244321}">
+                <p14:modId xmlns:p14="http://schemas.microsoft.com/office/powerpoint/2010/main" val="2929663290"/>
+              </p:ext>
+            </p:extLst>
+          </p:nvPr>
+        </p:nvSpPr>
+        <p:spPr/>
+        <p:txBody>
+          <a:bodyPr vert="horz" lIns="0" tIns="45720" rIns="0" bIns="45720" rtlCol="0" anchor="t">
+            <a:normAutofit/>
+          </a:bodyPr>
+          <a:lstStyle/>
+          <a:p>
+            <a:pPr marL="0" indent="0">
+              <a:buNone/>
+            </a:pPr>
+            <a:r>
+              <a:rPr lang="en-US" dirty="0"/>
+              <a:t>For the month of March, bring in every order along with the sum of quantity ordered for that CUSTOMER_ID and PRODUCT_ID.</a:t>
+            </a:r>
+          </a:p>
+          <a:p>
+            <a:endParaRPr lang="en-US" dirty="0"/>
+          </a:p>
+        </p:txBody>
+      </p:sp>
+    </p:spTree>
+    <p:extLst>
+      <p:ext uri="{BB962C8B-B14F-4D97-AF65-F5344CB8AC3E}">
+        <p14:creationId xmlns:p14="http://schemas.microsoft.com/office/powerpoint/2010/main" val="98360105"/>
+      </p:ext>
+    </p:extLst>
+  </p:cSld>
+  <p:clrMapOvr>
+    <a:masterClrMapping/>
+  </p:clrMapOvr>
 </p:sld>
 </file>
 

--- a/oreilly_advanced_sql_for_data_analysis.pptx
+++ b/oreilly_advanced_sql_for_data_analysis.pptx
@@ -207,7 +207,7 @@
           <a:p>
             <a:fld id="{D68E09DD-A271-4E46-9B09-7316EE422583}" type="datetimeFigureOut">
               <a:rPr lang="en-US"/>
-              <a:t>7/30/2017</a:t>
+              <a:t>8/10/2017</a:t>
             </a:fld>
             <a:endParaRPr lang="en-US"/>
           </a:p>
@@ -623,7 +623,7 @@
           <a:p>
             <a:fld id="{875C1EAC-EC95-40C2-8C11-3A25F20A67F3}" type="slidenum">
               <a:rPr lang="en-US"/>
-              <a:t>7</a:t>
+              <a:t>11</a:t>
             </a:fld>
             <a:endParaRPr lang="en-US"/>
           </a:p>
@@ -959,7 +959,7 @@
           <a:p>
             <a:fld id="{875C1EAC-EC95-40C2-8C11-3A25F20A67F3}" type="slidenum">
               <a:rPr lang="en-US"/>
-              <a:t>‹#›</a:t>
+              <a:t>6</a:t>
             </a:fld>
             <a:endParaRPr lang="en-US"/>
           </a:p>
@@ -1043,7 +1043,7 @@
           <a:p>
             <a:fld id="{875C1EAC-EC95-40C2-8C11-3A25F20A67F3}" type="slidenum">
               <a:rPr lang="en-US"/>
-              <a:t>‹#›</a:t>
+              <a:t>7</a:t>
             </a:fld>
             <a:endParaRPr lang="en-US"/>
           </a:p>
@@ -1127,7 +1127,7 @@
           <a:p>
             <a:fld id="{875C1EAC-EC95-40C2-8C11-3A25F20A67F3}" type="slidenum">
               <a:rPr lang="en-US"/>
-              <a:t>‹#›</a:t>
+              <a:t>8</a:t>
             </a:fld>
             <a:endParaRPr lang="en-US"/>
           </a:p>
@@ -1211,7 +1211,7 @@
           <a:p>
             <a:fld id="{875C1EAC-EC95-40C2-8C11-3A25F20A67F3}" type="slidenum">
               <a:rPr lang="en-US"/>
-              <a:t>‹#›</a:t>
+              <a:t>9</a:t>
             </a:fld>
             <a:endParaRPr lang="en-US"/>
           </a:p>
@@ -1295,7 +1295,7 @@
           <a:p>
             <a:fld id="{875C1EAC-EC95-40C2-8C11-3A25F20A67F3}" type="slidenum">
               <a:rPr lang="en-US"/>
-              <a:t>6</a:t>
+              <a:t>10</a:t>
             </a:fld>
             <a:endParaRPr lang="en-US"/>
           </a:p>
@@ -1540,7 +1540,7 @@
           <a:p>
             <a:fld id="{4BDF68E2-58F2-4D09-BE8B-E3BD06533059}" type="datetimeFigureOut">
               <a:rPr lang="en-US" dirty="0"/>
-              <a:t>7/30/2017</a:t>
+              <a:t>8/10/2017</a:t>
             </a:fld>
             <a:endParaRPr lang="en-US" dirty="0"/>
           </a:p>
@@ -1743,7 +1743,7 @@
           <a:p>
             <a:fld id="{2E2D6473-DF6D-4702-B328-E0DD40540A4E}" type="datetimeFigureOut">
               <a:rPr lang="en-US" dirty="0"/>
-              <a:t>7/30/2017</a:t>
+              <a:t>8/10/2017</a:t>
             </a:fld>
             <a:endParaRPr lang="en-US" dirty="0"/>
           </a:p>
@@ -1994,7 +1994,7 @@
           <a:p>
             <a:fld id="{E26F7E3A-B166-407D-9866-32884E7D5B37}" type="datetimeFigureOut">
               <a:rPr lang="en-US" dirty="0"/>
-              <a:t>7/30/2017</a:t>
+              <a:t>8/10/2017</a:t>
             </a:fld>
             <a:endParaRPr lang="en-US" dirty="0"/>
           </a:p>
@@ -2163,7 +2163,7 @@
           <a:p>
             <a:fld id="{528FC5F6-F338-4AE4-BB23-26385BCFC423}" type="datetimeFigureOut">
               <a:rPr lang="en-US" dirty="0"/>
-              <a:t>7/30/2017</a:t>
+              <a:t>8/10/2017</a:t>
             </a:fld>
             <a:endParaRPr lang="en-US" dirty="0"/>
           </a:p>
@@ -2501,7 +2501,7 @@
           <a:p>
             <a:fld id="{20EBB0C4-6273-4C6E-B9BD-2EDC30F1CD52}" type="datetimeFigureOut">
               <a:rPr lang="en-US" dirty="0"/>
-              <a:t>7/30/2017</a:t>
+              <a:t>8/10/2017</a:t>
             </a:fld>
             <a:endParaRPr lang="en-US" dirty="0"/>
           </a:p>
@@ -2771,7 +2771,7 @@
           <a:p>
             <a:fld id="{19AB4D41-86C1-4908-B66A-0B50CEB3BF29}" type="datetimeFigureOut">
               <a:rPr lang="en-US" dirty="0"/>
-              <a:t>7/30/2017</a:t>
+              <a:t>8/10/2017</a:t>
             </a:fld>
             <a:endParaRPr lang="en-US" dirty="0"/>
           </a:p>
@@ -3145,7 +3145,7 @@
           <a:p>
             <a:fld id="{E6426E2C-56C1-4E0D-A793-0088A7FDD37E}" type="datetimeFigureOut">
               <a:rPr lang="en-US" dirty="0"/>
-              <a:t>7/30/2017</a:t>
+              <a:t>8/10/2017</a:t>
             </a:fld>
             <a:endParaRPr lang="en-US" dirty="0"/>
           </a:p>
@@ -3258,7 +3258,7 @@
           <a:p>
             <a:fld id="{C8C39B41-D8B5-4052-B551-9B5525EAA8B6}" type="datetimeFigureOut">
               <a:rPr lang="en-US" dirty="0"/>
-              <a:t>7/30/2017</a:t>
+              <a:t>8/10/2017</a:t>
             </a:fld>
             <a:endParaRPr lang="en-US" dirty="0"/>
           </a:p>
@@ -3424,7 +3424,7 @@
           <a:p>
             <a:fld id="{4D94136C-8742-45B2-AF27-D93DF72833A9}" type="datetimeFigureOut">
               <a:rPr lang="en-US" dirty="0"/>
-              <a:t>7/30/2017</a:t>
+              <a:t>8/10/2017</a:t>
             </a:fld>
             <a:endParaRPr lang="en-US" dirty="0"/>
           </a:p>
@@ -3774,7 +3774,7 @@
           <a:p>
             <a:fld id="{32ABBEA6-7C60-4B02-AE87-00D78D8422AF}" type="datetimeFigureOut">
               <a:rPr lang="en-US" dirty="0"/>
-              <a:t>7/30/2017</a:t>
+              <a:t>8/10/2017</a:t>
             </a:fld>
             <a:endParaRPr lang="en-US" dirty="0"/>
           </a:p>
@@ -4149,7 +4149,7 @@
           <a:p>
             <a:fld id="{C9CAD897-D46E-4AD2-BD9B-49DD3E640873}" type="datetimeFigureOut">
               <a:rPr lang="en-US" dirty="0"/>
-              <a:t>7/30/2017</a:t>
+              <a:t>8/10/2017</a:t>
             </a:fld>
             <a:endParaRPr lang="en-US" dirty="0"/>
           </a:p>
@@ -4431,7 +4431,7 @@
           <a:p>
             <a:fld id="{98624D31-43A5-475A-80CF-332C9F6DCF35}" type="datetimeFigureOut">
               <a:rPr lang="en-US" dirty="0"/>
-              <a:t>7/30/2017</a:t>
+              <a:t>8/10/2017</a:t>
             </a:fld>
             <a:endParaRPr lang="en-US" dirty="0"/>
           </a:p>
@@ -5101,7 +5101,7 @@
             <p:ph idx="1"/>
             <p:extLst>
               <p:ext uri="{D42A27DB-BD31-4B8C-83A1-F6EECF244321}">
-                <p14:modId xmlns:p14="http://schemas.microsoft.com/office/powerpoint/2010/main" val="4175654604"/>
+                <p14:modId xmlns:p14="http://schemas.microsoft.com/office/powerpoint/2010/main" val="1537239336"/>
               </p:ext>
             </p:extLst>
           </p:nvPr>
@@ -5109,7 +5109,7 @@
         <p:spPr/>
         <p:txBody>
           <a:bodyPr vert="horz" lIns="0" tIns="45720" rIns="0" bIns="45720" rtlCol="0" anchor="t">
-            <a:normAutofit lnSpcReduction="10000"/>
+            <a:normAutofit fontScale="92500" lnSpcReduction="10000"/>
           </a:bodyPr>
           <a:lstStyle/>
           <a:p>
@@ -5154,6 +5154,17 @@
             </a:r>
           </a:p>
           <a:p>
+            <a:pPr marL="383540" lvl="1">
+              <a:buClr>
+                <a:srgbClr val="E48312"/>
+              </a:buClr>
+            </a:pPr>
+            <a:r>
+              <a:rPr lang="en-US" dirty="0"/>
+              <a:t>MySQL 8</a:t>
+            </a:r>
+          </a:p>
+          <a:p>
             <a:r>
               <a:rPr lang="en-US" dirty="0"/>
               <a:t>These platforms notably do not have windowing functions:</a:t>
@@ -5163,7 +5174,7 @@
             <a:pPr marL="383540" lvl="1"/>
             <a:r>
               <a:rPr lang="en-US" dirty="0"/>
-              <a:t>MySQL</a:t>
+              <a:t>MySQL (previous to version 8)</a:t>
             </a:r>
           </a:p>
           <a:p>
@@ -5410,33 +5421,15 @@
                                   </p:childTnLst>
                                 </p:cTn>
                               </p:par>
-                            </p:childTnLst>
-                          </p:cTn>
-                        </p:par>
-                      </p:childTnLst>
-                    </p:cTn>
-                  </p:par>
-                  <p:par>
-                    <p:cTn id="17" fill="hold">
-                      <p:stCondLst>
-                        <p:cond delay="indefinite"/>
-                      </p:stCondLst>
-                      <p:childTnLst>
-                        <p:par>
-                          <p:cTn id="18" fill="hold">
-                            <p:stCondLst>
-                              <p:cond delay="0"/>
-                            </p:stCondLst>
-                            <p:childTnLst>
                               <p:par>
-                                <p:cTn id="19" presetID="1" presetClass="entr" presetSubtype="0" fill="hold" grpId="0" nodeType="clickEffect">
+                                <p:cTn id="17" presetID="1" presetClass="entr" presetSubtype="0" fill="hold" grpId="0" nodeType="withEffect">
                                   <p:stCondLst>
                                     <p:cond delay="0"/>
                                   </p:stCondLst>
                                   <p:childTnLst>
                                     <p:set>
                                       <p:cBhvr>
-                                        <p:cTn id="20" dur="1" fill="hold">
+                                        <p:cTn id="18" dur="1" fill="hold">
                                           <p:stCondLst>
                                             <p:cond delay="0"/>
                                           </p:stCondLst>
@@ -5459,8 +5452,26 @@
                                   </p:childTnLst>
                                 </p:cTn>
                               </p:par>
+                            </p:childTnLst>
+                          </p:cTn>
+                        </p:par>
+                      </p:childTnLst>
+                    </p:cTn>
+                  </p:par>
+                  <p:par>
+                    <p:cTn id="19" fill="hold">
+                      <p:stCondLst>
+                        <p:cond delay="indefinite"/>
+                      </p:stCondLst>
+                      <p:childTnLst>
+                        <p:par>
+                          <p:cTn id="20" fill="hold">
+                            <p:stCondLst>
+                              <p:cond delay="0"/>
+                            </p:stCondLst>
+                            <p:childTnLst>
                               <p:par>
-                                <p:cTn id="21" presetID="1" presetClass="entr" presetSubtype="0" fill="hold" grpId="0" nodeType="withEffect">
+                                <p:cTn id="21" presetID="1" presetClass="entr" presetSubtype="0" fill="hold" grpId="0" nodeType="clickEffect">
                                   <p:stCondLst>
                                     <p:cond delay="0"/>
                                   </p:stCondLst>
@@ -5552,33 +5563,15 @@
                                   </p:childTnLst>
                                 </p:cTn>
                               </p:par>
-                            </p:childTnLst>
-                          </p:cTn>
-                        </p:par>
-                      </p:childTnLst>
-                    </p:cTn>
-                  </p:par>
-                  <p:par>
-                    <p:cTn id="27" fill="hold">
-                      <p:stCondLst>
-                        <p:cond delay="indefinite"/>
-                      </p:stCondLst>
-                      <p:childTnLst>
-                        <p:par>
-                          <p:cTn id="28" fill="hold">
-                            <p:stCondLst>
-                              <p:cond delay="0"/>
-                            </p:stCondLst>
-                            <p:childTnLst>
                               <p:par>
-                                <p:cTn id="29" presetID="1" presetClass="entr" presetSubtype="0" fill="hold" grpId="0" nodeType="clickEffect">
+                                <p:cTn id="27" presetID="1" presetClass="entr" presetSubtype="0" fill="hold" grpId="0" nodeType="withEffect">
                                   <p:stCondLst>
                                     <p:cond delay="0"/>
                                   </p:stCondLst>
                                   <p:childTnLst>
                                     <p:set>
                                       <p:cBhvr>
-                                        <p:cTn id="30" dur="1" fill="hold">
+                                        <p:cTn id="28" dur="1" fill="hold">
                                           <p:stCondLst>
                                             <p:cond delay="0"/>
                                           </p:stCondLst>
@@ -5587,6 +5580,55 @@
                                           <p:spTgt spid="3">
                                             <p:txEl>
                                               <p:pRg st="10" end="10"/>
+                                            </p:txEl>
+                                          </p:spTgt>
+                                        </p:tgtEl>
+                                        <p:attrNameLst>
+                                          <p:attrName>style.visibility</p:attrName>
+                                        </p:attrNameLst>
+                                      </p:cBhvr>
+                                      <p:to>
+                                        <p:strVal val="visible"/>
+                                      </p:to>
+                                    </p:set>
+                                  </p:childTnLst>
+                                </p:cTn>
+                              </p:par>
+                            </p:childTnLst>
+                          </p:cTn>
+                        </p:par>
+                      </p:childTnLst>
+                    </p:cTn>
+                  </p:par>
+                  <p:par>
+                    <p:cTn id="29" fill="hold">
+                      <p:stCondLst>
+                        <p:cond delay="indefinite"/>
+                      </p:stCondLst>
+                      <p:childTnLst>
+                        <p:par>
+                          <p:cTn id="30" fill="hold">
+                            <p:stCondLst>
+                              <p:cond delay="0"/>
+                            </p:stCondLst>
+                            <p:childTnLst>
+                              <p:par>
+                                <p:cTn id="31" presetID="1" presetClass="entr" presetSubtype="0" fill="hold" grpId="0" nodeType="clickEffect">
+                                  <p:stCondLst>
+                                    <p:cond delay="0"/>
+                                  </p:stCondLst>
+                                  <p:childTnLst>
+                                    <p:set>
+                                      <p:cBhvr>
+                                        <p:cTn id="32" dur="1" fill="hold">
+                                          <p:stCondLst>
+                                            <p:cond delay="0"/>
+                                          </p:stCondLst>
+                                        </p:cTn>
+                                        <p:tgtEl>
+                                          <p:spTgt spid="3">
+                                            <p:txEl>
+                                              <p:pRg st="11" end="11"/>
                                             </p:txEl>
                                           </p:spTgt>
                                         </p:tgtEl>

--- a/oreilly_advanced_sql_for_data_analysis.pptx
+++ b/oreilly_advanced_sql_for_data_analysis.pptx
@@ -125,6 +125,10 @@
 </p:presentation>
 </file>
 
+<file path=ppt/revisionInfo.xml><?xml version="1.0" encoding="utf-8"?>
+<p1510:revInfo xmlns:a="http://schemas.openxmlformats.org/drawingml/2006/main" xmlns:r="http://schemas.openxmlformats.org/officeDocument/2006/relationships" xmlns:p1510="http://schemas.microsoft.com/office/powerpoint/2015/10/main"/>
+</file>
+
 <file path=ppt/notesMasters/notesMaster1.xml><?xml version="1.0" encoding="utf-8"?>
 <p:notesMaster xmlns:a="http://schemas.openxmlformats.org/drawingml/2006/main" xmlns:r="http://schemas.openxmlformats.org/officeDocument/2006/relationships" xmlns:p="http://schemas.openxmlformats.org/presentationml/2006/main">
   <p:cSld>
@@ -207,7 +211,7 @@
           <a:p>
             <a:fld id="{D68E09DD-A271-4E46-9B09-7316EE422583}" type="datetimeFigureOut">
               <a:rPr lang="en-US"/>
-              <a:t>8/10/2017</a:t>
+              <a:t>9/12/2017</a:t>
             </a:fld>
             <a:endParaRPr lang="en-US"/>
           </a:p>
@@ -1540,7 +1544,7 @@
           <a:p>
             <a:fld id="{4BDF68E2-58F2-4D09-BE8B-E3BD06533059}" type="datetimeFigureOut">
               <a:rPr lang="en-US" dirty="0"/>
-              <a:t>8/10/2017</a:t>
+              <a:t>9/12/2017</a:t>
             </a:fld>
             <a:endParaRPr lang="en-US" dirty="0"/>
           </a:p>
@@ -1743,7 +1747,7 @@
           <a:p>
             <a:fld id="{2E2D6473-DF6D-4702-B328-E0DD40540A4E}" type="datetimeFigureOut">
               <a:rPr lang="en-US" dirty="0"/>
-              <a:t>8/10/2017</a:t>
+              <a:t>9/12/2017</a:t>
             </a:fld>
             <a:endParaRPr lang="en-US" dirty="0"/>
           </a:p>
@@ -1994,7 +1998,7 @@
           <a:p>
             <a:fld id="{E26F7E3A-B166-407D-9866-32884E7D5B37}" type="datetimeFigureOut">
               <a:rPr lang="en-US" dirty="0"/>
-              <a:t>8/10/2017</a:t>
+              <a:t>9/12/2017</a:t>
             </a:fld>
             <a:endParaRPr lang="en-US" dirty="0"/>
           </a:p>
@@ -2163,7 +2167,7 @@
           <a:p>
             <a:fld id="{528FC5F6-F338-4AE4-BB23-26385BCFC423}" type="datetimeFigureOut">
               <a:rPr lang="en-US" dirty="0"/>
-              <a:t>8/10/2017</a:t>
+              <a:t>9/12/2017</a:t>
             </a:fld>
             <a:endParaRPr lang="en-US" dirty="0"/>
           </a:p>
@@ -2501,7 +2505,7 @@
           <a:p>
             <a:fld id="{20EBB0C4-6273-4C6E-B9BD-2EDC30F1CD52}" type="datetimeFigureOut">
               <a:rPr lang="en-US" dirty="0"/>
-              <a:t>8/10/2017</a:t>
+              <a:t>9/12/2017</a:t>
             </a:fld>
             <a:endParaRPr lang="en-US" dirty="0"/>
           </a:p>
@@ -2771,7 +2775,7 @@
           <a:p>
             <a:fld id="{19AB4D41-86C1-4908-B66A-0B50CEB3BF29}" type="datetimeFigureOut">
               <a:rPr lang="en-US" dirty="0"/>
-              <a:t>8/10/2017</a:t>
+              <a:t>9/12/2017</a:t>
             </a:fld>
             <a:endParaRPr lang="en-US" dirty="0"/>
           </a:p>
@@ -3145,7 +3149,7 @@
           <a:p>
             <a:fld id="{E6426E2C-56C1-4E0D-A793-0088A7FDD37E}" type="datetimeFigureOut">
               <a:rPr lang="en-US" dirty="0"/>
-              <a:t>8/10/2017</a:t>
+              <a:t>9/12/2017</a:t>
             </a:fld>
             <a:endParaRPr lang="en-US" dirty="0"/>
           </a:p>
@@ -3258,7 +3262,7 @@
           <a:p>
             <a:fld id="{C8C39B41-D8B5-4052-B551-9B5525EAA8B6}" type="datetimeFigureOut">
               <a:rPr lang="en-US" dirty="0"/>
-              <a:t>8/10/2017</a:t>
+              <a:t>9/12/2017</a:t>
             </a:fld>
             <a:endParaRPr lang="en-US" dirty="0"/>
           </a:p>
@@ -3424,7 +3428,7 @@
           <a:p>
             <a:fld id="{4D94136C-8742-45B2-AF27-D93DF72833A9}" type="datetimeFigureOut">
               <a:rPr lang="en-US" dirty="0"/>
-              <a:t>8/10/2017</a:t>
+              <a:t>9/12/2017</a:t>
             </a:fld>
             <a:endParaRPr lang="en-US" dirty="0"/>
           </a:p>
@@ -3774,7 +3778,7 @@
           <a:p>
             <a:fld id="{32ABBEA6-7C60-4B02-AE87-00D78D8422AF}" type="datetimeFigureOut">
               <a:rPr lang="en-US" dirty="0"/>
-              <a:t>8/10/2017</a:t>
+              <a:t>9/12/2017</a:t>
             </a:fld>
             <a:endParaRPr lang="en-US" dirty="0"/>
           </a:p>
@@ -4149,7 +4153,7 @@
           <a:p>
             <a:fld id="{C9CAD897-D46E-4AD2-BD9B-49DD3E640873}" type="datetimeFigureOut">
               <a:rPr lang="en-US" dirty="0"/>
-              <a:t>8/10/2017</a:t>
+              <a:t>9/12/2017</a:t>
             </a:fld>
             <a:endParaRPr lang="en-US" dirty="0"/>
           </a:p>
@@ -4431,7 +4435,7 @@
           <a:p>
             <a:fld id="{98624D31-43A5-475A-80CF-332C9F6DCF35}" type="datetimeFigureOut">
               <a:rPr lang="en-US" dirty="0"/>
-              <a:t>8/10/2017</a:t>
+              <a:t>9/12/2017</a:t>
             </a:fld>
             <a:endParaRPr lang="en-US" dirty="0"/>
           </a:p>
@@ -7159,7 +7163,7 @@
             </a:pPr>
             <a:r>
               <a:rPr lang="en-US" dirty="0"/>
-              <a:t>For the month of March, bring in every order along with the sum of quantity ordered for that CUSTOMER_ID and PRODUCT_ID.</a:t>
+              <a:t>For the month of March, bring in the rolling sum of QUANTITY ordered (to each ORDER_DATE) by CUSTOMER_ID and PRODUCT_ID.</a:t>
             </a:r>
           </a:p>
           <a:p>

--- a/oreilly_advanced_sql_for_data_analysis.pptx
+++ b/oreilly_advanced_sql_for_data_analysis.pptx
@@ -5782,7 +5782,7 @@
           <a:p>
             <a:r>
               <a:rPr lang="en-US" dirty="0"/>
-              <a:t>A good rule of thumb: start with the simplest code/SQL that hits the database as-needed, and gradually introduce caching strategies as performance starts to warrant it.</a:t>
+              <a:t>A good rule of thumb: start with the simplest solution with minimal code/SQL that liberally hits the database as-needed, and gradually introduce caching strategies as performance starts to warrant it.</a:t>
             </a:r>
           </a:p>
           <a:p>
@@ -6333,7 +6333,6 @@
               <a:rPr lang="en-US" dirty="0"/>
               <a:t> Thomas Nield </a:t>
             </a:r>
-            <a:endParaRPr lang="en-US"/>
           </a:p>
           <a:p>
             <a:pPr>
@@ -6381,7 +6380,7 @@
             </a:pPr>
             <a:r>
               <a:rPr lang="en-US" dirty="0"/>
-              <a:t> Teach a few online trainings at O'Reilly</a:t>
+              <a:t> Teaches a few online trainings at O'Reilly</a:t>
             </a:r>
           </a:p>
           <a:p>

--- a/oreilly_advanced_sql_for_data_analysis.pptx
+++ b/oreilly_advanced_sql_for_data_analysis.pptx
@@ -211,7 +211,7 @@
           <a:p>
             <a:fld id="{D68E09DD-A271-4E46-9B09-7316EE422583}" type="datetimeFigureOut">
               <a:rPr lang="en-US"/>
-              <a:t>9/12/2017</a:t>
+              <a:t>9/13/2017</a:t>
             </a:fld>
             <a:endParaRPr lang="en-US"/>
           </a:p>
@@ -1544,7 +1544,7 @@
           <a:p>
             <a:fld id="{4BDF68E2-58F2-4D09-BE8B-E3BD06533059}" type="datetimeFigureOut">
               <a:rPr lang="en-US" dirty="0"/>
-              <a:t>9/12/2017</a:t>
+              <a:t>9/13/2017</a:t>
             </a:fld>
             <a:endParaRPr lang="en-US" dirty="0"/>
           </a:p>
@@ -1747,7 +1747,7 @@
           <a:p>
             <a:fld id="{2E2D6473-DF6D-4702-B328-E0DD40540A4E}" type="datetimeFigureOut">
               <a:rPr lang="en-US" dirty="0"/>
-              <a:t>9/12/2017</a:t>
+              <a:t>9/13/2017</a:t>
             </a:fld>
             <a:endParaRPr lang="en-US" dirty="0"/>
           </a:p>
@@ -1998,7 +1998,7 @@
           <a:p>
             <a:fld id="{E26F7E3A-B166-407D-9866-32884E7D5B37}" type="datetimeFigureOut">
               <a:rPr lang="en-US" dirty="0"/>
-              <a:t>9/12/2017</a:t>
+              <a:t>9/13/2017</a:t>
             </a:fld>
             <a:endParaRPr lang="en-US" dirty="0"/>
           </a:p>
@@ -2167,7 +2167,7 @@
           <a:p>
             <a:fld id="{528FC5F6-F338-4AE4-BB23-26385BCFC423}" type="datetimeFigureOut">
               <a:rPr lang="en-US" dirty="0"/>
-              <a:t>9/12/2017</a:t>
+              <a:t>9/13/2017</a:t>
             </a:fld>
             <a:endParaRPr lang="en-US" dirty="0"/>
           </a:p>
@@ -2505,7 +2505,7 @@
           <a:p>
             <a:fld id="{20EBB0C4-6273-4C6E-B9BD-2EDC30F1CD52}" type="datetimeFigureOut">
               <a:rPr lang="en-US" dirty="0"/>
-              <a:t>9/12/2017</a:t>
+              <a:t>9/13/2017</a:t>
             </a:fld>
             <a:endParaRPr lang="en-US" dirty="0"/>
           </a:p>
@@ -2775,7 +2775,7 @@
           <a:p>
             <a:fld id="{19AB4D41-86C1-4908-B66A-0B50CEB3BF29}" type="datetimeFigureOut">
               <a:rPr lang="en-US" dirty="0"/>
-              <a:t>9/12/2017</a:t>
+              <a:t>9/13/2017</a:t>
             </a:fld>
             <a:endParaRPr lang="en-US" dirty="0"/>
           </a:p>
@@ -3149,7 +3149,7 @@
           <a:p>
             <a:fld id="{E6426E2C-56C1-4E0D-A793-0088A7FDD37E}" type="datetimeFigureOut">
               <a:rPr lang="en-US" dirty="0"/>
-              <a:t>9/12/2017</a:t>
+              <a:t>9/13/2017</a:t>
             </a:fld>
             <a:endParaRPr lang="en-US" dirty="0"/>
           </a:p>
@@ -3262,7 +3262,7 @@
           <a:p>
             <a:fld id="{C8C39B41-D8B5-4052-B551-9B5525EAA8B6}" type="datetimeFigureOut">
               <a:rPr lang="en-US" dirty="0"/>
-              <a:t>9/12/2017</a:t>
+              <a:t>9/13/2017</a:t>
             </a:fld>
             <a:endParaRPr lang="en-US" dirty="0"/>
           </a:p>
@@ -3428,7 +3428,7 @@
           <a:p>
             <a:fld id="{4D94136C-8742-45B2-AF27-D93DF72833A9}" type="datetimeFigureOut">
               <a:rPr lang="en-US" dirty="0"/>
-              <a:t>9/12/2017</a:t>
+              <a:t>9/13/2017</a:t>
             </a:fld>
             <a:endParaRPr lang="en-US" dirty="0"/>
           </a:p>
@@ -3778,7 +3778,7 @@
           <a:p>
             <a:fld id="{32ABBEA6-7C60-4B02-AE87-00D78D8422AF}" type="datetimeFigureOut">
               <a:rPr lang="en-US" dirty="0"/>
-              <a:t>9/12/2017</a:t>
+              <a:t>9/13/2017</a:t>
             </a:fld>
             <a:endParaRPr lang="en-US" dirty="0"/>
           </a:p>
@@ -4153,7 +4153,7 @@
           <a:p>
             <a:fld id="{C9CAD897-D46E-4AD2-BD9B-49DD3E640873}" type="datetimeFigureOut">
               <a:rPr lang="en-US" dirty="0"/>
-              <a:t>9/12/2017</a:t>
+              <a:t>9/13/2017</a:t>
             </a:fld>
             <a:endParaRPr lang="en-US" dirty="0"/>
           </a:p>
@@ -4435,7 +4435,7 @@
           <a:p>
             <a:fld id="{98624D31-43A5-475A-80CF-332C9F6DCF35}" type="datetimeFigureOut">
               <a:rPr lang="en-US" dirty="0"/>
-              <a:t>9/12/2017</a:t>
+              <a:t>9/13/2017</a:t>
             </a:fld>
             <a:endParaRPr lang="en-US" dirty="0"/>
           </a:p>

--- a/oreilly_advanced_sql_for_data_analysis.pptx
+++ b/oreilly_advanced_sql_for_data_analysis.pptx
@@ -211,7 +211,7 @@
           <a:p>
             <a:fld id="{D68E09DD-A271-4E46-9B09-7316EE422583}" type="datetimeFigureOut">
               <a:rPr lang="en-US"/>
-              <a:t>9/13/2017</a:t>
+              <a:t>10/19/2017</a:t>
             </a:fld>
             <a:endParaRPr lang="en-US"/>
           </a:p>
@@ -1544,7 +1544,7 @@
           <a:p>
             <a:fld id="{4BDF68E2-58F2-4D09-BE8B-E3BD06533059}" type="datetimeFigureOut">
               <a:rPr lang="en-US" dirty="0"/>
-              <a:t>9/13/2017</a:t>
+              <a:t>10/19/2017</a:t>
             </a:fld>
             <a:endParaRPr lang="en-US" dirty="0"/>
           </a:p>
@@ -1747,7 +1747,7 @@
           <a:p>
             <a:fld id="{2E2D6473-DF6D-4702-B328-E0DD40540A4E}" type="datetimeFigureOut">
               <a:rPr lang="en-US" dirty="0"/>
-              <a:t>9/13/2017</a:t>
+              <a:t>10/19/2017</a:t>
             </a:fld>
             <a:endParaRPr lang="en-US" dirty="0"/>
           </a:p>
@@ -1998,7 +1998,7 @@
           <a:p>
             <a:fld id="{E26F7E3A-B166-407D-9866-32884E7D5B37}" type="datetimeFigureOut">
               <a:rPr lang="en-US" dirty="0"/>
-              <a:t>9/13/2017</a:t>
+              <a:t>10/19/2017</a:t>
             </a:fld>
             <a:endParaRPr lang="en-US" dirty="0"/>
           </a:p>
@@ -2167,7 +2167,7 @@
           <a:p>
             <a:fld id="{528FC5F6-F338-4AE4-BB23-26385BCFC423}" type="datetimeFigureOut">
               <a:rPr lang="en-US" dirty="0"/>
-              <a:t>9/13/2017</a:t>
+              <a:t>10/19/2017</a:t>
             </a:fld>
             <a:endParaRPr lang="en-US" dirty="0"/>
           </a:p>
@@ -2505,7 +2505,7 @@
           <a:p>
             <a:fld id="{20EBB0C4-6273-4C6E-B9BD-2EDC30F1CD52}" type="datetimeFigureOut">
               <a:rPr lang="en-US" dirty="0"/>
-              <a:t>9/13/2017</a:t>
+              <a:t>10/19/2017</a:t>
             </a:fld>
             <a:endParaRPr lang="en-US" dirty="0"/>
           </a:p>
@@ -2775,7 +2775,7 @@
           <a:p>
             <a:fld id="{19AB4D41-86C1-4908-B66A-0B50CEB3BF29}" type="datetimeFigureOut">
               <a:rPr lang="en-US" dirty="0"/>
-              <a:t>9/13/2017</a:t>
+              <a:t>10/19/2017</a:t>
             </a:fld>
             <a:endParaRPr lang="en-US" dirty="0"/>
           </a:p>
@@ -3149,7 +3149,7 @@
           <a:p>
             <a:fld id="{E6426E2C-56C1-4E0D-A793-0088A7FDD37E}" type="datetimeFigureOut">
               <a:rPr lang="en-US" dirty="0"/>
-              <a:t>9/13/2017</a:t>
+              <a:t>10/19/2017</a:t>
             </a:fld>
             <a:endParaRPr lang="en-US" dirty="0"/>
           </a:p>
@@ -3262,7 +3262,7 @@
           <a:p>
             <a:fld id="{C8C39B41-D8B5-4052-B551-9B5525EAA8B6}" type="datetimeFigureOut">
               <a:rPr lang="en-US" dirty="0"/>
-              <a:t>9/13/2017</a:t>
+              <a:t>10/19/2017</a:t>
             </a:fld>
             <a:endParaRPr lang="en-US" dirty="0"/>
           </a:p>
@@ -3428,7 +3428,7 @@
           <a:p>
             <a:fld id="{4D94136C-8742-45B2-AF27-D93DF72833A9}" type="datetimeFigureOut">
               <a:rPr lang="en-US" dirty="0"/>
-              <a:t>9/13/2017</a:t>
+              <a:t>10/19/2017</a:t>
             </a:fld>
             <a:endParaRPr lang="en-US" dirty="0"/>
           </a:p>
@@ -3778,7 +3778,7 @@
           <a:p>
             <a:fld id="{32ABBEA6-7C60-4B02-AE87-00D78D8422AF}" type="datetimeFigureOut">
               <a:rPr lang="en-US" dirty="0"/>
-              <a:t>9/13/2017</a:t>
+              <a:t>10/19/2017</a:t>
             </a:fld>
             <a:endParaRPr lang="en-US" dirty="0"/>
           </a:p>
@@ -4153,7 +4153,7 @@
           <a:p>
             <a:fld id="{C9CAD897-D46E-4AD2-BD9B-49DD3E640873}" type="datetimeFigureOut">
               <a:rPr lang="en-US" dirty="0"/>
-              <a:t>9/13/2017</a:t>
+              <a:t>10/19/2017</a:t>
             </a:fld>
             <a:endParaRPr lang="en-US" dirty="0"/>
           </a:p>
@@ -4435,7 +4435,7 @@
           <a:p>
             <a:fld id="{98624D31-43A5-475A-80CF-332C9F6DCF35}" type="datetimeFigureOut">
               <a:rPr lang="en-US" dirty="0"/>
-              <a:t>9/13/2017</a:t>
+              <a:t>10/19/2017</a:t>
             </a:fld>
             <a:endParaRPr lang="en-US" dirty="0"/>
           </a:p>
@@ -6427,6 +6427,147 @@
           </a:p>
         </p:txBody>
       </p:sp>
+      <p:sp>
+        <p:nvSpPr>
+          <p:cNvPr id="4" name="TextBox 3">
+            <a:extLst>
+              <a:ext uri="{FF2B5EF4-FFF2-40B4-BE49-F238E27FC236}">
+                <a16:creationId xmlns:a16="http://schemas.microsoft.com/office/drawing/2014/main" id="{39E5AFE2-A855-4E8E-9308-33AC753957FB}"/>
+              </a:ext>
+            </a:extLst>
+          </p:cNvPr>
+          <p:cNvSpPr txBox="1"/>
+          <p:nvPr/>
+        </p:nvSpPr>
+        <p:spPr>
+          <a:xfrm>
+            <a:off x="8787619" y="5185680"/>
+            <a:ext cx="2368061" cy="369332"/>
+          </a:xfrm>
+          <a:prstGeom prst="rect">
+            <a:avLst/>
+          </a:prstGeom>
+          <a:noFill/>
+        </p:spPr>
+        <p:txBody>
+          <a:bodyPr wrap="square" rtlCol="0">
+            <a:spAutoFit/>
+          </a:bodyPr>
+          <a:lstStyle/>
+          <a:p>
+            <a:r>
+              <a:rPr lang="en-US" dirty="0"/>
+              <a:t>thomasnield9727	</a:t>
+            </a:r>
+          </a:p>
+        </p:txBody>
+      </p:sp>
+      <p:pic>
+        <p:nvPicPr>
+          <p:cNvPr id="5" name="Picture 4">
+            <a:extLst>
+              <a:ext uri="{FF2B5EF4-FFF2-40B4-BE49-F238E27FC236}">
+                <a16:creationId xmlns:a16="http://schemas.microsoft.com/office/drawing/2014/main" id="{8BBB5F5F-CF0C-4C8B-996C-0DDA79B9FA8D}"/>
+              </a:ext>
+            </a:extLst>
+          </p:cNvPr>
+          <p:cNvPicPr>
+            <a:picLocks noChangeAspect="1"/>
+          </p:cNvPicPr>
+          <p:nvPr/>
+        </p:nvPicPr>
+        <p:blipFill>
+          <a:blip r:embed="rId3">
+            <a:extLst>
+              <a:ext uri="{28A0092B-C50C-407E-A947-70E740481C1C}">
+                <a14:useLocalDpi xmlns:a14="http://schemas.microsoft.com/office/drawing/2010/main" val="0"/>
+              </a:ext>
+            </a:extLst>
+          </a:blip>
+          <a:stretch>
+            <a:fillRect/>
+          </a:stretch>
+        </p:blipFill>
+        <p:spPr>
+          <a:xfrm>
+            <a:off x="8389801" y="5185680"/>
+            <a:ext cx="397818" cy="397818"/>
+          </a:xfrm>
+          <a:prstGeom prst="rect">
+            <a:avLst/>
+          </a:prstGeom>
+        </p:spPr>
+      </p:pic>
+      <p:sp>
+        <p:nvSpPr>
+          <p:cNvPr id="6" name="Rectangle 5">
+            <a:extLst>
+              <a:ext uri="{FF2B5EF4-FFF2-40B4-BE49-F238E27FC236}">
+                <a16:creationId xmlns:a16="http://schemas.microsoft.com/office/drawing/2014/main" id="{4990C2BF-DACC-4F92-921A-6544D4ECCE19}"/>
+              </a:ext>
+            </a:extLst>
+          </p:cNvPr>
+          <p:cNvSpPr/>
+          <p:nvPr/>
+        </p:nvSpPr>
+        <p:spPr>
+          <a:xfrm>
+            <a:off x="8787619" y="5676393"/>
+            <a:ext cx="3437159" cy="369332"/>
+          </a:xfrm>
+          <a:prstGeom prst="rect">
+            <a:avLst/>
+          </a:prstGeom>
+        </p:spPr>
+        <p:txBody>
+          <a:bodyPr wrap="none">
+            <a:spAutoFit/>
+          </a:bodyPr>
+          <a:lstStyle/>
+          <a:p>
+            <a:r>
+              <a:rPr lang="en-US" dirty="0"/>
+              <a:t>https://github.com/thomasnield</a:t>
+            </a:r>
+          </a:p>
+        </p:txBody>
+      </p:sp>
+      <p:pic>
+        <p:nvPicPr>
+          <p:cNvPr id="7" name="Picture 6">
+            <a:extLst>
+              <a:ext uri="{FF2B5EF4-FFF2-40B4-BE49-F238E27FC236}">
+                <a16:creationId xmlns:a16="http://schemas.microsoft.com/office/drawing/2014/main" id="{63D708B9-DC0C-4468-9BEA-369FE7E74624}"/>
+              </a:ext>
+            </a:extLst>
+          </p:cNvPr>
+          <p:cNvPicPr>
+            <a:picLocks noChangeAspect="1"/>
+          </p:cNvPicPr>
+          <p:nvPr/>
+        </p:nvPicPr>
+        <p:blipFill>
+          <a:blip r:embed="rId4">
+            <a:extLst>
+              <a:ext uri="{28A0092B-C50C-407E-A947-70E740481C1C}">
+                <a14:useLocalDpi xmlns:a14="http://schemas.microsoft.com/office/drawing/2010/main" val="0"/>
+              </a:ext>
+            </a:extLst>
+          </a:blip>
+          <a:stretch>
+            <a:fillRect/>
+          </a:stretch>
+        </p:blipFill>
+        <p:spPr>
+          <a:xfrm>
+            <a:off x="8389801" y="5673269"/>
+            <a:ext cx="397818" cy="397818"/>
+          </a:xfrm>
+          <a:prstGeom prst="rect">
+            <a:avLst/>
+          </a:prstGeom>
+        </p:spPr>
+      </p:pic>
     </p:spTree>
     <p:extLst>
       <p:ext uri="{BB962C8B-B14F-4D97-AF65-F5344CB8AC3E}">

--- a/oreilly_advanced_sql_for_data_analysis.pptx
+++ b/oreilly_advanced_sql_for_data_analysis.pptx
@@ -5,7 +5,7 @@
     <p:sldMasterId id="2147483648" r:id="rId1"/>
   </p:sldMasterIdLst>
   <p:notesMasterIdLst>
-    <p:notesMasterId r:id="rId13"/>
+    <p:notesMasterId r:id="rId19"/>
   </p:notesMasterIdLst>
   <p:sldIdLst>
     <p:sldId id="256" r:id="rId2"/>
@@ -15,10 +15,16 @@
     <p:sldId id="260" r:id="rId6"/>
     <p:sldId id="263" r:id="rId7"/>
     <p:sldId id="264" r:id="rId8"/>
-    <p:sldId id="265" r:id="rId9"/>
-    <p:sldId id="266" r:id="rId10"/>
-    <p:sldId id="261" r:id="rId11"/>
-    <p:sldId id="262" r:id="rId12"/>
+    <p:sldId id="271" r:id="rId9"/>
+    <p:sldId id="272" r:id="rId10"/>
+    <p:sldId id="265" r:id="rId11"/>
+    <p:sldId id="266" r:id="rId12"/>
+    <p:sldId id="261" r:id="rId13"/>
+    <p:sldId id="262" r:id="rId14"/>
+    <p:sldId id="267" r:id="rId15"/>
+    <p:sldId id="268" r:id="rId16"/>
+    <p:sldId id="269" r:id="rId17"/>
+    <p:sldId id="270" r:id="rId18"/>
   </p:sldIdLst>
   <p:sldSz cx="12192000" cy="6858000"/>
   <p:notesSz cx="6858000" cy="9144000"/>
@@ -211,7 +217,7 @@
           <a:p>
             <a:fld id="{D68E09DD-A271-4E46-9B09-7316EE422583}" type="datetimeFigureOut">
               <a:rPr lang="en-US"/>
-              <a:t>10/19/2017</a:t>
+              <a:t>10/24/2017</a:t>
             </a:fld>
             <a:endParaRPr lang="en-US"/>
           </a:p>
@@ -627,7 +633,7 @@
           <a:p>
             <a:fld id="{875C1EAC-EC95-40C2-8C11-3A25F20A67F3}" type="slidenum">
               <a:rPr lang="en-US"/>
-              <a:t>11</a:t>
+              <a:t>13</a:t>
             </a:fld>
             <a:endParaRPr lang="en-US"/>
           </a:p>
@@ -1131,7 +1137,7 @@
           <a:p>
             <a:fld id="{875C1EAC-EC95-40C2-8C11-3A25F20A67F3}" type="slidenum">
               <a:rPr lang="en-US"/>
-              <a:t>8</a:t>
+              <a:t>10</a:t>
             </a:fld>
             <a:endParaRPr lang="en-US"/>
           </a:p>
@@ -1215,7 +1221,7 @@
           <a:p>
             <a:fld id="{875C1EAC-EC95-40C2-8C11-3A25F20A67F3}" type="slidenum">
               <a:rPr lang="en-US"/>
-              <a:t>9</a:t>
+              <a:t>11</a:t>
             </a:fld>
             <a:endParaRPr lang="en-US"/>
           </a:p>
@@ -1299,7 +1305,7 @@
           <a:p>
             <a:fld id="{875C1EAC-EC95-40C2-8C11-3A25F20A67F3}" type="slidenum">
               <a:rPr lang="en-US"/>
-              <a:t>10</a:t>
+              <a:t>12</a:t>
             </a:fld>
             <a:endParaRPr lang="en-US"/>
           </a:p>
@@ -1544,7 +1550,7 @@
           <a:p>
             <a:fld id="{4BDF68E2-58F2-4D09-BE8B-E3BD06533059}" type="datetimeFigureOut">
               <a:rPr lang="en-US" dirty="0"/>
-              <a:t>10/19/2017</a:t>
+              <a:t>10/24/2017</a:t>
             </a:fld>
             <a:endParaRPr lang="en-US" dirty="0"/>
           </a:p>
@@ -1747,7 +1753,7 @@
           <a:p>
             <a:fld id="{2E2D6473-DF6D-4702-B328-E0DD40540A4E}" type="datetimeFigureOut">
               <a:rPr lang="en-US" dirty="0"/>
-              <a:t>10/19/2017</a:t>
+              <a:t>10/24/2017</a:t>
             </a:fld>
             <a:endParaRPr lang="en-US" dirty="0"/>
           </a:p>
@@ -1998,7 +2004,7 @@
           <a:p>
             <a:fld id="{E26F7E3A-B166-407D-9866-32884E7D5B37}" type="datetimeFigureOut">
               <a:rPr lang="en-US" dirty="0"/>
-              <a:t>10/19/2017</a:t>
+              <a:t>10/24/2017</a:t>
             </a:fld>
             <a:endParaRPr lang="en-US" dirty="0"/>
           </a:p>
@@ -2167,7 +2173,7 @@
           <a:p>
             <a:fld id="{528FC5F6-F338-4AE4-BB23-26385BCFC423}" type="datetimeFigureOut">
               <a:rPr lang="en-US" dirty="0"/>
-              <a:t>10/19/2017</a:t>
+              <a:t>10/24/2017</a:t>
             </a:fld>
             <a:endParaRPr lang="en-US" dirty="0"/>
           </a:p>
@@ -2505,7 +2511,7 @@
           <a:p>
             <a:fld id="{20EBB0C4-6273-4C6E-B9BD-2EDC30F1CD52}" type="datetimeFigureOut">
               <a:rPr lang="en-US" dirty="0"/>
-              <a:t>10/19/2017</a:t>
+              <a:t>10/24/2017</a:t>
             </a:fld>
             <a:endParaRPr lang="en-US" dirty="0"/>
           </a:p>
@@ -2775,7 +2781,7 @@
           <a:p>
             <a:fld id="{19AB4D41-86C1-4908-B66A-0B50CEB3BF29}" type="datetimeFigureOut">
               <a:rPr lang="en-US" dirty="0"/>
-              <a:t>10/19/2017</a:t>
+              <a:t>10/24/2017</a:t>
             </a:fld>
             <a:endParaRPr lang="en-US" dirty="0"/>
           </a:p>
@@ -3149,7 +3155,7 @@
           <a:p>
             <a:fld id="{E6426E2C-56C1-4E0D-A793-0088A7FDD37E}" type="datetimeFigureOut">
               <a:rPr lang="en-US" dirty="0"/>
-              <a:t>10/19/2017</a:t>
+              <a:t>10/24/2017</a:t>
             </a:fld>
             <a:endParaRPr lang="en-US" dirty="0"/>
           </a:p>
@@ -3262,7 +3268,7 @@
           <a:p>
             <a:fld id="{C8C39B41-D8B5-4052-B551-9B5525EAA8B6}" type="datetimeFigureOut">
               <a:rPr lang="en-US" dirty="0"/>
-              <a:t>10/19/2017</a:t>
+              <a:t>10/24/2017</a:t>
             </a:fld>
             <a:endParaRPr lang="en-US" dirty="0"/>
           </a:p>
@@ -3428,7 +3434,7 @@
           <a:p>
             <a:fld id="{4D94136C-8742-45B2-AF27-D93DF72833A9}" type="datetimeFigureOut">
               <a:rPr lang="en-US" dirty="0"/>
-              <a:t>10/19/2017</a:t>
+              <a:t>10/24/2017</a:t>
             </a:fld>
             <a:endParaRPr lang="en-US" dirty="0"/>
           </a:p>
@@ -3778,7 +3784,7 @@
           <a:p>
             <a:fld id="{32ABBEA6-7C60-4B02-AE87-00D78D8422AF}" type="datetimeFigureOut">
               <a:rPr lang="en-US" dirty="0"/>
-              <a:t>10/19/2017</a:t>
+              <a:t>10/24/2017</a:t>
             </a:fld>
             <a:endParaRPr lang="en-US" dirty="0"/>
           </a:p>
@@ -4153,7 +4159,7 @@
           <a:p>
             <a:fld id="{C9CAD897-D46E-4AD2-BD9B-49DD3E640873}" type="datetimeFigureOut">
               <a:rPr lang="en-US" dirty="0"/>
-              <a:t>10/19/2017</a:t>
+              <a:t>10/24/2017</a:t>
             </a:fld>
             <a:endParaRPr lang="en-US" dirty="0"/>
           </a:p>
@@ -4435,7 +4441,7 @@
           <a:p>
             <a:fld id="{98624D31-43A5-475A-80CF-332C9F6DCF35}" type="datetimeFigureOut">
               <a:rPr lang="en-US" dirty="0"/>
-              <a:t>10/19/2017</a:t>
+              <a:t>10/24/2017</a:t>
             </a:fld>
             <a:endParaRPr lang="en-US" dirty="0"/>
           </a:p>
@@ -4961,11 +4967,7 @@
           </p:cNvSpPr>
           <p:nvPr>
             <p:ph type="ctrTitle"/>
-            <p:extLst>
-              <p:ext uri="{D42A27DB-BD31-4B8C-83A1-F6EECF244321}">
-                <p14:modId xmlns:p14="http://schemas.microsoft.com/office/powerpoint/2010/main" val="3212421705"/>
-              </p:ext>
-            </p:extLst>
+            <p:extLst/>
           </p:nvPr>
         </p:nvSpPr>
         <p:spPr/>
@@ -4988,11 +4990,7 @@
           </p:cNvSpPr>
           <p:nvPr>
             <p:ph type="subTitle" idx="1"/>
-            <p:extLst>
-              <p:ext uri="{D42A27DB-BD31-4B8C-83A1-F6EECF244321}">
-                <p14:modId xmlns:p14="http://schemas.microsoft.com/office/powerpoint/2010/main" val="4047188122"/>
-              </p:ext>
-            </p:extLst>
+            <p:extLst/>
           </p:nvPr>
         </p:nvSpPr>
         <p:spPr/>
@@ -5076,11 +5074,7 @@
           </p:cNvSpPr>
           <p:nvPr>
             <p:ph type="title"/>
-            <p:extLst>
-              <p:ext uri="{D42A27DB-BD31-4B8C-83A1-F6EECF244321}">
-                <p14:modId xmlns:p14="http://schemas.microsoft.com/office/powerpoint/2010/main" val="2839074539"/>
-              </p:ext>
-            </p:extLst>
+            <p:extLst/>
           </p:nvPr>
         </p:nvSpPr>
         <p:spPr/>
@@ -5090,6 +5084,171 @@
           <a:p>
             <a:r>
               <a:rPr lang="en-US" dirty="0"/>
+              <a:t>Section VI Exercise</a:t>
+            </a:r>
+          </a:p>
+        </p:txBody>
+      </p:sp>
+      <p:sp>
+        <p:nvSpPr>
+          <p:cNvPr id="3" name="Content Placeholder 2"/>
+          <p:cNvSpPr>
+            <a:spLocks noGrp="1"/>
+          </p:cNvSpPr>
+          <p:nvPr>
+            <p:ph idx="1"/>
+            <p:extLst/>
+          </p:nvPr>
+        </p:nvSpPr>
+        <p:spPr/>
+        <p:txBody>
+          <a:bodyPr vert="horz" lIns="0" tIns="45720" rIns="0" bIns="45720" rtlCol="0" anchor="t">
+            <a:normAutofit/>
+          </a:bodyPr>
+          <a:lstStyle/>
+          <a:p>
+            <a:r>
+              <a:rPr lang="en-US" dirty="0"/>
+              <a:t>For every CALENDAR_DATE and CUSTOMER_ID, show the total QUANTITY ordered for the date range of 2017-01-01 to 2017-03-31:</a:t>
+            </a:r>
+          </a:p>
+          <a:p>
+            <a:endParaRPr lang="en-US" dirty="0"/>
+          </a:p>
+        </p:txBody>
+      </p:sp>
+    </p:spTree>
+    <p:extLst>
+      <p:ext uri="{BB962C8B-B14F-4D97-AF65-F5344CB8AC3E}">
+        <p14:creationId xmlns:p14="http://schemas.microsoft.com/office/powerpoint/2010/main" val="3340675965"/>
+      </p:ext>
+    </p:extLst>
+  </p:cSld>
+  <p:clrMapOvr>
+    <a:masterClrMapping/>
+  </p:clrMapOvr>
+</p:sld>
+</file>
+
+<file path=ppt/slides/slide11.xml><?xml version="1.0" encoding="utf-8"?>
+<p:sld xmlns:a="http://schemas.openxmlformats.org/drawingml/2006/main" xmlns:r="http://schemas.openxmlformats.org/officeDocument/2006/relationships" xmlns:p="http://schemas.openxmlformats.org/presentationml/2006/main">
+  <p:cSld>
+    <p:spTree>
+      <p:nvGrpSpPr>
+        <p:cNvPr id="1" name=""/>
+        <p:cNvGrpSpPr/>
+        <p:nvPr/>
+      </p:nvGrpSpPr>
+      <p:grpSpPr>
+        <a:xfrm>
+          <a:off x="0" y="0"/>
+          <a:ext cx="0" cy="0"/>
+          <a:chOff x="0" y="0"/>
+          <a:chExt cx="0" cy="0"/>
+        </a:xfrm>
+      </p:grpSpPr>
+      <p:sp>
+        <p:nvSpPr>
+          <p:cNvPr id="2" name="Title 1"/>
+          <p:cNvSpPr>
+            <a:spLocks noGrp="1"/>
+          </p:cNvSpPr>
+          <p:nvPr>
+            <p:ph type="title"/>
+            <p:extLst/>
+          </p:nvPr>
+        </p:nvSpPr>
+        <p:spPr/>
+        <p:txBody>
+          <a:bodyPr/>
+          <a:lstStyle/>
+          <a:p>
+            <a:r>
+              <a:rPr lang="en-US" dirty="0"/>
+              <a:t>Section V Exercise</a:t>
+            </a:r>
+          </a:p>
+        </p:txBody>
+      </p:sp>
+      <p:sp>
+        <p:nvSpPr>
+          <p:cNvPr id="3" name="Content Placeholder 2"/>
+          <p:cNvSpPr>
+            <a:spLocks noGrp="1"/>
+          </p:cNvSpPr>
+          <p:nvPr>
+            <p:ph idx="1"/>
+            <p:extLst/>
+          </p:nvPr>
+        </p:nvSpPr>
+        <p:spPr/>
+        <p:txBody>
+          <a:bodyPr vert="horz" lIns="0" tIns="45720" rIns="0" bIns="45720" rtlCol="0" anchor="t">
+            <a:normAutofit/>
+          </a:bodyPr>
+          <a:lstStyle/>
+          <a:p>
+            <a:pPr marL="0" indent="0">
+              <a:buNone/>
+            </a:pPr>
+            <a:r>
+              <a:rPr lang="en-US" dirty="0"/>
+              <a:t>For the month of March, bring in the rolling sum of QUANTITY ordered (to each ORDER_DATE) by CUSTOMER_ID and PRODUCT_ID.</a:t>
+            </a:r>
+          </a:p>
+          <a:p>
+            <a:endParaRPr lang="en-US" dirty="0"/>
+          </a:p>
+        </p:txBody>
+      </p:sp>
+    </p:spTree>
+    <p:extLst>
+      <p:ext uri="{BB962C8B-B14F-4D97-AF65-F5344CB8AC3E}">
+        <p14:creationId xmlns:p14="http://schemas.microsoft.com/office/powerpoint/2010/main" val="98360105"/>
+      </p:ext>
+    </p:extLst>
+  </p:cSld>
+  <p:clrMapOvr>
+    <a:masterClrMapping/>
+  </p:clrMapOvr>
+</p:sld>
+</file>
+
+<file path=ppt/slides/slide12.xml><?xml version="1.0" encoding="utf-8"?>
+<p:sld xmlns:a="http://schemas.openxmlformats.org/drawingml/2006/main" xmlns:r="http://schemas.openxmlformats.org/officeDocument/2006/relationships" xmlns:p="http://schemas.openxmlformats.org/presentationml/2006/main">
+  <p:cSld>
+    <p:spTree>
+      <p:nvGrpSpPr>
+        <p:cNvPr id="1" name=""/>
+        <p:cNvGrpSpPr/>
+        <p:nvPr/>
+      </p:nvGrpSpPr>
+      <p:grpSpPr>
+        <a:xfrm>
+          <a:off x="0" y="0"/>
+          <a:ext cx="0" cy="0"/>
+          <a:chOff x="0" y="0"/>
+          <a:chExt cx="0" cy="0"/>
+        </a:xfrm>
+      </p:grpSpPr>
+      <p:sp>
+        <p:nvSpPr>
+          <p:cNvPr id="2" name="Title 1"/>
+          <p:cNvSpPr>
+            <a:spLocks noGrp="1"/>
+          </p:cNvSpPr>
+          <p:nvPr>
+            <p:ph type="title"/>
+            <p:extLst/>
+          </p:nvPr>
+        </p:nvSpPr>
+        <p:spPr/>
+        <p:txBody>
+          <a:bodyPr/>
+          <a:lstStyle/>
+          <a:p>
+            <a:r>
+              <a:rPr lang="en-US" dirty="0"/>
               <a:t>Windowing Functions Support</a:t>
             </a:r>
           </a:p>
@@ -5103,11 +5262,7 @@
           </p:cNvSpPr>
           <p:nvPr>
             <p:ph idx="1"/>
-            <p:extLst>
-              <p:ext uri="{D42A27DB-BD31-4B8C-83A1-F6EECF244321}">
-                <p14:modId xmlns:p14="http://schemas.microsoft.com/office/powerpoint/2010/main" val="1537239336"/>
-              </p:ext>
-            </p:extLst>
+            <p:extLst/>
           </p:nvPr>
         </p:nvSpPr>
         <p:spPr/>
@@ -5681,7 +5836,7 @@
 </p:sld>
 </file>
 
-<file path=ppt/slides/slide11.xml><?xml version="1.0" encoding="utf-8"?>
+<file path=ppt/slides/slide13.xml><?xml version="1.0" encoding="utf-8"?>
 <p:sld xmlns:a="http://schemas.openxmlformats.org/drawingml/2006/main" xmlns:r="http://schemas.openxmlformats.org/officeDocument/2006/relationships" xmlns:p="http://schemas.openxmlformats.org/presentationml/2006/main">
   <p:cSld>
     <p:spTree>
@@ -5706,11 +5861,7 @@
           </p:cNvSpPr>
           <p:nvPr>
             <p:ph type="title"/>
-            <p:extLst>
-              <p:ext uri="{D42A27DB-BD31-4B8C-83A1-F6EECF244321}">
-                <p14:modId xmlns:p14="http://schemas.microsoft.com/office/powerpoint/2010/main" val="2059127707"/>
-              </p:ext>
-            </p:extLst>
+            <p:extLst/>
           </p:nvPr>
         </p:nvSpPr>
         <p:spPr/>
@@ -5733,11 +5884,7 @@
           </p:cNvSpPr>
           <p:nvPr>
             <p:ph idx="1"/>
-            <p:extLst>
-              <p:ext uri="{D42A27DB-BD31-4B8C-83A1-F6EECF244321}">
-                <p14:modId xmlns:p14="http://schemas.microsoft.com/office/powerpoint/2010/main" val="2407814045"/>
-              </p:ext>
-            </p:extLst>
+            <p:extLst/>
           </p:nvPr>
         </p:nvSpPr>
         <p:spPr/>
@@ -6138,6 +6285,1182 @@
 </p:sld>
 </file>
 
+<file path=ppt/slides/slide14.xml><?xml version="1.0" encoding="utf-8"?>
+<p:sld xmlns:a="http://schemas.openxmlformats.org/drawingml/2006/main" xmlns:r="http://schemas.openxmlformats.org/officeDocument/2006/relationships" xmlns:p="http://schemas.openxmlformats.org/presentationml/2006/main">
+  <p:cSld>
+    <p:spTree>
+      <p:nvGrpSpPr>
+        <p:cNvPr id="1" name=""/>
+        <p:cNvGrpSpPr/>
+        <p:nvPr/>
+      </p:nvGrpSpPr>
+      <p:grpSpPr>
+        <a:xfrm>
+          <a:off x="0" y="0"/>
+          <a:ext cx="0" cy="0"/>
+          <a:chOff x="0" y="0"/>
+          <a:chExt cx="0" cy="0"/>
+        </a:xfrm>
+      </p:grpSpPr>
+      <p:sp>
+        <p:nvSpPr>
+          <p:cNvPr id="2" name="Content Placeholder 1"/>
+          <p:cNvSpPr>
+            <a:spLocks noGrp="1"/>
+          </p:cNvSpPr>
+          <p:nvPr>
+            <p:ph sz="half" idx="2"/>
+          </p:nvPr>
+        </p:nvSpPr>
+        <p:spPr>
+          <a:xfrm>
+            <a:off x="1265944" y="1974353"/>
+            <a:ext cx="8644333" cy="3978275"/>
+          </a:xfrm>
+        </p:spPr>
+        <p:txBody>
+          <a:bodyPr/>
+          <a:lstStyle/>
+          <a:p>
+            <a:pPr lvl="0">
+              <a:tabLst>
+                <a:tab pos="0" algn="l"/>
+              </a:tabLst>
+            </a:pPr>
+            <a:r>
+              <a:rPr lang="en-US" dirty="0">
+                <a:solidFill>
+                  <a:srgbClr val="404040"/>
+                </a:solidFill>
+                <a:latin typeface="Segoe UI" pitchFamily="34"/>
+              </a:rPr>
+              <a:t>To prevent SQL injection, </a:t>
+            </a:r>
+            <a:r>
+              <a:rPr lang="en-US" i="1" dirty="0">
+                <a:solidFill>
+                  <a:srgbClr val="404040"/>
+                </a:solidFill>
+                <a:latin typeface="Segoe UI" pitchFamily="34"/>
+              </a:rPr>
+              <a:t>never</a:t>
+            </a:r>
+            <a:r>
+              <a:rPr lang="en-US" dirty="0">
+                <a:solidFill>
+                  <a:srgbClr val="404040"/>
+                </a:solidFill>
+                <a:latin typeface="Segoe UI" pitchFamily="34"/>
+              </a:rPr>
+              <a:t> concatenate a SQL string with parameters</a:t>
+            </a:r>
+          </a:p>
+          <a:p>
+            <a:pPr lvl="0">
+              <a:tabLst>
+                <a:tab pos="0" algn="l"/>
+              </a:tabLst>
+            </a:pPr>
+            <a:r>
+              <a:rPr lang="en-US" dirty="0">
+                <a:solidFill>
+                  <a:srgbClr val="404040"/>
+                </a:solidFill>
+                <a:latin typeface="Segoe UI" pitchFamily="34"/>
+              </a:rPr>
+              <a:t>Instead, use the right tools and libraries to safely inject parameters for you</a:t>
+            </a:r>
+          </a:p>
+          <a:p>
+            <a:pPr lvl="0">
+              <a:tabLst>
+                <a:tab pos="0" algn="l"/>
+              </a:tabLst>
+            </a:pPr>
+            <a:r>
+              <a:rPr lang="en-US" i="1" dirty="0">
+                <a:solidFill>
+                  <a:srgbClr val="404040"/>
+                </a:solidFill>
+                <a:latin typeface="Segoe UI" pitchFamily="34"/>
+              </a:rPr>
+              <a:t>For Python, use </a:t>
+            </a:r>
+            <a:r>
+              <a:rPr lang="en-US" i="1" dirty="0" err="1">
+                <a:solidFill>
+                  <a:srgbClr val="404040"/>
+                </a:solidFill>
+                <a:latin typeface="Segoe UI" pitchFamily="34"/>
+              </a:rPr>
+              <a:t>SQLAlchemy</a:t>
+            </a:r>
+            <a:endParaRPr lang="en-US" i="1" dirty="0">
+              <a:solidFill>
+                <a:srgbClr val="404040"/>
+              </a:solidFill>
+              <a:latin typeface="Segoe UI" pitchFamily="34"/>
+            </a:endParaRPr>
+          </a:p>
+          <a:p>
+            <a:endParaRPr lang="en-US" dirty="0"/>
+          </a:p>
+        </p:txBody>
+      </p:sp>
+      <p:sp>
+        <p:nvSpPr>
+          <p:cNvPr id="3" name="Title 2"/>
+          <p:cNvSpPr>
+            <a:spLocks noGrp="1"/>
+          </p:cNvSpPr>
+          <p:nvPr>
+            <p:ph type="title"/>
+          </p:nvPr>
+        </p:nvSpPr>
+        <p:spPr>
+          <a:xfrm>
+            <a:off x="1265944" y="61931"/>
+            <a:ext cx="10058400" cy="1450757"/>
+          </a:xfrm>
+        </p:spPr>
+        <p:txBody>
+          <a:bodyPr/>
+          <a:lstStyle/>
+          <a:p>
+            <a:r>
+              <a:rPr lang="en-US" dirty="0"/>
+              <a:t>Preventing SQL Injection	</a:t>
+            </a:r>
+          </a:p>
+        </p:txBody>
+      </p:sp>
+      <p:pic>
+        <p:nvPicPr>
+          <p:cNvPr id="4" name="Picture 3"/>
+          <p:cNvPicPr>
+            <a:picLocks noChangeAspect="1"/>
+          </p:cNvPicPr>
+          <p:nvPr/>
+        </p:nvPicPr>
+        <p:blipFill>
+          <a:blip r:embed="rId2">
+            <a:lum/>
+            <a:alphaModFix/>
+          </a:blip>
+          <a:srcRect/>
+          <a:stretch>
+            <a:fillRect/>
+          </a:stretch>
+        </p:blipFill>
+        <p:spPr>
+          <a:xfrm>
+            <a:off x="1463066" y="3416693"/>
+            <a:ext cx="6905160" cy="2229839"/>
+          </a:xfrm>
+          <a:prstGeom prst="rect">
+            <a:avLst/>
+          </a:prstGeom>
+          <a:noFill/>
+          <a:ln>
+            <a:noFill/>
+          </a:ln>
+        </p:spPr>
+      </p:pic>
+      <p:pic>
+        <p:nvPicPr>
+          <p:cNvPr id="5" name="Picture 4"/>
+          <p:cNvPicPr>
+            <a:picLocks noChangeAspect="1"/>
+          </p:cNvPicPr>
+          <p:nvPr/>
+        </p:nvPicPr>
+        <p:blipFill>
+          <a:blip r:embed="rId3">
+            <a:lum/>
+            <a:alphaModFix/>
+          </a:blip>
+          <a:srcRect/>
+          <a:stretch>
+            <a:fillRect/>
+          </a:stretch>
+        </p:blipFill>
+        <p:spPr>
+          <a:xfrm>
+            <a:off x="9132235" y="3218359"/>
+            <a:ext cx="1556084" cy="2041771"/>
+          </a:xfrm>
+          <a:prstGeom prst="rect">
+            <a:avLst/>
+          </a:prstGeom>
+          <a:noFill/>
+          <a:ln>
+            <a:noFill/>
+          </a:ln>
+        </p:spPr>
+      </p:pic>
+      <p:sp>
+        <p:nvSpPr>
+          <p:cNvPr id="6" name="Rectangle 5"/>
+          <p:cNvSpPr/>
+          <p:nvPr/>
+        </p:nvSpPr>
+        <p:spPr>
+          <a:xfrm>
+            <a:off x="8565347" y="5490963"/>
+            <a:ext cx="2980368" cy="923330"/>
+          </a:xfrm>
+          <a:prstGeom prst="rect">
+            <a:avLst/>
+          </a:prstGeom>
+        </p:spPr>
+        <p:txBody>
+          <a:bodyPr wrap="none">
+            <a:spAutoFit/>
+          </a:bodyPr>
+          <a:lstStyle/>
+          <a:p>
+            <a:r>
+              <a:rPr lang="en-US" i="1" dirty="0"/>
+              <a:t>More info at: </a:t>
+            </a:r>
+            <a:endParaRPr lang="en-US" dirty="0"/>
+          </a:p>
+          <a:p>
+            <a:r>
+              <a:rPr lang="en-US" dirty="0">
+                <a:hlinkClick r:id="rId4"/>
+              </a:rPr>
+              <a:t>http://www.sqlalchemy.org/</a:t>
+            </a:r>
+            <a:endParaRPr lang="en-US" dirty="0"/>
+          </a:p>
+          <a:p>
+            <a:endParaRPr lang="en-US" dirty="0"/>
+          </a:p>
+        </p:txBody>
+      </p:sp>
+    </p:spTree>
+    <p:extLst>
+      <p:ext uri="{BB962C8B-B14F-4D97-AF65-F5344CB8AC3E}">
+        <p14:creationId xmlns:p14="http://schemas.microsoft.com/office/powerpoint/2010/main" val="343667891"/>
+      </p:ext>
+    </p:extLst>
+  </p:cSld>
+  <p:clrMapOvr>
+    <a:masterClrMapping/>
+  </p:clrMapOvr>
+  <p:timing>
+    <p:tnLst>
+      <p:par>
+        <p:cTn id="1" dur="indefinite" restart="never" nodeType="tmRoot">
+          <p:childTnLst>
+            <p:seq concurrent="1" nextAc="seek">
+              <p:cTn id="2" dur="indefinite" nodeType="mainSeq">
+                <p:childTnLst>
+                  <p:par>
+                    <p:cTn id="3" fill="hold">
+                      <p:stCondLst>
+                        <p:cond delay="indefinite"/>
+                      </p:stCondLst>
+                      <p:childTnLst>
+                        <p:par>
+                          <p:cTn id="4" fill="hold">
+                            <p:stCondLst>
+                              <p:cond delay="0"/>
+                            </p:stCondLst>
+                            <p:childTnLst>
+                              <p:par>
+                                <p:cTn id="5" presetID="1" presetClass="entr" presetSubtype="0" fill="hold" nodeType="clickEffect">
+                                  <p:stCondLst>
+                                    <p:cond delay="0"/>
+                                  </p:stCondLst>
+                                  <p:childTnLst>
+                                    <p:set>
+                                      <p:cBhvr>
+                                        <p:cTn id="6" dur="1" fill="hold">
+                                          <p:stCondLst>
+                                            <p:cond delay="0"/>
+                                          </p:stCondLst>
+                                        </p:cTn>
+                                        <p:tgtEl>
+                                          <p:spTgt spid="2">
+                                            <p:txEl>
+                                              <p:pRg st="0" end="0"/>
+                                            </p:txEl>
+                                          </p:spTgt>
+                                        </p:tgtEl>
+                                        <p:attrNameLst>
+                                          <p:attrName>style.visibility</p:attrName>
+                                        </p:attrNameLst>
+                                      </p:cBhvr>
+                                      <p:to>
+                                        <p:strVal val="visible"/>
+                                      </p:to>
+                                    </p:set>
+                                  </p:childTnLst>
+                                </p:cTn>
+                              </p:par>
+                            </p:childTnLst>
+                          </p:cTn>
+                        </p:par>
+                      </p:childTnLst>
+                    </p:cTn>
+                  </p:par>
+                  <p:par>
+                    <p:cTn id="7" fill="hold">
+                      <p:stCondLst>
+                        <p:cond delay="indefinite"/>
+                      </p:stCondLst>
+                      <p:childTnLst>
+                        <p:par>
+                          <p:cTn id="8" fill="hold">
+                            <p:stCondLst>
+                              <p:cond delay="0"/>
+                            </p:stCondLst>
+                            <p:childTnLst>
+                              <p:par>
+                                <p:cTn id="9" presetID="1" presetClass="entr" presetSubtype="0" fill="hold" nodeType="clickEffect">
+                                  <p:stCondLst>
+                                    <p:cond delay="0"/>
+                                  </p:stCondLst>
+                                  <p:childTnLst>
+                                    <p:set>
+                                      <p:cBhvr>
+                                        <p:cTn id="10" dur="1" fill="hold">
+                                          <p:stCondLst>
+                                            <p:cond delay="0"/>
+                                          </p:stCondLst>
+                                        </p:cTn>
+                                        <p:tgtEl>
+                                          <p:spTgt spid="2">
+                                            <p:txEl>
+                                              <p:pRg st="1" end="1"/>
+                                            </p:txEl>
+                                          </p:spTgt>
+                                        </p:tgtEl>
+                                        <p:attrNameLst>
+                                          <p:attrName>style.visibility</p:attrName>
+                                        </p:attrNameLst>
+                                      </p:cBhvr>
+                                      <p:to>
+                                        <p:strVal val="visible"/>
+                                      </p:to>
+                                    </p:set>
+                                  </p:childTnLst>
+                                </p:cTn>
+                              </p:par>
+                            </p:childTnLst>
+                          </p:cTn>
+                        </p:par>
+                      </p:childTnLst>
+                    </p:cTn>
+                  </p:par>
+                  <p:par>
+                    <p:cTn id="11" fill="hold">
+                      <p:stCondLst>
+                        <p:cond delay="indefinite"/>
+                      </p:stCondLst>
+                      <p:childTnLst>
+                        <p:par>
+                          <p:cTn id="12" fill="hold">
+                            <p:stCondLst>
+                              <p:cond delay="0"/>
+                            </p:stCondLst>
+                            <p:childTnLst>
+                              <p:par>
+                                <p:cTn id="13" presetID="1" presetClass="entr" presetSubtype="0" fill="hold" nodeType="clickEffect">
+                                  <p:stCondLst>
+                                    <p:cond delay="0"/>
+                                  </p:stCondLst>
+                                  <p:childTnLst>
+                                    <p:set>
+                                      <p:cBhvr>
+                                        <p:cTn id="14" dur="1" fill="hold">
+                                          <p:stCondLst>
+                                            <p:cond delay="0"/>
+                                          </p:stCondLst>
+                                        </p:cTn>
+                                        <p:tgtEl>
+                                          <p:spTgt spid="2">
+                                            <p:txEl>
+                                              <p:pRg st="2" end="2"/>
+                                            </p:txEl>
+                                          </p:spTgt>
+                                        </p:tgtEl>
+                                        <p:attrNameLst>
+                                          <p:attrName>style.visibility</p:attrName>
+                                        </p:attrNameLst>
+                                      </p:cBhvr>
+                                      <p:to>
+                                        <p:strVal val="visible"/>
+                                      </p:to>
+                                    </p:set>
+                                  </p:childTnLst>
+                                </p:cTn>
+                              </p:par>
+                            </p:childTnLst>
+                          </p:cTn>
+                        </p:par>
+                      </p:childTnLst>
+                    </p:cTn>
+                  </p:par>
+                  <p:par>
+                    <p:cTn id="15" fill="hold">
+                      <p:stCondLst>
+                        <p:cond delay="indefinite"/>
+                      </p:stCondLst>
+                      <p:childTnLst>
+                        <p:par>
+                          <p:cTn id="16" fill="hold">
+                            <p:stCondLst>
+                              <p:cond delay="0"/>
+                            </p:stCondLst>
+                            <p:childTnLst>
+                              <p:par>
+                                <p:cTn id="17" presetID="1" presetClass="entr" presetSubtype="0" fill="hold" nodeType="clickEffect">
+                                  <p:stCondLst>
+                                    <p:cond delay="0"/>
+                                  </p:stCondLst>
+                                  <p:childTnLst>
+                                    <p:set>
+                                      <p:cBhvr>
+                                        <p:cTn id="18" dur="1" fill="hold">
+                                          <p:stCondLst>
+                                            <p:cond delay="0"/>
+                                          </p:stCondLst>
+                                        </p:cTn>
+                                        <p:tgtEl>
+                                          <p:spTgt spid="4"/>
+                                        </p:tgtEl>
+                                        <p:attrNameLst>
+                                          <p:attrName>style.visibility</p:attrName>
+                                        </p:attrNameLst>
+                                      </p:cBhvr>
+                                      <p:to>
+                                        <p:strVal val="visible"/>
+                                      </p:to>
+                                    </p:set>
+                                  </p:childTnLst>
+                                </p:cTn>
+                              </p:par>
+                            </p:childTnLst>
+                          </p:cTn>
+                        </p:par>
+                      </p:childTnLst>
+                    </p:cTn>
+                  </p:par>
+                  <p:par>
+                    <p:cTn id="19" fill="hold">
+                      <p:stCondLst>
+                        <p:cond delay="indefinite"/>
+                      </p:stCondLst>
+                      <p:childTnLst>
+                        <p:par>
+                          <p:cTn id="20" fill="hold">
+                            <p:stCondLst>
+                              <p:cond delay="0"/>
+                            </p:stCondLst>
+                            <p:childTnLst>
+                              <p:par>
+                                <p:cTn id="21" presetID="1" presetClass="entr" presetSubtype="0" fill="hold" nodeType="clickEffect">
+                                  <p:stCondLst>
+                                    <p:cond delay="0"/>
+                                  </p:stCondLst>
+                                  <p:childTnLst>
+                                    <p:set>
+                                      <p:cBhvr>
+                                        <p:cTn id="22" dur="1" fill="hold">
+                                          <p:stCondLst>
+                                            <p:cond delay="0"/>
+                                          </p:stCondLst>
+                                        </p:cTn>
+                                        <p:tgtEl>
+                                          <p:spTgt spid="5"/>
+                                        </p:tgtEl>
+                                        <p:attrNameLst>
+                                          <p:attrName>style.visibility</p:attrName>
+                                        </p:attrNameLst>
+                                      </p:cBhvr>
+                                      <p:to>
+                                        <p:strVal val="visible"/>
+                                      </p:to>
+                                    </p:set>
+                                  </p:childTnLst>
+                                </p:cTn>
+                              </p:par>
+                              <p:par>
+                                <p:cTn id="23" presetID="1" presetClass="entr" presetSubtype="0" fill="hold" grpId="0" nodeType="withEffect">
+                                  <p:stCondLst>
+                                    <p:cond delay="0"/>
+                                  </p:stCondLst>
+                                  <p:childTnLst>
+                                    <p:set>
+                                      <p:cBhvr>
+                                        <p:cTn id="24" dur="1" fill="hold">
+                                          <p:stCondLst>
+                                            <p:cond delay="0"/>
+                                          </p:stCondLst>
+                                        </p:cTn>
+                                        <p:tgtEl>
+                                          <p:spTgt spid="6"/>
+                                        </p:tgtEl>
+                                        <p:attrNameLst>
+                                          <p:attrName>style.visibility</p:attrName>
+                                        </p:attrNameLst>
+                                      </p:cBhvr>
+                                      <p:to>
+                                        <p:strVal val="visible"/>
+                                      </p:to>
+                                    </p:set>
+                                  </p:childTnLst>
+                                </p:cTn>
+                              </p:par>
+                            </p:childTnLst>
+                          </p:cTn>
+                        </p:par>
+                      </p:childTnLst>
+                    </p:cTn>
+                  </p:par>
+                </p:childTnLst>
+              </p:cTn>
+              <p:prevCondLst>
+                <p:cond evt="onPrev" delay="0">
+                  <p:tgtEl>
+                    <p:sldTgt/>
+                  </p:tgtEl>
+                </p:cond>
+              </p:prevCondLst>
+              <p:nextCondLst>
+                <p:cond evt="onNext" delay="0">
+                  <p:tgtEl>
+                    <p:sldTgt/>
+                  </p:tgtEl>
+                </p:cond>
+              </p:nextCondLst>
+            </p:seq>
+          </p:childTnLst>
+        </p:cTn>
+      </p:par>
+    </p:tnLst>
+    <p:bldLst>
+      <p:bldP spid="6" grpId="0"/>
+    </p:bldLst>
+  </p:timing>
+</p:sld>
+</file>
+
+<file path=ppt/slides/slide15.xml><?xml version="1.0" encoding="utf-8"?>
+<p:sld xmlns:a="http://schemas.openxmlformats.org/drawingml/2006/main" xmlns:r="http://schemas.openxmlformats.org/officeDocument/2006/relationships" xmlns:p="http://schemas.openxmlformats.org/presentationml/2006/main">
+  <p:cSld>
+    <p:spTree>
+      <p:nvGrpSpPr>
+        <p:cNvPr id="1" name=""/>
+        <p:cNvGrpSpPr/>
+        <p:nvPr/>
+      </p:nvGrpSpPr>
+      <p:grpSpPr>
+        <a:xfrm>
+          <a:off x="0" y="0"/>
+          <a:ext cx="0" cy="0"/>
+          <a:chOff x="0" y="0"/>
+          <a:chExt cx="0" cy="0"/>
+        </a:xfrm>
+      </p:grpSpPr>
+      <p:sp>
+        <p:nvSpPr>
+          <p:cNvPr id="2" name="Content Placeholder 1"/>
+          <p:cNvSpPr>
+            <a:spLocks noGrp="1"/>
+          </p:cNvSpPr>
+          <p:nvPr>
+            <p:ph sz="half" idx="2"/>
+          </p:nvPr>
+        </p:nvSpPr>
+        <p:spPr>
+          <a:xfrm>
+            <a:off x="1097280" y="1855083"/>
+            <a:ext cx="8879225" cy="3978275"/>
+          </a:xfrm>
+        </p:spPr>
+        <p:txBody>
+          <a:bodyPr/>
+          <a:lstStyle/>
+          <a:p>
+            <a:pPr marL="0" indent="0">
+              <a:buNone/>
+            </a:pPr>
+            <a:r>
+              <a:rPr lang="en-US" i="1" dirty="0">
+                <a:solidFill>
+                  <a:srgbClr val="404040"/>
+                </a:solidFill>
+                <a:latin typeface="Segoe UI" pitchFamily="34"/>
+              </a:rPr>
+              <a:t>For Java, Scala, Kotlin, and other JVM languages use JDBC’s </a:t>
+            </a:r>
+            <a:r>
+              <a:rPr lang="en-US" i="1" dirty="0" err="1">
+                <a:solidFill>
+                  <a:srgbClr val="404040"/>
+                </a:solidFill>
+                <a:latin typeface="Segoe UI" pitchFamily="34"/>
+              </a:rPr>
+              <a:t>PreparedStatement</a:t>
+            </a:r>
+            <a:endParaRPr lang="en-US" i="1" dirty="0">
+              <a:solidFill>
+                <a:srgbClr val="404040"/>
+              </a:solidFill>
+              <a:latin typeface="Segoe UI" pitchFamily="34"/>
+            </a:endParaRPr>
+          </a:p>
+          <a:p>
+            <a:endParaRPr lang="en-US" dirty="0"/>
+          </a:p>
+        </p:txBody>
+      </p:sp>
+      <p:sp>
+        <p:nvSpPr>
+          <p:cNvPr id="3" name="Title 2"/>
+          <p:cNvSpPr>
+            <a:spLocks noGrp="1"/>
+          </p:cNvSpPr>
+          <p:nvPr>
+            <p:ph type="title"/>
+          </p:nvPr>
+        </p:nvSpPr>
+        <p:spPr/>
+        <p:txBody>
+          <a:bodyPr/>
+          <a:lstStyle/>
+          <a:p>
+            <a:r>
+              <a:rPr lang="en-US" dirty="0"/>
+              <a:t>Preventing SQL Injection</a:t>
+            </a:r>
+          </a:p>
+        </p:txBody>
+      </p:sp>
+      <p:pic>
+        <p:nvPicPr>
+          <p:cNvPr id="4" name="Picture 3"/>
+          <p:cNvPicPr>
+            <a:picLocks noChangeAspect="1"/>
+          </p:cNvPicPr>
+          <p:nvPr/>
+        </p:nvPicPr>
+        <p:blipFill>
+          <a:blip r:embed="rId2">
+            <a:lum/>
+            <a:alphaModFix/>
+          </a:blip>
+          <a:srcRect/>
+          <a:stretch>
+            <a:fillRect/>
+          </a:stretch>
+        </p:blipFill>
+        <p:spPr>
+          <a:xfrm>
+            <a:off x="1196033" y="2499121"/>
+            <a:ext cx="7955280" cy="2870640"/>
+          </a:xfrm>
+          <a:prstGeom prst="rect">
+            <a:avLst/>
+          </a:prstGeom>
+          <a:noFill/>
+          <a:ln>
+            <a:noFill/>
+          </a:ln>
+        </p:spPr>
+      </p:pic>
+      <p:sp>
+        <p:nvSpPr>
+          <p:cNvPr id="5" name="TextBox 4"/>
+          <p:cNvSpPr txBox="1"/>
+          <p:nvPr/>
+        </p:nvSpPr>
+        <p:spPr>
+          <a:xfrm>
+            <a:off x="1097280" y="5428622"/>
+            <a:ext cx="8152786" cy="887251"/>
+          </a:xfrm>
+          <a:prstGeom prst="rect">
+            <a:avLst/>
+          </a:prstGeom>
+          <a:noFill/>
+          <a:ln>
+            <a:noFill/>
+          </a:ln>
+        </p:spPr>
+        <p:txBody>
+          <a:bodyPr vert="horz" wrap="none" lIns="90000" tIns="45000" rIns="90000" bIns="45000" anchorCtr="0" compatLnSpc="0">
+            <a:spAutoFit/>
+          </a:bodyPr>
+          <a:lstStyle/>
+          <a:p>
+            <a:pPr marL="0" marR="0" lvl="0" indent="0" rtl="0" hangingPunct="1">
+              <a:lnSpc>
+                <a:spcPct val="100000"/>
+              </a:lnSpc>
+              <a:spcBef>
+                <a:spcPts val="0"/>
+              </a:spcBef>
+              <a:spcAft>
+                <a:spcPts val="0"/>
+              </a:spcAft>
+              <a:buNone/>
+              <a:tabLst/>
+            </a:pPr>
+            <a:r>
+              <a:rPr lang="en-US" sz="1800" b="0" i="1" u="none" strike="noStrike" kern="1200" cap="none" dirty="0">
+                <a:ln>
+                  <a:noFill/>
+                </a:ln>
+                <a:latin typeface="Source Sans Pro" pitchFamily="34"/>
+                <a:ea typeface="源ノ角ゴシック Normal" pitchFamily="2"/>
+                <a:cs typeface="FreeSans" pitchFamily="2"/>
+              </a:rPr>
+              <a:t>More info at: </a:t>
+            </a:r>
+          </a:p>
+          <a:p>
+            <a:pPr marL="0" marR="0" lvl="0" indent="0" rtl="0" hangingPunct="1">
+              <a:lnSpc>
+                <a:spcPct val="100000"/>
+              </a:lnSpc>
+              <a:spcBef>
+                <a:spcPts val="0"/>
+              </a:spcBef>
+              <a:spcAft>
+                <a:spcPts val="0"/>
+              </a:spcAft>
+              <a:buNone/>
+              <a:tabLst/>
+            </a:pPr>
+            <a:r>
+              <a:rPr lang="en-US" sz="1800" b="0" i="1" u="none" strike="noStrike" kern="1200" cap="none" dirty="0">
+                <a:ln>
+                  <a:noFill/>
+                </a:ln>
+                <a:latin typeface="Source Sans Pro" pitchFamily="34"/>
+                <a:ea typeface="源ノ角ゴシック Normal" pitchFamily="2"/>
+                <a:cs typeface="FreeSans" pitchFamily="2"/>
+                <a:hlinkClick r:id="rId3"/>
+              </a:rPr>
+              <a:t>http://tutorials.jenkov.com/jdbc/index.html</a:t>
+            </a:r>
+            <a:endParaRPr lang="en-US" sz="1800" b="0" i="1" u="none" strike="noStrike" kern="1200" cap="none" dirty="0">
+              <a:ln>
+                <a:noFill/>
+              </a:ln>
+              <a:latin typeface="Source Sans Pro" pitchFamily="34"/>
+              <a:ea typeface="源ノ角ゴシック Normal" pitchFamily="2"/>
+              <a:cs typeface="FreeSans" pitchFamily="2"/>
+            </a:endParaRPr>
+          </a:p>
+          <a:p>
+            <a:pPr lvl="0"/>
+            <a:r>
+              <a:rPr lang="en-US" i="1" dirty="0">
+                <a:latin typeface="Source Sans Pro" pitchFamily="34"/>
+                <a:ea typeface="源ノ角ゴシック Normal" pitchFamily="2"/>
+                <a:cs typeface="FreeSans" pitchFamily="2"/>
+                <a:hlinkClick r:id="rId4"/>
+              </a:rPr>
+              <a:t>http://www.marcobehler.com/make-it-so-java-db-connections-and-transactions</a:t>
+            </a:r>
+            <a:endParaRPr lang="en-US" i="1" dirty="0">
+              <a:latin typeface="Source Sans Pro" pitchFamily="34"/>
+              <a:ea typeface="源ノ角ゴシック Normal" pitchFamily="2"/>
+              <a:cs typeface="FreeSans" pitchFamily="2"/>
+            </a:endParaRPr>
+          </a:p>
+        </p:txBody>
+      </p:sp>
+    </p:spTree>
+    <p:extLst>
+      <p:ext uri="{BB962C8B-B14F-4D97-AF65-F5344CB8AC3E}">
+        <p14:creationId xmlns:p14="http://schemas.microsoft.com/office/powerpoint/2010/main" val="3368795864"/>
+      </p:ext>
+    </p:extLst>
+  </p:cSld>
+  <p:clrMapOvr>
+    <a:masterClrMapping/>
+  </p:clrMapOvr>
+</p:sld>
+</file>
+
+<file path=ppt/slides/slide16.xml><?xml version="1.0" encoding="utf-8"?>
+<p:sld xmlns:a="http://schemas.openxmlformats.org/drawingml/2006/main" xmlns:r="http://schemas.openxmlformats.org/officeDocument/2006/relationships" xmlns:p="http://schemas.openxmlformats.org/presentationml/2006/main">
+  <p:cSld>
+    <p:spTree>
+      <p:nvGrpSpPr>
+        <p:cNvPr id="1" name=""/>
+        <p:cNvGrpSpPr/>
+        <p:nvPr/>
+      </p:nvGrpSpPr>
+      <p:grpSpPr>
+        <a:xfrm>
+          <a:off x="0" y="0"/>
+          <a:ext cx="0" cy="0"/>
+          <a:chOff x="0" y="0"/>
+          <a:chExt cx="0" cy="0"/>
+        </a:xfrm>
+      </p:grpSpPr>
+      <p:sp>
+        <p:nvSpPr>
+          <p:cNvPr id="3" name="Title 2">
+            <a:extLst>
+              <a:ext uri="{FF2B5EF4-FFF2-40B4-BE49-F238E27FC236}">
+                <a16:creationId xmlns:a16="http://schemas.microsoft.com/office/drawing/2014/main" id="{01488060-F89A-4683-98CE-EC4F0F034F4D}"/>
+              </a:ext>
+            </a:extLst>
+          </p:cNvPr>
+          <p:cNvSpPr>
+            <a:spLocks noGrp="1"/>
+          </p:cNvSpPr>
+          <p:nvPr>
+            <p:ph type="title"/>
+          </p:nvPr>
+        </p:nvSpPr>
+        <p:spPr/>
+        <p:txBody>
+          <a:bodyPr/>
+          <a:lstStyle/>
+          <a:p>
+            <a:r>
+              <a:rPr lang="en-US" dirty="0"/>
+              <a:t>SQL Injection Humor</a:t>
+            </a:r>
+          </a:p>
+        </p:txBody>
+      </p:sp>
+      <p:pic>
+        <p:nvPicPr>
+          <p:cNvPr id="5" name="Picture 4">
+            <a:extLst>
+              <a:ext uri="{FF2B5EF4-FFF2-40B4-BE49-F238E27FC236}">
+                <a16:creationId xmlns:a16="http://schemas.microsoft.com/office/drawing/2014/main" id="{CE282F8B-A096-4A4D-91D5-C9E4EE414764}"/>
+              </a:ext>
+            </a:extLst>
+          </p:cNvPr>
+          <p:cNvPicPr>
+            <a:picLocks noChangeAspect="1"/>
+          </p:cNvPicPr>
+          <p:nvPr/>
+        </p:nvPicPr>
+        <p:blipFill>
+          <a:blip r:embed="rId2">
+            <a:extLst>
+              <a:ext uri="{28A0092B-C50C-407E-A947-70E740481C1C}">
+                <a14:useLocalDpi xmlns:a14="http://schemas.microsoft.com/office/drawing/2010/main" val="0"/>
+              </a:ext>
+            </a:extLst>
+          </a:blip>
+          <a:stretch>
+            <a:fillRect/>
+          </a:stretch>
+        </p:blipFill>
+        <p:spPr>
+          <a:xfrm>
+            <a:off x="521208" y="1956814"/>
+            <a:ext cx="5048250" cy="1817370"/>
+          </a:xfrm>
+          <a:prstGeom prst="rect">
+            <a:avLst/>
+          </a:prstGeom>
+        </p:spPr>
+      </p:pic>
+      <p:pic>
+        <p:nvPicPr>
+          <p:cNvPr id="7" name="Picture 6">
+            <a:extLst>
+              <a:ext uri="{FF2B5EF4-FFF2-40B4-BE49-F238E27FC236}">
+                <a16:creationId xmlns:a16="http://schemas.microsoft.com/office/drawing/2014/main" id="{64F2FB91-B8EF-463A-B9AA-1228E54BDC6B}"/>
+              </a:ext>
+            </a:extLst>
+          </p:cNvPr>
+          <p:cNvPicPr>
+            <a:picLocks noChangeAspect="1"/>
+          </p:cNvPicPr>
+          <p:nvPr/>
+        </p:nvPicPr>
+        <p:blipFill>
+          <a:blip r:embed="rId3" cstate="print">
+            <a:extLst>
+              <a:ext uri="{28A0092B-C50C-407E-A947-70E740481C1C}">
+                <a14:useLocalDpi xmlns:a14="http://schemas.microsoft.com/office/drawing/2010/main" val="0"/>
+              </a:ext>
+            </a:extLst>
+          </a:blip>
+          <a:stretch>
+            <a:fillRect/>
+          </a:stretch>
+        </p:blipFill>
+        <p:spPr>
+          <a:xfrm>
+            <a:off x="6548893" y="1891125"/>
+            <a:ext cx="4606787" cy="2609135"/>
+          </a:xfrm>
+          <a:prstGeom prst="rect">
+            <a:avLst/>
+          </a:prstGeom>
+        </p:spPr>
+      </p:pic>
+      <p:pic>
+        <p:nvPicPr>
+          <p:cNvPr id="9" name="Picture 8">
+            <a:extLst>
+              <a:ext uri="{FF2B5EF4-FFF2-40B4-BE49-F238E27FC236}">
+                <a16:creationId xmlns:a16="http://schemas.microsoft.com/office/drawing/2014/main" id="{9024049F-EDB5-4C7A-9352-53FEC948941D}"/>
+              </a:ext>
+            </a:extLst>
+          </p:cNvPr>
+          <p:cNvPicPr>
+            <a:picLocks noChangeAspect="1"/>
+          </p:cNvPicPr>
+          <p:nvPr/>
+        </p:nvPicPr>
+        <p:blipFill>
+          <a:blip r:embed="rId4">
+            <a:extLst>
+              <a:ext uri="{28A0092B-C50C-407E-A947-70E740481C1C}">
+                <a14:useLocalDpi xmlns:a14="http://schemas.microsoft.com/office/drawing/2010/main" val="0"/>
+              </a:ext>
+            </a:extLst>
+          </a:blip>
+          <a:stretch>
+            <a:fillRect/>
+          </a:stretch>
+        </p:blipFill>
+        <p:spPr>
+          <a:xfrm>
+            <a:off x="521208" y="3993638"/>
+            <a:ext cx="4495800" cy="2489549"/>
+          </a:xfrm>
+          <a:prstGeom prst="rect">
+            <a:avLst/>
+          </a:prstGeom>
+        </p:spPr>
+      </p:pic>
+      <p:pic>
+        <p:nvPicPr>
+          <p:cNvPr id="11" name="Picture 10">
+            <a:extLst>
+              <a:ext uri="{FF2B5EF4-FFF2-40B4-BE49-F238E27FC236}">
+                <a16:creationId xmlns:a16="http://schemas.microsoft.com/office/drawing/2014/main" id="{8628AE07-3A7F-4118-81C4-3F88B9319CF6}"/>
+              </a:ext>
+            </a:extLst>
+          </p:cNvPr>
+          <p:cNvPicPr>
+            <a:picLocks noChangeAspect="1"/>
+          </p:cNvPicPr>
+          <p:nvPr/>
+        </p:nvPicPr>
+        <p:blipFill>
+          <a:blip r:embed="rId5">
+            <a:extLst>
+              <a:ext uri="{28A0092B-C50C-407E-A947-70E740481C1C}">
+                <a14:useLocalDpi xmlns:a14="http://schemas.microsoft.com/office/drawing/2010/main" val="0"/>
+              </a:ext>
+            </a:extLst>
+          </a:blip>
+          <a:stretch>
+            <a:fillRect/>
+          </a:stretch>
+        </p:blipFill>
+        <p:spPr>
+          <a:xfrm>
+            <a:off x="5283708" y="4654026"/>
+            <a:ext cx="5942543" cy="1829161"/>
+          </a:xfrm>
+          <a:prstGeom prst="rect">
+            <a:avLst/>
+          </a:prstGeom>
+        </p:spPr>
+      </p:pic>
+    </p:spTree>
+    <p:extLst>
+      <p:ext uri="{BB962C8B-B14F-4D97-AF65-F5344CB8AC3E}">
+        <p14:creationId xmlns:p14="http://schemas.microsoft.com/office/powerpoint/2010/main" val="1926655148"/>
+      </p:ext>
+    </p:extLst>
+  </p:cSld>
+  <p:clrMapOvr>
+    <a:masterClrMapping/>
+  </p:clrMapOvr>
+</p:sld>
+</file>
+
+<file path=ppt/slides/slide17.xml><?xml version="1.0" encoding="utf-8"?>
+<p:sld xmlns:a="http://schemas.openxmlformats.org/drawingml/2006/main" xmlns:r="http://schemas.openxmlformats.org/officeDocument/2006/relationships" xmlns:p="http://schemas.openxmlformats.org/presentationml/2006/main">
+  <p:cSld>
+    <p:spTree>
+      <p:nvGrpSpPr>
+        <p:cNvPr id="1" name=""/>
+        <p:cNvGrpSpPr/>
+        <p:nvPr/>
+      </p:nvGrpSpPr>
+      <p:grpSpPr>
+        <a:xfrm>
+          <a:off x="0" y="0"/>
+          <a:ext cx="0" cy="0"/>
+          <a:chOff x="0" y="0"/>
+          <a:chExt cx="0" cy="0"/>
+        </a:xfrm>
+      </p:grpSpPr>
+      <p:sp>
+        <p:nvSpPr>
+          <p:cNvPr id="2" name="Content Placeholder 1">
+            <a:extLst>
+              <a:ext uri="{FF2B5EF4-FFF2-40B4-BE49-F238E27FC236}">
+                <a16:creationId xmlns:a16="http://schemas.microsoft.com/office/drawing/2014/main" id="{3412CC38-6DE6-430F-8950-FD747A71225E}"/>
+              </a:ext>
+            </a:extLst>
+          </p:cNvPr>
+          <p:cNvSpPr>
+            <a:spLocks noGrp="1"/>
+          </p:cNvSpPr>
+          <p:nvPr>
+            <p:ph sz="half" idx="2"/>
+          </p:nvPr>
+        </p:nvSpPr>
+        <p:spPr>
+          <a:xfrm>
+            <a:off x="942606" y="2067118"/>
+            <a:ext cx="10213074" cy="5137566"/>
+          </a:xfrm>
+        </p:spPr>
+        <p:txBody>
+          <a:bodyPr>
+            <a:normAutofit/>
+          </a:bodyPr>
+          <a:lstStyle/>
+          <a:p>
+            <a:r>
+              <a:rPr lang="en-US" dirty="0"/>
+              <a:t>This couple cannot do the simplest things online because their last name is ‘Null’</a:t>
+            </a:r>
+          </a:p>
+          <a:p>
+            <a:pPr marL="457177" lvl="1" indent="0">
+              <a:buNone/>
+            </a:pPr>
+            <a:r>
+              <a:rPr lang="en-US" dirty="0">
+                <a:hlinkClick r:id="rId2"/>
+              </a:rPr>
+              <a:t>https://thenextweb.com/insider/2016/03/27/last-name-null-is-tough-for-computers/</a:t>
+            </a:r>
+            <a:endParaRPr lang="en-US" dirty="0"/>
+          </a:p>
+          <a:p>
+            <a:r>
+              <a:rPr lang="en-US" dirty="0"/>
+              <a:t>Catholic financial services hacked, 130K accounts exposed</a:t>
+            </a:r>
+          </a:p>
+          <a:p>
+            <a:pPr marL="457177" lvl="1" indent="0">
+              <a:buNone/>
+            </a:pPr>
+            <a:r>
+              <a:rPr lang="en-US" dirty="0">
+                <a:hlinkClick r:id="rId3"/>
+              </a:rPr>
+              <a:t>http://www.twincities.com/2017/10/16/catholic-united-financial-data-breach-may-have-affected-nearly-130k-accounts/</a:t>
+            </a:r>
+            <a:endParaRPr lang="en-US" dirty="0"/>
+          </a:p>
+          <a:p>
+            <a:r>
+              <a:rPr lang="en-US" dirty="0"/>
+              <a:t>South Africa’s massive data breach </a:t>
+            </a:r>
+          </a:p>
+          <a:p>
+            <a:pPr marL="457177" lvl="1" indent="0">
+              <a:buNone/>
+            </a:pPr>
+            <a:r>
+              <a:rPr lang="en-US" dirty="0">
+                <a:hlinkClick r:id="rId4"/>
+              </a:rPr>
+              <a:t>https://www.moneyweb.co.za/news/tech/revealed-the-real-source-of-sas-massive-data-breach/</a:t>
+            </a:r>
+            <a:endParaRPr lang="en-US" dirty="0"/>
+          </a:p>
+          <a:p>
+            <a:r>
+              <a:rPr lang="en-US" dirty="0" err="1"/>
+              <a:t>TalkTalk</a:t>
+            </a:r>
+            <a:r>
+              <a:rPr lang="en-US" dirty="0"/>
+              <a:t> gets record £400K fine for failing to prevent October 2015 attack</a:t>
+            </a:r>
+          </a:p>
+          <a:p>
+            <a:pPr marL="457177" lvl="1" indent="0">
+              <a:buNone/>
+            </a:pPr>
+            <a:r>
+              <a:rPr lang="en-US" dirty="0">
+                <a:hlinkClick r:id="rId5"/>
+              </a:rPr>
+              <a:t>https://ico.org.uk/about-the-ico/news-and-events/news-and-blogs/2016/10/talktalk-gets-record-400-000-fine-for-failing-to-prevent-october-2015-attack/</a:t>
+            </a:r>
+            <a:endParaRPr lang="en-US" dirty="0"/>
+          </a:p>
+          <a:p>
+            <a:pPr marL="457177" lvl="1" indent="0">
+              <a:buNone/>
+            </a:pPr>
+            <a:endParaRPr lang="en-US" dirty="0"/>
+          </a:p>
+        </p:txBody>
+      </p:sp>
+      <p:sp>
+        <p:nvSpPr>
+          <p:cNvPr id="3" name="Title 2">
+            <a:extLst>
+              <a:ext uri="{FF2B5EF4-FFF2-40B4-BE49-F238E27FC236}">
+                <a16:creationId xmlns:a16="http://schemas.microsoft.com/office/drawing/2014/main" id="{99E88784-0E2E-4529-8C4A-3CD04E29C08B}"/>
+              </a:ext>
+            </a:extLst>
+          </p:cNvPr>
+          <p:cNvSpPr>
+            <a:spLocks noGrp="1"/>
+          </p:cNvSpPr>
+          <p:nvPr>
+            <p:ph type="title"/>
+          </p:nvPr>
+        </p:nvSpPr>
+        <p:spPr/>
+        <p:txBody>
+          <a:bodyPr/>
+          <a:lstStyle/>
+          <a:p>
+            <a:r>
+              <a:rPr lang="en-US" dirty="0"/>
+              <a:t>SQL Injection in the News</a:t>
+            </a:r>
+          </a:p>
+        </p:txBody>
+      </p:sp>
+    </p:spTree>
+    <p:extLst>
+      <p:ext uri="{BB962C8B-B14F-4D97-AF65-F5344CB8AC3E}">
+        <p14:creationId xmlns:p14="http://schemas.microsoft.com/office/powerpoint/2010/main" val="2654527223"/>
+      </p:ext>
+    </p:extLst>
+  </p:cSld>
+  <p:clrMapOvr>
+    <a:masterClrMapping/>
+  </p:clrMapOvr>
+</p:sld>
+</file>
+
 <file path=ppt/slides/slide2.xml><?xml version="1.0" encoding="utf-8"?>
 <p:sld xmlns:a="http://schemas.openxmlformats.org/drawingml/2006/main" xmlns:r="http://schemas.openxmlformats.org/officeDocument/2006/relationships" xmlns:p="http://schemas.openxmlformats.org/presentationml/2006/main">
   <p:cSld>
@@ -6163,11 +7486,7 @@
           </p:cNvSpPr>
           <p:nvPr>
             <p:ph type="title"/>
-            <p:extLst>
-              <p:ext uri="{D42A27DB-BD31-4B8C-83A1-F6EECF244321}">
-                <p14:modId xmlns:p14="http://schemas.microsoft.com/office/powerpoint/2010/main" val="3351496175"/>
-              </p:ext>
-            </p:extLst>
+            <p:extLst/>
           </p:nvPr>
         </p:nvSpPr>
         <p:spPr/>
@@ -6190,11 +7509,7 @@
           </p:cNvSpPr>
           <p:nvPr>
             <p:ph idx="1"/>
-            <p:extLst>
-              <p:ext uri="{D42A27DB-BD31-4B8C-83A1-F6EECF244321}">
-                <p14:modId xmlns:p14="http://schemas.microsoft.com/office/powerpoint/2010/main" val="2557329642"/>
-              </p:ext>
-            </p:extLst>
+            <p:extLst/>
           </p:nvPr>
         </p:nvSpPr>
         <p:spPr/>
@@ -6283,11 +7598,7 @@
           </p:cNvSpPr>
           <p:nvPr>
             <p:ph type="title"/>
-            <p:extLst>
-              <p:ext uri="{D42A27DB-BD31-4B8C-83A1-F6EECF244321}">
-                <p14:modId xmlns:p14="http://schemas.microsoft.com/office/powerpoint/2010/main" val="657451467"/>
-              </p:ext>
-            </p:extLst>
+            <p:extLst/>
           </p:nvPr>
         </p:nvSpPr>
         <p:spPr/>
@@ -6310,11 +7621,7 @@
           </p:cNvSpPr>
           <p:nvPr>
             <p:ph idx="1"/>
-            <p:extLst>
-              <p:ext uri="{D42A27DB-BD31-4B8C-83A1-F6EECF244321}">
-                <p14:modId xmlns:p14="http://schemas.microsoft.com/office/powerpoint/2010/main" val="97301370"/>
-              </p:ext>
-            </p:extLst>
+            <p:extLst/>
           </p:nvPr>
         </p:nvSpPr>
         <p:spPr/>
@@ -6606,11 +7913,7 @@
           </p:cNvSpPr>
           <p:nvPr>
             <p:ph type="title"/>
-            <p:extLst>
-              <p:ext uri="{D42A27DB-BD31-4B8C-83A1-F6EECF244321}">
-                <p14:modId xmlns:p14="http://schemas.microsoft.com/office/powerpoint/2010/main" val="1388460168"/>
-              </p:ext>
-            </p:extLst>
+            <p:extLst/>
           </p:nvPr>
         </p:nvSpPr>
         <p:spPr/>
@@ -6633,11 +7936,7 @@
           </p:cNvSpPr>
           <p:nvPr>
             <p:ph idx="1"/>
-            <p:extLst>
-              <p:ext uri="{D42A27DB-BD31-4B8C-83A1-F6EECF244321}">
-                <p14:modId xmlns:p14="http://schemas.microsoft.com/office/powerpoint/2010/main" val="2614013226"/>
-              </p:ext>
-            </p:extLst>
+            <p:extLst/>
           </p:nvPr>
         </p:nvSpPr>
         <p:spPr/>
@@ -6737,11 +8036,7 @@
           </p:cNvSpPr>
           <p:nvPr>
             <p:ph type="title"/>
-            <p:extLst>
-              <p:ext uri="{D42A27DB-BD31-4B8C-83A1-F6EECF244321}">
-                <p14:modId xmlns:p14="http://schemas.microsoft.com/office/powerpoint/2010/main" val="2551614881"/>
-              </p:ext>
-            </p:extLst>
+            <p:extLst/>
           </p:nvPr>
         </p:nvSpPr>
         <p:spPr/>
@@ -6764,11 +8059,7 @@
           </p:cNvSpPr>
           <p:nvPr>
             <p:ph idx="1"/>
-            <p:extLst>
-              <p:ext uri="{D42A27DB-BD31-4B8C-83A1-F6EECF244321}">
-                <p14:modId xmlns:p14="http://schemas.microsoft.com/office/powerpoint/2010/main" val="1145184261"/>
-              </p:ext>
-            </p:extLst>
+            <p:extLst/>
           </p:nvPr>
         </p:nvSpPr>
         <p:spPr/>
@@ -6881,11 +8172,7 @@
           </p:cNvSpPr>
           <p:nvPr>
             <p:ph type="title"/>
-            <p:extLst>
-              <p:ext uri="{D42A27DB-BD31-4B8C-83A1-F6EECF244321}">
-                <p14:modId xmlns:p14="http://schemas.microsoft.com/office/powerpoint/2010/main" val="2955631352"/>
-              </p:ext>
-            </p:extLst>
+            <p:extLst/>
           </p:nvPr>
         </p:nvSpPr>
         <p:spPr/>
@@ -6908,11 +8195,7 @@
           </p:cNvSpPr>
           <p:nvPr>
             <p:ph idx="1"/>
-            <p:extLst>
-              <p:ext uri="{D42A27DB-BD31-4B8C-83A1-F6EECF244321}">
-                <p14:modId xmlns:p14="http://schemas.microsoft.com/office/powerpoint/2010/main" val="2042150928"/>
-              </p:ext>
-            </p:extLst>
+            <p:extLst/>
           </p:nvPr>
         </p:nvSpPr>
         <p:spPr/>
@@ -6995,11 +8278,7 @@
           </p:cNvSpPr>
           <p:nvPr>
             <p:ph type="title"/>
-            <p:extLst>
-              <p:ext uri="{D42A27DB-BD31-4B8C-83A1-F6EECF244321}">
-                <p14:modId xmlns:p14="http://schemas.microsoft.com/office/powerpoint/2010/main" val="3117939636"/>
-              </p:ext>
-            </p:extLst>
+            <p:extLst/>
           </p:nvPr>
         </p:nvSpPr>
         <p:spPr/>
@@ -7022,11 +8301,7 @@
           </p:cNvSpPr>
           <p:nvPr>
             <p:ph idx="1"/>
-            <p:extLst>
-              <p:ext uri="{D42A27DB-BD31-4B8C-83A1-F6EECF244321}">
-                <p14:modId xmlns:p14="http://schemas.microsoft.com/office/powerpoint/2010/main" val="4081822929"/>
-              </p:ext>
-            </p:extLst>
+            <p:extLst/>
           </p:nvPr>
         </p:nvSpPr>
         <p:spPr/>
@@ -7160,19 +8435,40 @@
           <a:chExt cx="0" cy="0"/>
         </a:xfrm>
       </p:grpSpPr>
-      <p:sp>
-        <p:nvSpPr>
-          <p:cNvPr id="2" name="Title 1"/>
+      <p:pic>
+        <p:nvPicPr>
+          <p:cNvPr id="4" name="Content Placeholder 3"/>
+          <p:cNvPicPr>
+            <a:picLocks noGrp="1" noChangeAspect="1"/>
+          </p:cNvPicPr>
+          <p:nvPr>
+            <p:ph sz="half" idx="2"/>
+          </p:nvPr>
+        </p:nvPicPr>
+        <p:blipFill>
+          <a:blip r:embed="rId2"/>
+          <a:stretch>
+            <a:fillRect/>
+          </a:stretch>
+        </p:blipFill>
+        <p:spPr>
+          <a:xfrm>
+            <a:off x="1572506" y="1889918"/>
+            <a:ext cx="8512399" cy="4376205"/>
+          </a:xfrm>
+          <a:prstGeom prst="rect">
+            <a:avLst/>
+          </a:prstGeom>
+        </p:spPr>
+      </p:pic>
+      <p:sp>
+        <p:nvSpPr>
+          <p:cNvPr id="3" name="Title 2"/>
           <p:cNvSpPr>
             <a:spLocks noGrp="1"/>
           </p:cNvSpPr>
           <p:nvPr>
             <p:ph type="title"/>
-            <p:extLst>
-              <p:ext uri="{D42A27DB-BD31-4B8C-83A1-F6EECF244321}">
-                <p14:modId xmlns:p14="http://schemas.microsoft.com/office/powerpoint/2010/main" val="993943024"/>
-              </p:ext>
-            </p:extLst>
           </p:nvPr>
         </p:nvSpPr>
         <p:spPr/>
@@ -7182,47 +8478,15 @@
           <a:p>
             <a:r>
               <a:rPr lang="en-US" dirty="0"/>
-              <a:t>Section VI Exercise</a:t>
-            </a:r>
-          </a:p>
-        </p:txBody>
-      </p:sp>
-      <p:sp>
-        <p:nvSpPr>
-          <p:cNvPr id="3" name="Content Placeholder 2"/>
-          <p:cNvSpPr>
-            <a:spLocks noGrp="1"/>
-          </p:cNvSpPr>
-          <p:nvPr>
-            <p:ph idx="1"/>
-            <p:extLst>
-              <p:ext uri="{D42A27DB-BD31-4B8C-83A1-F6EECF244321}">
-                <p14:modId xmlns:p14="http://schemas.microsoft.com/office/powerpoint/2010/main" val="783590770"/>
-              </p:ext>
-            </p:extLst>
-          </p:nvPr>
-        </p:nvSpPr>
-        <p:spPr/>
-        <p:txBody>
-          <a:bodyPr vert="horz" lIns="0" tIns="45720" rIns="0" bIns="45720" rtlCol="0" anchor="t">
-            <a:normAutofit/>
-          </a:bodyPr>
-          <a:lstStyle/>
-          <a:p>
-            <a:r>
-              <a:rPr lang="en-US" dirty="0"/>
-              <a:t>For every CALENDAR_DATE and CUSTOMER_ID, show the total QUANTITY ordered for the date range of 2017-01-01 to 2017-03-31:</a:t>
-            </a:r>
-          </a:p>
-          <a:p>
-            <a:endParaRPr lang="en-US" dirty="0"/>
+              <a:t>INNER JOIN</a:t>
+            </a:r>
           </a:p>
         </p:txBody>
       </p:sp>
     </p:spTree>
     <p:extLst>
       <p:ext uri="{BB962C8B-B14F-4D97-AF65-F5344CB8AC3E}">
-        <p14:creationId xmlns:p14="http://schemas.microsoft.com/office/powerpoint/2010/main" val="3340675965"/>
+        <p14:creationId xmlns:p14="http://schemas.microsoft.com/office/powerpoint/2010/main" val="1250764550"/>
       </p:ext>
     </p:extLst>
   </p:cSld>
@@ -7251,17 +8515,12 @@
       </p:grpSpPr>
       <p:sp>
         <p:nvSpPr>
-          <p:cNvPr id="2" name="Title 1"/>
+          <p:cNvPr id="3" name="Title 2"/>
           <p:cNvSpPr>
             <a:spLocks noGrp="1"/>
           </p:cNvSpPr>
           <p:nvPr>
             <p:ph type="title"/>
-            <p:extLst>
-              <p:ext uri="{D42A27DB-BD31-4B8C-83A1-F6EECF244321}">
-                <p14:modId xmlns:p14="http://schemas.microsoft.com/office/powerpoint/2010/main" val="1722213002"/>
-              </p:ext>
-            </p:extLst>
           </p:nvPr>
         </p:nvSpPr>
         <p:spPr/>
@@ -7271,50 +8530,39 @@
           <a:p>
             <a:r>
               <a:rPr lang="en-US" dirty="0"/>
-              <a:t>Section V Exercise</a:t>
-            </a:r>
-          </a:p>
-        </p:txBody>
-      </p:sp>
-      <p:sp>
-        <p:nvSpPr>
-          <p:cNvPr id="3" name="Content Placeholder 2"/>
-          <p:cNvSpPr>
-            <a:spLocks noGrp="1"/>
-          </p:cNvSpPr>
-          <p:nvPr>
-            <p:ph idx="1"/>
-            <p:extLst>
-              <p:ext uri="{D42A27DB-BD31-4B8C-83A1-F6EECF244321}">
-                <p14:modId xmlns:p14="http://schemas.microsoft.com/office/powerpoint/2010/main" val="2929663290"/>
-              </p:ext>
-            </p:extLst>
-          </p:nvPr>
-        </p:nvSpPr>
-        <p:spPr/>
-        <p:txBody>
-          <a:bodyPr vert="horz" lIns="0" tIns="45720" rIns="0" bIns="45720" rtlCol="0" anchor="t">
-            <a:normAutofit/>
-          </a:bodyPr>
-          <a:lstStyle/>
-          <a:p>
-            <a:pPr marL="0" indent="0">
-              <a:buNone/>
-            </a:pPr>
-            <a:r>
-              <a:rPr lang="en-US" dirty="0"/>
-              <a:t>For the month of March, bring in the rolling sum of QUANTITY ordered (to each ORDER_DATE) by CUSTOMER_ID and PRODUCT_ID.</a:t>
-            </a:r>
-          </a:p>
-          <a:p>
-            <a:endParaRPr lang="en-US" dirty="0"/>
-          </a:p>
-        </p:txBody>
-      </p:sp>
+              <a:t>LEFT OUTER JOIN</a:t>
+            </a:r>
+          </a:p>
+        </p:txBody>
+      </p:sp>
+      <p:pic>
+        <p:nvPicPr>
+          <p:cNvPr id="5" name="Picture 4"/>
+          <p:cNvPicPr>
+            <a:picLocks noChangeAspect="1"/>
+          </p:cNvPicPr>
+          <p:nvPr/>
+        </p:nvPicPr>
+        <p:blipFill>
+          <a:blip r:embed="rId2"/>
+          <a:stretch>
+            <a:fillRect/>
+          </a:stretch>
+        </p:blipFill>
+        <p:spPr>
+          <a:xfrm>
+            <a:off x="2010562" y="1890887"/>
+            <a:ext cx="7584012" cy="4240152"/>
+          </a:xfrm>
+          <a:prstGeom prst="rect">
+            <a:avLst/>
+          </a:prstGeom>
+        </p:spPr>
+      </p:pic>
     </p:spTree>
     <p:extLst>
       <p:ext uri="{BB962C8B-B14F-4D97-AF65-F5344CB8AC3E}">
-        <p14:creationId xmlns:p14="http://schemas.microsoft.com/office/powerpoint/2010/main" val="98360105"/>
+        <p14:creationId xmlns:p14="http://schemas.microsoft.com/office/powerpoint/2010/main" val="1956463271"/>
       </p:ext>
     </p:extLst>
   </p:cSld>

--- a/oreilly_advanced_sql_for_data_analysis.pptx
+++ b/oreilly_advanced_sql_for_data_analysis.pptx
@@ -131,10 +131,6 @@
 </p:presentation>
 </file>
 
-<file path=ppt/revisionInfo.xml><?xml version="1.0" encoding="utf-8"?>
-<p1510:revInfo xmlns:a="http://schemas.openxmlformats.org/drawingml/2006/main" xmlns:r="http://schemas.openxmlformats.org/officeDocument/2006/relationships" xmlns:p1510="http://schemas.microsoft.com/office/powerpoint/2015/10/main"/>
-</file>
-
 <file path=ppt/notesMasters/notesMaster1.xml><?xml version="1.0" encoding="utf-8"?>
 <p:notesMaster xmlns:a="http://schemas.openxmlformats.org/drawingml/2006/main" xmlns:r="http://schemas.openxmlformats.org/officeDocument/2006/relationships" xmlns:p="http://schemas.openxmlformats.org/presentationml/2006/main">
   <p:cSld>
@@ -217,7 +213,7 @@
           <a:p>
             <a:fld id="{D68E09DD-A271-4E46-9B09-7316EE422583}" type="datetimeFigureOut">
               <a:rPr lang="en-US"/>
-              <a:t>10/24/2017</a:t>
+              <a:t>4/30/2019</a:t>
             </a:fld>
             <a:endParaRPr lang="en-US"/>
           </a:p>
@@ -1550,7 +1546,7 @@
           <a:p>
             <a:fld id="{4BDF68E2-58F2-4D09-BE8B-E3BD06533059}" type="datetimeFigureOut">
               <a:rPr lang="en-US" dirty="0"/>
-              <a:t>10/24/2017</a:t>
+              <a:t>4/30/2019</a:t>
             </a:fld>
             <a:endParaRPr lang="en-US" dirty="0"/>
           </a:p>
@@ -1753,7 +1749,7 @@
           <a:p>
             <a:fld id="{2E2D6473-DF6D-4702-B328-E0DD40540A4E}" type="datetimeFigureOut">
               <a:rPr lang="en-US" dirty="0"/>
-              <a:t>10/24/2017</a:t>
+              <a:t>4/30/2019</a:t>
             </a:fld>
             <a:endParaRPr lang="en-US" dirty="0"/>
           </a:p>
@@ -2004,7 +2000,7 @@
           <a:p>
             <a:fld id="{E26F7E3A-B166-407D-9866-32884E7D5B37}" type="datetimeFigureOut">
               <a:rPr lang="en-US" dirty="0"/>
-              <a:t>10/24/2017</a:t>
+              <a:t>4/30/2019</a:t>
             </a:fld>
             <a:endParaRPr lang="en-US" dirty="0"/>
           </a:p>
@@ -2173,7 +2169,7 @@
           <a:p>
             <a:fld id="{528FC5F6-F338-4AE4-BB23-26385BCFC423}" type="datetimeFigureOut">
               <a:rPr lang="en-US" dirty="0"/>
-              <a:t>10/24/2017</a:t>
+              <a:t>4/30/2019</a:t>
             </a:fld>
             <a:endParaRPr lang="en-US" dirty="0"/>
           </a:p>
@@ -2511,7 +2507,7 @@
           <a:p>
             <a:fld id="{20EBB0C4-6273-4C6E-B9BD-2EDC30F1CD52}" type="datetimeFigureOut">
               <a:rPr lang="en-US" dirty="0"/>
-              <a:t>10/24/2017</a:t>
+              <a:t>4/30/2019</a:t>
             </a:fld>
             <a:endParaRPr lang="en-US" dirty="0"/>
           </a:p>
@@ -2781,7 +2777,7 @@
           <a:p>
             <a:fld id="{19AB4D41-86C1-4908-B66A-0B50CEB3BF29}" type="datetimeFigureOut">
               <a:rPr lang="en-US" dirty="0"/>
-              <a:t>10/24/2017</a:t>
+              <a:t>4/30/2019</a:t>
             </a:fld>
             <a:endParaRPr lang="en-US" dirty="0"/>
           </a:p>
@@ -3155,7 +3151,7 @@
           <a:p>
             <a:fld id="{E6426E2C-56C1-4E0D-A793-0088A7FDD37E}" type="datetimeFigureOut">
               <a:rPr lang="en-US" dirty="0"/>
-              <a:t>10/24/2017</a:t>
+              <a:t>4/30/2019</a:t>
             </a:fld>
             <a:endParaRPr lang="en-US" dirty="0"/>
           </a:p>
@@ -3268,7 +3264,7 @@
           <a:p>
             <a:fld id="{C8C39B41-D8B5-4052-B551-9B5525EAA8B6}" type="datetimeFigureOut">
               <a:rPr lang="en-US" dirty="0"/>
-              <a:t>10/24/2017</a:t>
+              <a:t>4/30/2019</a:t>
             </a:fld>
             <a:endParaRPr lang="en-US" dirty="0"/>
           </a:p>
@@ -3434,7 +3430,7 @@
           <a:p>
             <a:fld id="{4D94136C-8742-45B2-AF27-D93DF72833A9}" type="datetimeFigureOut">
               <a:rPr lang="en-US" dirty="0"/>
-              <a:t>10/24/2017</a:t>
+              <a:t>4/30/2019</a:t>
             </a:fld>
             <a:endParaRPr lang="en-US" dirty="0"/>
           </a:p>
@@ -3784,7 +3780,7 @@
           <a:p>
             <a:fld id="{32ABBEA6-7C60-4B02-AE87-00D78D8422AF}" type="datetimeFigureOut">
               <a:rPr lang="en-US" dirty="0"/>
-              <a:t>10/24/2017</a:t>
+              <a:t>4/30/2019</a:t>
             </a:fld>
             <a:endParaRPr lang="en-US" dirty="0"/>
           </a:p>
@@ -4159,7 +4155,7 @@
           <a:p>
             <a:fld id="{C9CAD897-D46E-4AD2-BD9B-49DD3E640873}" type="datetimeFigureOut">
               <a:rPr lang="en-US" dirty="0"/>
-              <a:t>10/24/2017</a:t>
+              <a:t>4/30/2019</a:t>
             </a:fld>
             <a:endParaRPr lang="en-US" dirty="0"/>
           </a:p>
@@ -4441,7 +4437,7 @@
           <a:p>
             <a:fld id="{98624D31-43A5-475A-80CF-332C9F6DCF35}" type="datetimeFigureOut">
               <a:rPr lang="en-US" dirty="0"/>
-              <a:t>10/24/2017</a:t>
+              <a:t>4/30/2019</a:t>
             </a:fld>
             <a:endParaRPr lang="en-US" dirty="0"/>
           </a:p>
@@ -4977,7 +4973,7 @@
           <a:p>
             <a:r>
               <a:rPr lang="en-US" dirty="0"/>
-              <a:t>Advanced SQL </a:t>
+              <a:t>Intermediate SQL </a:t>
             </a:r>
           </a:p>
         </p:txBody>
@@ -5268,7 +5264,7 @@
         <p:spPr/>
         <p:txBody>
           <a:bodyPr vert="horz" lIns="0" tIns="45720" rIns="0" bIns="45720" rtlCol="0" anchor="t">
-            <a:normAutofit fontScale="92500" lnSpcReduction="10000"/>
+            <a:normAutofit/>
           </a:bodyPr>
           <a:lstStyle/>
           <a:p>
@@ -5320,7 +5316,18 @@
             </a:pPr>
             <a:r>
               <a:rPr lang="en-US" dirty="0"/>
-              <a:t>MySQL 8</a:t>
+              <a:t>MySQL (as of version 8)</a:t>
+            </a:r>
+          </a:p>
+          <a:p>
+            <a:pPr marL="383540" lvl="1">
+              <a:buClr>
+                <a:srgbClr val="E48312"/>
+              </a:buClr>
+            </a:pPr>
+            <a:r>
+              <a:rPr lang="en-US" dirty="0"/>
+              <a:t>SQLite (as of version 3.25.0) </a:t>
             </a:r>
           </a:p>
           <a:p>
@@ -5340,7 +5347,7 @@
             <a:pPr marL="383540" lvl="1"/>
             <a:r>
               <a:rPr lang="en-US" dirty="0"/>
-              <a:t>SQLite</a:t>
+              <a:t>SQLite (previous version 3.25.0)</a:t>
             </a:r>
           </a:p>
           <a:p>
@@ -5348,18 +5355,6 @@
             <a:r>
               <a:rPr lang="en-US" dirty="0"/>
               <a:t>MariaDB</a:t>
-            </a:r>
-          </a:p>
-          <a:p>
-            <a:r>
-              <a:rPr lang="en-US" dirty="0"/>
-              <a:t>Since SQLite does not support windowing functions, we will use a web-based PostgreSQL client: </a:t>
-            </a:r>
-            <a:r>
-              <a:rPr lang="en-US" dirty="0">
-                <a:hlinkClick r:id="rId3"/>
-              </a:rPr>
-              <a:t>http://rextester.com/l/postgresql_online_compiler</a:t>
             </a:r>
           </a:p>
         </p:txBody>
@@ -5611,33 +5606,15 @@
                                   </p:childTnLst>
                                 </p:cTn>
                               </p:par>
-                            </p:childTnLst>
-                          </p:cTn>
-                        </p:par>
-                      </p:childTnLst>
-                    </p:cTn>
-                  </p:par>
-                  <p:par>
-                    <p:cTn id="19" fill="hold">
-                      <p:stCondLst>
-                        <p:cond delay="indefinite"/>
-                      </p:stCondLst>
-                      <p:childTnLst>
-                        <p:par>
-                          <p:cTn id="20" fill="hold">
-                            <p:stCondLst>
-                              <p:cond delay="0"/>
-                            </p:stCondLst>
-                            <p:childTnLst>
                               <p:par>
-                                <p:cTn id="21" presetID="1" presetClass="entr" presetSubtype="0" fill="hold" grpId="0" nodeType="clickEffect">
+                                <p:cTn id="19" presetID="1" presetClass="entr" presetSubtype="0" fill="hold" grpId="0" nodeType="withEffect">
                                   <p:stCondLst>
                                     <p:cond delay="0"/>
                                   </p:stCondLst>
                                   <p:childTnLst>
                                     <p:set>
                                       <p:cBhvr>
-                                        <p:cTn id="22" dur="1" fill="hold">
+                                        <p:cTn id="20" dur="1" fill="hold">
                                           <p:stCondLst>
                                             <p:cond delay="0"/>
                                           </p:stCondLst>
@@ -5660,8 +5637,26 @@
                                   </p:childTnLst>
                                 </p:cTn>
                               </p:par>
+                            </p:childTnLst>
+                          </p:cTn>
+                        </p:par>
+                      </p:childTnLst>
+                    </p:cTn>
+                  </p:par>
+                  <p:par>
+                    <p:cTn id="21" fill="hold">
+                      <p:stCondLst>
+                        <p:cond delay="indefinite"/>
+                      </p:stCondLst>
+                      <p:childTnLst>
+                        <p:par>
+                          <p:cTn id="22" fill="hold">
+                            <p:stCondLst>
+                              <p:cond delay="0"/>
+                            </p:stCondLst>
+                            <p:childTnLst>
                               <p:par>
-                                <p:cTn id="23" presetID="1" presetClass="entr" presetSubtype="0" fill="hold" grpId="0" nodeType="withEffect">
+                                <p:cTn id="23" presetID="1" presetClass="entr" presetSubtype="0" fill="hold" grpId="0" nodeType="clickEffect">
                                   <p:stCondLst>
                                     <p:cond delay="0"/>
                                   </p:stCondLst>
@@ -5753,33 +5748,15 @@
                                   </p:childTnLst>
                                 </p:cTn>
                               </p:par>
-                            </p:childTnLst>
-                          </p:cTn>
-                        </p:par>
-                      </p:childTnLst>
-                    </p:cTn>
-                  </p:par>
-                  <p:par>
-                    <p:cTn id="29" fill="hold">
-                      <p:stCondLst>
-                        <p:cond delay="indefinite"/>
-                      </p:stCondLst>
-                      <p:childTnLst>
-                        <p:par>
-                          <p:cTn id="30" fill="hold">
-                            <p:stCondLst>
-                              <p:cond delay="0"/>
-                            </p:stCondLst>
-                            <p:childTnLst>
                               <p:par>
-                                <p:cTn id="31" presetID="1" presetClass="entr" presetSubtype="0" fill="hold" grpId="0" nodeType="clickEffect">
+                                <p:cTn id="29" presetID="1" presetClass="entr" presetSubtype="0" fill="hold" grpId="0" nodeType="withEffect">
                                   <p:stCondLst>
                                     <p:cond delay="0"/>
                                   </p:stCondLst>
                                   <p:childTnLst>
                                     <p:set>
                                       <p:cBhvr>
-                                        <p:cTn id="32" dur="1" fill="hold">
+                                        <p:cTn id="30" dur="1" fill="hold">
                                           <p:stCondLst>
                                             <p:cond delay="0"/>
                                           </p:stCondLst>
@@ -7948,7 +7925,7 @@
           <a:p>
             <a:r>
               <a:rPr lang="en-US" dirty="0"/>
-              <a:t>SQLiteStudio can be downloaded at the official site:</a:t>
+              <a:t>DB Browser for SQLite can be downloaded at the official site:</a:t>
             </a:r>
           </a:p>
           <a:p>
@@ -7956,7 +7933,7 @@
               <a:rPr lang="en-US" dirty="0">
                 <a:hlinkClick r:id="rId3"/>
               </a:rPr>
-              <a:t>https://sqlitestudio.pl/index.rvt?act=download</a:t>
+              <a:t>https://sqlitebrowser.org/</a:t>
             </a:r>
             <a:endParaRPr lang="en-US" dirty="0"/>
           </a:p>
@@ -7966,19 +7943,7 @@
           <a:p>
             <a:r>
               <a:rPr lang="en-US" dirty="0"/>
-              <a:t>For Windows and Linux, simply unzip the folder to a location of  your choice and open </a:t>
-            </a:r>
-            <a:r>
-              <a:rPr lang="en-US" b="1" dirty="0"/>
-              <a:t>SQLiteStudio </a:t>
-            </a:r>
-            <a:r>
-              <a:rPr lang="en-US" dirty="0"/>
-              <a:t>or </a:t>
-            </a:r>
-            <a:r>
-              <a:rPr lang="en-US" b="1" dirty="0"/>
-              <a:t>SQLiteStudio.exe</a:t>
+              <a:t>You can install DB Browser, or use a portable version where you can download, unzip, and launch the executable. </a:t>
             </a:r>
           </a:p>
           <a:p>
@@ -7987,7 +7952,7 @@
           <a:p>
             <a:r>
               <a:rPr lang="en-US" dirty="0"/>
-              <a:t>For MacOS, double-click the downloaded DMG to install it or drag it to your Applications folder</a:t>
+              <a:t>If you cannot install or download any software, you can use SQLiteOnline.com which is an online-only SQLite browser. </a:t>
             </a:r>
           </a:p>
           <a:p>
